--- a/materials/slides/ch08-conclusion.pptx
+++ b/materials/slides/ch08-conclusion.pptx
@@ -5,50 +5,50 @@
     <p:sldMasterId id="2147483648" r:id="rId1"/>
   </p:sldMasterIdLst>
   <p:notesMasterIdLst>
-    <p:notesMasterId r:id="rId10"/>
+    <p:notesMasterId r:id="rId41"/>
   </p:notesMasterIdLst>
   <p:sldIdLst>
-    <p:sldId id="355" r:id="rId3"/>
-    <p:sldId id="330" r:id="rId4"/>
-    <p:sldId id="379" r:id="rId5"/>
-    <p:sldId id="431" r:id="rId6"/>
-    <p:sldId id="432" r:id="rId7"/>
-    <p:sldId id="433" r:id="rId8"/>
-    <p:sldId id="435" r:id="rId9"/>
-    <p:sldId id="423" r:id="rId11"/>
-    <p:sldId id="436" r:id="rId12"/>
-    <p:sldId id="424" r:id="rId13"/>
-    <p:sldId id="437" r:id="rId14"/>
-    <p:sldId id="438" r:id="rId15"/>
-    <p:sldId id="439" r:id="rId16"/>
-    <p:sldId id="440" r:id="rId17"/>
-    <p:sldId id="441" r:id="rId18"/>
-    <p:sldId id="442" r:id="rId19"/>
-    <p:sldId id="425" r:id="rId20"/>
-    <p:sldId id="443" r:id="rId21"/>
-    <p:sldId id="426" r:id="rId22"/>
-    <p:sldId id="444" r:id="rId23"/>
-    <p:sldId id="445" r:id="rId24"/>
-    <p:sldId id="446" r:id="rId25"/>
-    <p:sldId id="427" r:id="rId26"/>
-    <p:sldId id="447" r:id="rId27"/>
-    <p:sldId id="448" r:id="rId28"/>
-    <p:sldId id="449" r:id="rId29"/>
-    <p:sldId id="450" r:id="rId30"/>
-    <p:sldId id="454" r:id="rId31"/>
-    <p:sldId id="428" r:id="rId32"/>
-    <p:sldId id="452" r:id="rId33"/>
-    <p:sldId id="343" r:id="rId34"/>
-    <p:sldId id="344" r:id="rId35"/>
-    <p:sldId id="345" r:id="rId36"/>
-    <p:sldId id="429" r:id="rId37"/>
-    <p:sldId id="457" r:id="rId38"/>
-    <p:sldId id="346" r:id="rId39"/>
-    <p:sldId id="328" r:id="rId40"/>
-    <p:sldId id="329" r:id="rId41"/>
-    <p:sldId id="354" r:id="rId42"/>
+    <p:sldId id="355" r:id="rId2"/>
+    <p:sldId id="330" r:id="rId3"/>
+    <p:sldId id="379" r:id="rId4"/>
+    <p:sldId id="431" r:id="rId5"/>
+    <p:sldId id="432" r:id="rId6"/>
+    <p:sldId id="433" r:id="rId7"/>
+    <p:sldId id="435" r:id="rId8"/>
+    <p:sldId id="423" r:id="rId9"/>
+    <p:sldId id="436" r:id="rId10"/>
+    <p:sldId id="424" r:id="rId11"/>
+    <p:sldId id="437" r:id="rId12"/>
+    <p:sldId id="438" r:id="rId13"/>
+    <p:sldId id="439" r:id="rId14"/>
+    <p:sldId id="440" r:id="rId15"/>
+    <p:sldId id="441" r:id="rId16"/>
+    <p:sldId id="442" r:id="rId17"/>
+    <p:sldId id="425" r:id="rId18"/>
+    <p:sldId id="443" r:id="rId19"/>
+    <p:sldId id="426" r:id="rId20"/>
+    <p:sldId id="444" r:id="rId21"/>
+    <p:sldId id="445" r:id="rId22"/>
+    <p:sldId id="446" r:id="rId23"/>
+    <p:sldId id="427" r:id="rId24"/>
+    <p:sldId id="447" r:id="rId25"/>
+    <p:sldId id="448" r:id="rId26"/>
+    <p:sldId id="449" r:id="rId27"/>
+    <p:sldId id="450" r:id="rId28"/>
+    <p:sldId id="454" r:id="rId29"/>
+    <p:sldId id="428" r:id="rId30"/>
+    <p:sldId id="452" r:id="rId31"/>
+    <p:sldId id="343" r:id="rId32"/>
+    <p:sldId id="344" r:id="rId33"/>
+    <p:sldId id="345" r:id="rId34"/>
+    <p:sldId id="429" r:id="rId35"/>
+    <p:sldId id="457" r:id="rId36"/>
+    <p:sldId id="346" r:id="rId37"/>
+    <p:sldId id="328" r:id="rId38"/>
+    <p:sldId id="329" r:id="rId39"/>
+    <p:sldId id="354" r:id="rId40"/>
   </p:sldIdLst>
-  <p:sldSz cx="12190095" cy="6859270"/>
+  <p:sldSz cx="12190413" cy="6859588"/>
   <p:notesSz cx="6858000" cy="9144000"/>
   <p:defaultTextStyle>
     <a:defPPr>
@@ -230,6 +230,7 @@
           <a:p>
             <a:fld id="{0E4E0BC6-38A4-47D2-A16E-1969BFB3BA5E}" type="datetimeFigureOut">
               <a:rPr lang="zh-CN" altLang="en-US" smtClean="0"/>
+              <a:t>2019/5/20</a:t>
             </a:fld>
             <a:endParaRPr lang="zh-CN" altLang="en-US"/>
           </a:p>
@@ -296,7 +297,6 @@
               <a:rPr lang="zh-CN" altLang="en-US"/>
               <a:t>单击此处编辑母版文本样式</a:t>
             </a:r>
-            <a:endParaRPr lang="zh-CN" altLang="en-US"/>
           </a:p>
           <a:p>
             <a:pPr lvl="1"/>
@@ -304,7 +304,6 @@
               <a:rPr lang="zh-CN" altLang="en-US"/>
               <a:t>第二级</a:t>
             </a:r>
-            <a:endParaRPr lang="zh-CN" altLang="en-US"/>
           </a:p>
           <a:p>
             <a:pPr lvl="2"/>
@@ -312,7 +311,6 @@
               <a:rPr lang="zh-CN" altLang="en-US"/>
               <a:t>第三级</a:t>
             </a:r>
-            <a:endParaRPr lang="zh-CN" altLang="en-US"/>
           </a:p>
           <a:p>
             <a:pPr lvl="3"/>
@@ -320,7 +318,6 @@
               <a:rPr lang="zh-CN" altLang="en-US"/>
               <a:t>第四级</a:t>
             </a:r>
-            <a:endParaRPr lang="zh-CN" altLang="en-US"/>
           </a:p>
           <a:p>
             <a:pPr lvl="4"/>
@@ -328,7 +325,6 @@
               <a:rPr lang="zh-CN" altLang="en-US"/>
               <a:t>第五级</a:t>
             </a:r>
-            <a:endParaRPr lang="zh-CN" altLang="en-US"/>
           </a:p>
         </p:txBody>
       </p:sp>
@@ -392,12 +388,18 @@
           <a:p>
             <a:fld id="{DE111FDB-DAD7-4D52-9BAA-09527333435C}" type="slidenum">
               <a:rPr lang="zh-CN" altLang="en-US" smtClean="0"/>
+              <a:t>‹#›</a:t>
             </a:fld>
             <a:endParaRPr lang="zh-CN" altLang="en-US"/>
           </a:p>
         </p:txBody>
       </p:sp>
     </p:spTree>
+    <p:extLst>
+      <p:ext uri="{BB962C8B-B14F-4D97-AF65-F5344CB8AC3E}">
+        <p14:creationId xmlns:p14="http://schemas.microsoft.com/office/powerpoint/2010/main" val="4186938427"/>
+      </p:ext>
+    </p:extLst>
   </p:cSld>
   <p:clrMap bg1="lt1" tx1="dk1" bg2="lt2" tx2="dk2" accent1="accent1" accent2="accent2" accent3="accent3" accent4="accent4" accent5="accent5" accent6="accent6" hlink="hlink" folHlink="folHlink"/>
   <p:notesStyle>
@@ -577,6 +579,7 @@
           <a:p>
             <a:fld id="{06DCD21A-BDB2-4B27-8168-5519350708CC}" type="slidenum">
               <a:rPr lang="zh-CN" altLang="en-US" smtClean="0"/>
+              <a:t>7</a:t>
             </a:fld>
             <a:endParaRPr lang="zh-CN" altLang="en-US"/>
           </a:p>
@@ -660,6 +663,7 @@
           <a:p>
             <a:fld id="{DE111FDB-DAD7-4D52-9BAA-09527333435C}" type="slidenum">
               <a:rPr lang="zh-CN" altLang="en-US" smtClean="0"/>
+              <a:t>37</a:t>
             </a:fld>
             <a:endParaRPr lang="zh-CN" altLang="en-US"/>
           </a:p>
@@ -718,7 +722,6 @@
               <a:rPr lang="zh-CN" altLang="en-US"/>
               <a:t>单击此处编辑母版标题样式</a:t>
             </a:r>
-            <a:endParaRPr lang="zh-CN" altLang="en-US"/>
           </a:p>
         </p:txBody>
       </p:sp>
@@ -783,7 +786,6 @@
               <a:rPr lang="zh-CN" altLang="en-US"/>
               <a:t>单击此处编辑母版副标题样式</a:t>
             </a:r>
-            <a:endParaRPr lang="zh-CN" altLang="en-US"/>
           </a:p>
         </p:txBody>
       </p:sp>
@@ -804,6 +806,7 @@
           <a:p>
             <a:fld id="{C87C0710-1941-4207-AFC4-70422DBD405E}" type="datetimeFigureOut">
               <a:rPr lang="zh-CN" altLang="en-US" smtClean="0"/>
+              <a:t>2019/5/20</a:t>
             </a:fld>
             <a:endParaRPr lang="zh-CN" altLang="en-US"/>
           </a:p>
@@ -845,6 +848,7 @@
           <a:p>
             <a:fld id="{5BD3F7A2-AB4B-46DB-92F9-EC6C90760ED0}" type="slidenum">
               <a:rPr lang="zh-CN" altLang="en-US" smtClean="0"/>
+              <a:t>‹#›</a:t>
             </a:fld>
             <a:endParaRPr lang="zh-CN" altLang="en-US"/>
           </a:p>
@@ -855,11 +859,11 @@
   <p:clrMapOvr>
     <a:masterClrMapping/>
   </p:clrMapOvr>
-  <mc:AlternateContent xmlns:mc="http://schemas.openxmlformats.org/markup-compatibility/2006">
-    <mc:Choice xmlns:p14="http://schemas.microsoft.com/office/powerpoint/2010/main" Requires="p14">
+  <mc:AlternateContent xmlns:mc="http://schemas.openxmlformats.org/markup-compatibility/2006" xmlns:p14="http://schemas.microsoft.com/office/powerpoint/2010/main">
+    <mc:Choice Requires="p14">
       <p:transition spd="slow" p14:dur="1600"/>
     </mc:Choice>
-    <mc:Fallback>
+    <mc:Fallback xmlns="">
       <p:transition spd="slow"/>
     </mc:Fallback>
   </mc:AlternateContent>
@@ -902,7 +906,6 @@
               <a:rPr lang="zh-CN" altLang="en-US" dirty="0"/>
               <a:t>单击此处编辑母版标题样式</a:t>
             </a:r>
-            <a:endParaRPr lang="zh-CN" altLang="en-US" dirty="0"/>
           </a:p>
         </p:txBody>
       </p:sp>
@@ -926,7 +929,6 @@
               <a:rPr lang="zh-CN" altLang="en-US"/>
               <a:t>单击此处编辑母版文本样式</a:t>
             </a:r>
-            <a:endParaRPr lang="zh-CN" altLang="en-US"/>
           </a:p>
           <a:p>
             <a:pPr lvl="1"/>
@@ -934,7 +936,6 @@
               <a:rPr lang="zh-CN" altLang="en-US"/>
               <a:t>第二级</a:t>
             </a:r>
-            <a:endParaRPr lang="zh-CN" altLang="en-US"/>
           </a:p>
           <a:p>
             <a:pPr lvl="2"/>
@@ -942,7 +943,6 @@
               <a:rPr lang="zh-CN" altLang="en-US"/>
               <a:t>第三级</a:t>
             </a:r>
-            <a:endParaRPr lang="zh-CN" altLang="en-US"/>
           </a:p>
           <a:p>
             <a:pPr lvl="3"/>
@@ -950,7 +950,6 @@
               <a:rPr lang="zh-CN" altLang="en-US"/>
               <a:t>第四级</a:t>
             </a:r>
-            <a:endParaRPr lang="zh-CN" altLang="en-US"/>
           </a:p>
           <a:p>
             <a:pPr lvl="4"/>
@@ -958,7 +957,6 @@
               <a:rPr lang="zh-CN" altLang="en-US"/>
               <a:t>第五级</a:t>
             </a:r>
-            <a:endParaRPr lang="zh-CN" altLang="en-US"/>
           </a:p>
         </p:txBody>
       </p:sp>
@@ -979,6 +977,7 @@
           <a:p>
             <a:fld id="{C87C0710-1941-4207-AFC4-70422DBD405E}" type="datetimeFigureOut">
               <a:rPr lang="zh-CN" altLang="en-US" smtClean="0"/>
+              <a:t>2019/5/20</a:t>
             </a:fld>
             <a:endParaRPr lang="zh-CN" altLang="en-US"/>
           </a:p>
@@ -1020,6 +1019,7 @@
           <a:p>
             <a:fld id="{5BD3F7A2-AB4B-46DB-92F9-EC6C90760ED0}" type="slidenum">
               <a:rPr lang="zh-CN" altLang="en-US" smtClean="0"/>
+              <a:t>‹#›</a:t>
             </a:fld>
             <a:endParaRPr lang="zh-CN" altLang="en-US"/>
           </a:p>
@@ -1030,11 +1030,11 @@
   <p:clrMapOvr>
     <a:masterClrMapping/>
   </p:clrMapOvr>
-  <mc:AlternateContent xmlns:mc="http://schemas.openxmlformats.org/markup-compatibility/2006">
-    <mc:Choice xmlns:p14="http://schemas.microsoft.com/office/powerpoint/2010/main" Requires="p14">
+  <mc:AlternateContent xmlns:mc="http://schemas.openxmlformats.org/markup-compatibility/2006" xmlns:p14="http://schemas.microsoft.com/office/powerpoint/2010/main">
+    <mc:Choice Requires="p14">
       <p:transition spd="slow" p14:dur="1600"/>
     </mc:Choice>
-    <mc:Fallback>
+    <mc:Fallback xmlns="">
       <p:transition spd="slow"/>
     </mc:Fallback>
   </mc:AlternateContent>
@@ -1082,7 +1082,6 @@
               <a:rPr lang="zh-CN" altLang="en-US"/>
               <a:t>单击此处编辑母版标题样式</a:t>
             </a:r>
-            <a:endParaRPr lang="zh-CN" altLang="en-US"/>
           </a:p>
         </p:txBody>
       </p:sp>
@@ -1111,7 +1110,6 @@
               <a:rPr lang="zh-CN" altLang="en-US"/>
               <a:t>单击此处编辑母版文本样式</a:t>
             </a:r>
-            <a:endParaRPr lang="zh-CN" altLang="en-US"/>
           </a:p>
           <a:p>
             <a:pPr lvl="1"/>
@@ -1119,7 +1117,6 @@
               <a:rPr lang="zh-CN" altLang="en-US"/>
               <a:t>第二级</a:t>
             </a:r>
-            <a:endParaRPr lang="zh-CN" altLang="en-US"/>
           </a:p>
           <a:p>
             <a:pPr lvl="2"/>
@@ -1127,7 +1124,6 @@
               <a:rPr lang="zh-CN" altLang="en-US"/>
               <a:t>第三级</a:t>
             </a:r>
-            <a:endParaRPr lang="zh-CN" altLang="en-US"/>
           </a:p>
           <a:p>
             <a:pPr lvl="3"/>
@@ -1135,7 +1131,6 @@
               <a:rPr lang="zh-CN" altLang="en-US"/>
               <a:t>第四级</a:t>
             </a:r>
-            <a:endParaRPr lang="zh-CN" altLang="en-US"/>
           </a:p>
           <a:p>
             <a:pPr lvl="4"/>
@@ -1143,7 +1138,6 @@
               <a:rPr lang="zh-CN" altLang="en-US"/>
               <a:t>第五级</a:t>
             </a:r>
-            <a:endParaRPr lang="zh-CN" altLang="en-US"/>
           </a:p>
         </p:txBody>
       </p:sp>
@@ -1164,6 +1158,7 @@
           <a:p>
             <a:fld id="{C87C0710-1941-4207-AFC4-70422DBD405E}" type="datetimeFigureOut">
               <a:rPr lang="zh-CN" altLang="en-US" smtClean="0"/>
+              <a:t>2019/5/20</a:t>
             </a:fld>
             <a:endParaRPr lang="zh-CN" altLang="en-US"/>
           </a:p>
@@ -1205,6 +1200,7 @@
           <a:p>
             <a:fld id="{5BD3F7A2-AB4B-46DB-92F9-EC6C90760ED0}" type="slidenum">
               <a:rPr lang="zh-CN" altLang="en-US" smtClean="0"/>
+              <a:t>‹#›</a:t>
             </a:fld>
             <a:endParaRPr lang="zh-CN" altLang="en-US"/>
           </a:p>
@@ -1215,11 +1211,11 @@
   <p:clrMapOvr>
     <a:masterClrMapping/>
   </p:clrMapOvr>
-  <mc:AlternateContent xmlns:mc="http://schemas.openxmlformats.org/markup-compatibility/2006">
-    <mc:Choice xmlns:p14="http://schemas.microsoft.com/office/powerpoint/2010/main" Requires="p14">
+  <mc:AlternateContent xmlns:mc="http://schemas.openxmlformats.org/markup-compatibility/2006" xmlns:p14="http://schemas.microsoft.com/office/powerpoint/2010/main">
+    <mc:Choice Requires="p14">
       <p:transition spd="slow" p14:dur="1600"/>
     </mc:Choice>
-    <mc:Fallback>
+    <mc:Fallback xmlns="">
       <p:transition spd="slow"/>
     </mc:Fallback>
   </mc:AlternateContent>
@@ -1279,11 +1275,11 @@
   <p:clrMapOvr>
     <a:masterClrMapping/>
   </p:clrMapOvr>
-  <mc:AlternateContent xmlns:mc="http://schemas.openxmlformats.org/markup-compatibility/2006">
-    <mc:Choice xmlns:p14="http://schemas.microsoft.com/office/powerpoint/2010/main" Requires="p14">
+  <mc:AlternateContent xmlns:mc="http://schemas.openxmlformats.org/markup-compatibility/2006" xmlns:p14="http://schemas.microsoft.com/office/powerpoint/2010/main">
+    <mc:Choice Requires="p14">
       <p:transition spd="slow" p14:dur="1600"/>
     </mc:Choice>
-    <mc:Fallback>
+    <mc:Fallback xmlns="">
       <p:transition spd="slow"/>
     </mc:Fallback>
   </mc:AlternateContent>
@@ -1558,7 +1554,6 @@
               <a:rPr lang="zh-CN" altLang="en-US" dirty="0"/>
               <a:t>单击此处编辑母版标题样式</a:t>
             </a:r>
-            <a:endParaRPr lang="zh-CN" altLang="en-US" dirty="0"/>
           </a:p>
         </p:txBody>
       </p:sp>
@@ -1567,11 +1562,11 @@
   <p:clrMapOvr>
     <a:masterClrMapping/>
   </p:clrMapOvr>
-  <mc:AlternateContent xmlns:mc="http://schemas.openxmlformats.org/markup-compatibility/2006">
-    <mc:Choice xmlns:p14="http://schemas.microsoft.com/office/powerpoint/2010/main" Requires="p14">
+  <mc:AlternateContent xmlns:mc="http://schemas.openxmlformats.org/markup-compatibility/2006" xmlns:p14="http://schemas.microsoft.com/office/powerpoint/2010/main">
+    <mc:Choice Requires="p14">
       <p:transition spd="slow" p14:dur="1600"/>
     </mc:Choice>
-    <mc:Fallback>
+    <mc:Fallback xmlns="">
       <p:transition spd="slow"/>
     </mc:Fallback>
   </mc:AlternateContent>
@@ -1623,7 +1618,6 @@
               <a:rPr lang="zh-CN" altLang="en-US"/>
               <a:t>单击此处编辑母版标题样式</a:t>
             </a:r>
-            <a:endParaRPr lang="zh-CN" altLang="en-US"/>
           </a:p>
         </p:txBody>
       </p:sp>
@@ -1743,7 +1737,6 @@
               <a:rPr lang="zh-CN" altLang="en-US"/>
               <a:t>单击此处编辑母版文本样式</a:t>
             </a:r>
-            <a:endParaRPr lang="zh-CN" altLang="en-US"/>
           </a:p>
         </p:txBody>
       </p:sp>
@@ -1764,6 +1757,7 @@
           <a:p>
             <a:fld id="{C87C0710-1941-4207-AFC4-70422DBD405E}" type="datetimeFigureOut">
               <a:rPr lang="zh-CN" altLang="en-US" smtClean="0"/>
+              <a:t>2019/5/20</a:t>
             </a:fld>
             <a:endParaRPr lang="zh-CN" altLang="en-US"/>
           </a:p>
@@ -1805,6 +1799,7 @@
           <a:p>
             <a:fld id="{5BD3F7A2-AB4B-46DB-92F9-EC6C90760ED0}" type="slidenum">
               <a:rPr lang="zh-CN" altLang="en-US" smtClean="0"/>
+              <a:t>‹#›</a:t>
             </a:fld>
             <a:endParaRPr lang="zh-CN" altLang="en-US"/>
           </a:p>
@@ -1815,11 +1810,11 @@
   <p:clrMapOvr>
     <a:masterClrMapping/>
   </p:clrMapOvr>
-  <mc:AlternateContent xmlns:mc="http://schemas.openxmlformats.org/markup-compatibility/2006">
-    <mc:Choice xmlns:p14="http://schemas.microsoft.com/office/powerpoint/2010/main" Requires="p14">
+  <mc:AlternateContent xmlns:mc="http://schemas.openxmlformats.org/markup-compatibility/2006" xmlns:p14="http://schemas.microsoft.com/office/powerpoint/2010/main">
+    <mc:Choice Requires="p14">
       <p:transition spd="slow" p14:dur="1600"/>
     </mc:Choice>
-    <mc:Fallback>
+    <mc:Fallback xmlns="">
       <p:transition spd="slow"/>
     </mc:Fallback>
   </mc:AlternateContent>
@@ -1862,7 +1857,6 @@
               <a:rPr lang="zh-CN" altLang="en-US"/>
               <a:t>单击此处编辑母版标题样式</a:t>
             </a:r>
-            <a:endParaRPr lang="zh-CN" altLang="en-US"/>
           </a:p>
         </p:txBody>
       </p:sp>
@@ -1891,7 +1885,6 @@
               <a:rPr lang="zh-CN" altLang="en-US" dirty="0"/>
               <a:t>单击此处编辑母版文本样式</a:t>
             </a:r>
-            <a:endParaRPr lang="zh-CN" altLang="en-US" dirty="0"/>
           </a:p>
           <a:p>
             <a:pPr lvl="1"/>
@@ -1899,7 +1892,6 @@
               <a:rPr lang="zh-CN" altLang="en-US" dirty="0"/>
               <a:t>第二级</a:t>
             </a:r>
-            <a:endParaRPr lang="zh-CN" altLang="en-US" dirty="0"/>
           </a:p>
           <a:p>
             <a:pPr lvl="2"/>
@@ -1907,7 +1899,6 @@
               <a:rPr lang="zh-CN" altLang="en-US" dirty="0"/>
               <a:t>第三级</a:t>
             </a:r>
-            <a:endParaRPr lang="zh-CN" altLang="en-US" dirty="0"/>
           </a:p>
           <a:p>
             <a:pPr lvl="3"/>
@@ -1915,7 +1906,6 @@
               <a:rPr lang="zh-CN" altLang="en-US" dirty="0"/>
               <a:t>第四级</a:t>
             </a:r>
-            <a:endParaRPr lang="zh-CN" altLang="en-US" dirty="0"/>
           </a:p>
           <a:p>
             <a:pPr lvl="4"/>
@@ -1923,7 +1913,6 @@
               <a:rPr lang="zh-CN" altLang="en-US" dirty="0"/>
               <a:t>第五级</a:t>
             </a:r>
-            <a:endParaRPr lang="zh-CN" altLang="en-US" dirty="0"/>
           </a:p>
         </p:txBody>
       </p:sp>
@@ -1952,7 +1941,6 @@
               <a:rPr lang="zh-CN" altLang="en-US"/>
               <a:t>单击此处编辑母版文本样式</a:t>
             </a:r>
-            <a:endParaRPr lang="zh-CN" altLang="en-US"/>
           </a:p>
           <a:p>
             <a:pPr lvl="1"/>
@@ -1960,7 +1948,6 @@
               <a:rPr lang="zh-CN" altLang="en-US"/>
               <a:t>第二级</a:t>
             </a:r>
-            <a:endParaRPr lang="zh-CN" altLang="en-US"/>
           </a:p>
           <a:p>
             <a:pPr lvl="2"/>
@@ -1968,7 +1955,6 @@
               <a:rPr lang="zh-CN" altLang="en-US"/>
               <a:t>第三级</a:t>
             </a:r>
-            <a:endParaRPr lang="zh-CN" altLang="en-US"/>
           </a:p>
           <a:p>
             <a:pPr lvl="3"/>
@@ -1976,7 +1962,6 @@
               <a:rPr lang="zh-CN" altLang="en-US"/>
               <a:t>第四级</a:t>
             </a:r>
-            <a:endParaRPr lang="zh-CN" altLang="en-US"/>
           </a:p>
           <a:p>
             <a:pPr lvl="4"/>
@@ -1984,7 +1969,6 @@
               <a:rPr lang="zh-CN" altLang="en-US"/>
               <a:t>第五级</a:t>
             </a:r>
-            <a:endParaRPr lang="zh-CN" altLang="en-US"/>
           </a:p>
         </p:txBody>
       </p:sp>
@@ -2005,6 +1989,7 @@
           <a:p>
             <a:fld id="{C87C0710-1941-4207-AFC4-70422DBD405E}" type="datetimeFigureOut">
               <a:rPr lang="zh-CN" altLang="en-US" smtClean="0"/>
+              <a:t>2019/5/20</a:t>
             </a:fld>
             <a:endParaRPr lang="zh-CN" altLang="en-US"/>
           </a:p>
@@ -2046,6 +2031,7 @@
           <a:p>
             <a:fld id="{5BD3F7A2-AB4B-46DB-92F9-EC6C90760ED0}" type="slidenum">
               <a:rPr lang="zh-CN" altLang="en-US" smtClean="0"/>
+              <a:t>‹#›</a:t>
             </a:fld>
             <a:endParaRPr lang="zh-CN" altLang="en-US"/>
           </a:p>
@@ -2056,11 +2042,11 @@
   <p:clrMapOvr>
     <a:masterClrMapping/>
   </p:clrMapOvr>
-  <mc:AlternateContent xmlns:mc="http://schemas.openxmlformats.org/markup-compatibility/2006">
-    <mc:Choice xmlns:p14="http://schemas.microsoft.com/office/powerpoint/2010/main" Requires="p14">
+  <mc:AlternateContent xmlns:mc="http://schemas.openxmlformats.org/markup-compatibility/2006" xmlns:p14="http://schemas.microsoft.com/office/powerpoint/2010/main">
+    <mc:Choice Requires="p14">
       <p:transition spd="slow" p14:dur="1600"/>
     </mc:Choice>
-    <mc:Fallback>
+    <mc:Fallback xmlns="">
       <p:transition spd="slow"/>
     </mc:Fallback>
   </mc:AlternateContent>
@@ -2108,7 +2094,6 @@
               <a:rPr lang="zh-CN" altLang="en-US" dirty="0"/>
               <a:t>单击此处编辑母版标题样式</a:t>
             </a:r>
-            <a:endParaRPr lang="zh-CN" altLang="en-US" dirty="0"/>
           </a:p>
         </p:txBody>
       </p:sp>
@@ -2174,7 +2159,6 @@
               <a:rPr lang="zh-CN" altLang="en-US"/>
               <a:t>单击此处编辑母版文本样式</a:t>
             </a:r>
-            <a:endParaRPr lang="zh-CN" altLang="en-US"/>
           </a:p>
         </p:txBody>
       </p:sp>
@@ -2203,7 +2187,6 @@
               <a:rPr lang="zh-CN" altLang="en-US"/>
               <a:t>单击此处编辑母版文本样式</a:t>
             </a:r>
-            <a:endParaRPr lang="zh-CN" altLang="en-US"/>
           </a:p>
           <a:p>
             <a:pPr lvl="1"/>
@@ -2211,7 +2194,6 @@
               <a:rPr lang="zh-CN" altLang="en-US"/>
               <a:t>第二级</a:t>
             </a:r>
-            <a:endParaRPr lang="zh-CN" altLang="en-US"/>
           </a:p>
           <a:p>
             <a:pPr lvl="2"/>
@@ -2219,7 +2201,6 @@
               <a:rPr lang="zh-CN" altLang="en-US"/>
               <a:t>第三级</a:t>
             </a:r>
-            <a:endParaRPr lang="zh-CN" altLang="en-US"/>
           </a:p>
           <a:p>
             <a:pPr lvl="3"/>
@@ -2227,7 +2208,6 @@
               <a:rPr lang="zh-CN" altLang="en-US"/>
               <a:t>第四级</a:t>
             </a:r>
-            <a:endParaRPr lang="zh-CN" altLang="en-US"/>
           </a:p>
           <a:p>
             <a:pPr lvl="4"/>
@@ -2235,7 +2215,6 @@
               <a:rPr lang="zh-CN" altLang="en-US"/>
               <a:t>第五级</a:t>
             </a:r>
-            <a:endParaRPr lang="zh-CN" altLang="en-US"/>
           </a:p>
         </p:txBody>
       </p:sp>
@@ -2301,7 +2280,6 @@
               <a:rPr lang="zh-CN" altLang="en-US"/>
               <a:t>单击此处编辑母版文本样式</a:t>
             </a:r>
-            <a:endParaRPr lang="zh-CN" altLang="en-US"/>
           </a:p>
         </p:txBody>
       </p:sp>
@@ -2330,7 +2308,6 @@
               <a:rPr lang="zh-CN" altLang="en-US"/>
               <a:t>单击此处编辑母版文本样式</a:t>
             </a:r>
-            <a:endParaRPr lang="zh-CN" altLang="en-US"/>
           </a:p>
           <a:p>
             <a:pPr lvl="1"/>
@@ -2338,7 +2315,6 @@
               <a:rPr lang="zh-CN" altLang="en-US"/>
               <a:t>第二级</a:t>
             </a:r>
-            <a:endParaRPr lang="zh-CN" altLang="en-US"/>
           </a:p>
           <a:p>
             <a:pPr lvl="2"/>
@@ -2346,7 +2322,6 @@
               <a:rPr lang="zh-CN" altLang="en-US"/>
               <a:t>第三级</a:t>
             </a:r>
-            <a:endParaRPr lang="zh-CN" altLang="en-US"/>
           </a:p>
           <a:p>
             <a:pPr lvl="3"/>
@@ -2354,7 +2329,6 @@
               <a:rPr lang="zh-CN" altLang="en-US"/>
               <a:t>第四级</a:t>
             </a:r>
-            <a:endParaRPr lang="zh-CN" altLang="en-US"/>
           </a:p>
           <a:p>
             <a:pPr lvl="4"/>
@@ -2362,7 +2336,6 @@
               <a:rPr lang="zh-CN" altLang="en-US"/>
               <a:t>第五级</a:t>
             </a:r>
-            <a:endParaRPr lang="zh-CN" altLang="en-US"/>
           </a:p>
         </p:txBody>
       </p:sp>
@@ -2383,6 +2356,7 @@
           <a:p>
             <a:fld id="{C87C0710-1941-4207-AFC4-70422DBD405E}" type="datetimeFigureOut">
               <a:rPr lang="zh-CN" altLang="en-US" smtClean="0"/>
+              <a:t>2019/5/20</a:t>
             </a:fld>
             <a:endParaRPr lang="zh-CN" altLang="en-US"/>
           </a:p>
@@ -2424,6 +2398,7 @@
           <a:p>
             <a:fld id="{5BD3F7A2-AB4B-46DB-92F9-EC6C90760ED0}" type="slidenum">
               <a:rPr lang="zh-CN" altLang="en-US" smtClean="0"/>
+              <a:t>‹#›</a:t>
             </a:fld>
             <a:endParaRPr lang="zh-CN" altLang="en-US"/>
           </a:p>
@@ -2434,11 +2409,11 @@
   <p:clrMapOvr>
     <a:masterClrMapping/>
   </p:clrMapOvr>
-  <mc:AlternateContent xmlns:mc="http://schemas.openxmlformats.org/markup-compatibility/2006">
-    <mc:Choice xmlns:p14="http://schemas.microsoft.com/office/powerpoint/2010/main" Requires="p14">
+  <mc:AlternateContent xmlns:mc="http://schemas.openxmlformats.org/markup-compatibility/2006" xmlns:p14="http://schemas.microsoft.com/office/powerpoint/2010/main">
+    <mc:Choice Requires="p14">
       <p:transition spd="slow" p14:dur="1600"/>
     </mc:Choice>
-    <mc:Fallback>
+    <mc:Fallback xmlns="">
       <p:transition spd="slow"/>
     </mc:Fallback>
   </mc:AlternateContent>
@@ -2481,7 +2456,6 @@
               <a:rPr lang="zh-CN" altLang="en-US"/>
               <a:t>单击此处编辑母版标题样式</a:t>
             </a:r>
-            <a:endParaRPr lang="zh-CN" altLang="en-US"/>
           </a:p>
         </p:txBody>
       </p:sp>
@@ -2502,6 +2476,7 @@
           <a:p>
             <a:fld id="{C87C0710-1941-4207-AFC4-70422DBD405E}" type="datetimeFigureOut">
               <a:rPr lang="zh-CN" altLang="en-US" smtClean="0"/>
+              <a:t>2019/5/20</a:t>
             </a:fld>
             <a:endParaRPr lang="zh-CN" altLang="en-US"/>
           </a:p>
@@ -2543,6 +2518,7 @@
           <a:p>
             <a:fld id="{5BD3F7A2-AB4B-46DB-92F9-EC6C90760ED0}" type="slidenum">
               <a:rPr lang="zh-CN" altLang="en-US" smtClean="0"/>
+              <a:t>‹#›</a:t>
             </a:fld>
             <a:endParaRPr lang="zh-CN" altLang="en-US"/>
           </a:p>
@@ -2553,11 +2529,11 @@
   <p:clrMapOvr>
     <a:masterClrMapping/>
   </p:clrMapOvr>
-  <mc:AlternateContent xmlns:mc="http://schemas.openxmlformats.org/markup-compatibility/2006">
-    <mc:Choice xmlns:p14="http://schemas.microsoft.com/office/powerpoint/2010/main" Requires="p14">
+  <mc:AlternateContent xmlns:mc="http://schemas.openxmlformats.org/markup-compatibility/2006" xmlns:p14="http://schemas.microsoft.com/office/powerpoint/2010/main">
+    <mc:Choice Requires="p14">
       <p:transition spd="slow" p14:dur="1600"/>
     </mc:Choice>
-    <mc:Fallback>
+    <mc:Fallback xmlns="">
       <p:transition spd="slow"/>
     </mc:Fallback>
   </mc:AlternateContent>
@@ -2598,6 +2574,7 @@
           <a:p>
             <a:fld id="{C87C0710-1941-4207-AFC4-70422DBD405E}" type="datetimeFigureOut">
               <a:rPr lang="zh-CN" altLang="en-US" smtClean="0"/>
+              <a:t>2019/5/20</a:t>
             </a:fld>
             <a:endParaRPr lang="zh-CN" altLang="en-US"/>
           </a:p>
@@ -2639,6 +2616,7 @@
           <a:p>
             <a:fld id="{5BD3F7A2-AB4B-46DB-92F9-EC6C90760ED0}" type="slidenum">
               <a:rPr lang="zh-CN" altLang="en-US" smtClean="0"/>
+              <a:t>‹#›</a:t>
             </a:fld>
             <a:endParaRPr lang="zh-CN" altLang="en-US"/>
           </a:p>
@@ -2892,7 +2870,6 @@
               <a:rPr lang="zh-CN" altLang="en-US" dirty="0"/>
               <a:t>单击此处编辑母版标题样式</a:t>
             </a:r>
-            <a:endParaRPr lang="zh-CN" altLang="en-US" dirty="0"/>
           </a:p>
         </p:txBody>
       </p:sp>
@@ -2986,7 +2963,6 @@
               <a:rPr lang="zh-CN" altLang="en-US" dirty="0"/>
               <a:t>单击此处编辑母版文本样式</a:t>
             </a:r>
-            <a:endParaRPr lang="zh-CN" altLang="en-US" dirty="0"/>
           </a:p>
           <a:p>
             <a:pPr lvl="1"/>
@@ -2994,7 +2970,6 @@
               <a:rPr lang="zh-CN" altLang="en-US" dirty="0"/>
               <a:t>第二级</a:t>
             </a:r>
-            <a:endParaRPr lang="zh-CN" altLang="en-US" dirty="0"/>
           </a:p>
           <a:p>
             <a:pPr lvl="2"/>
@@ -3002,7 +2977,6 @@
               <a:rPr lang="zh-CN" altLang="en-US" dirty="0"/>
               <a:t>第三级</a:t>
             </a:r>
-            <a:endParaRPr lang="zh-CN" altLang="en-US" dirty="0"/>
           </a:p>
           <a:p>
             <a:pPr lvl="3"/>
@@ -3010,7 +2984,6 @@
               <a:rPr lang="zh-CN" altLang="en-US" dirty="0"/>
               <a:t>第四级</a:t>
             </a:r>
-            <a:endParaRPr lang="zh-CN" altLang="en-US" dirty="0"/>
           </a:p>
           <a:p>
             <a:pPr lvl="4"/>
@@ -3018,7 +2991,6 @@
               <a:rPr lang="zh-CN" altLang="en-US" dirty="0"/>
               <a:t>第五级</a:t>
             </a:r>
-            <a:endParaRPr lang="zh-CN" altLang="en-US" dirty="0"/>
           </a:p>
         </p:txBody>
       </p:sp>
@@ -3027,11 +2999,11 @@
   <p:clrMapOvr>
     <a:masterClrMapping/>
   </p:clrMapOvr>
-  <mc:AlternateContent xmlns:mc="http://schemas.openxmlformats.org/markup-compatibility/2006">
-    <mc:Choice xmlns:p14="http://schemas.microsoft.com/office/powerpoint/2010/main" Requires="p14">
+  <mc:AlternateContent xmlns:mc="http://schemas.openxmlformats.org/markup-compatibility/2006" xmlns:p14="http://schemas.microsoft.com/office/powerpoint/2010/main">
+    <mc:Choice Requires="p14">
       <p:transition spd="slow" p14:dur="1600"/>
     </mc:Choice>
-    <mc:Fallback>
+    <mc:Fallback xmlns="">
       <p:transition spd="slow"/>
     </mc:Fallback>
   </mc:AlternateContent>
@@ -3083,7 +3055,6 @@
               <a:rPr lang="zh-CN" altLang="en-US"/>
               <a:t>单击此处编辑母版标题样式</a:t>
             </a:r>
-            <a:endParaRPr lang="zh-CN" altLang="en-US"/>
           </a:p>
         </p:txBody>
       </p:sp>
@@ -3140,7 +3111,6 @@
               <a:rPr lang="zh-CN" altLang="en-US"/>
               <a:t>单击此处编辑母版文本样式</a:t>
             </a:r>
-            <a:endParaRPr lang="zh-CN" altLang="en-US"/>
           </a:p>
           <a:p>
             <a:pPr lvl="1"/>
@@ -3148,7 +3118,6 @@
               <a:rPr lang="zh-CN" altLang="en-US"/>
               <a:t>第二级</a:t>
             </a:r>
-            <a:endParaRPr lang="zh-CN" altLang="en-US"/>
           </a:p>
           <a:p>
             <a:pPr lvl="2"/>
@@ -3156,7 +3125,6 @@
               <a:rPr lang="zh-CN" altLang="en-US"/>
               <a:t>第三级</a:t>
             </a:r>
-            <a:endParaRPr lang="zh-CN" altLang="en-US"/>
           </a:p>
           <a:p>
             <a:pPr lvl="3"/>
@@ -3164,7 +3132,6 @@
               <a:rPr lang="zh-CN" altLang="en-US"/>
               <a:t>第四级</a:t>
             </a:r>
-            <a:endParaRPr lang="zh-CN" altLang="en-US"/>
           </a:p>
           <a:p>
             <a:pPr lvl="4"/>
@@ -3172,7 +3139,6 @@
               <a:rPr lang="zh-CN" altLang="en-US"/>
               <a:t>第五级</a:t>
             </a:r>
-            <a:endParaRPr lang="zh-CN" altLang="en-US"/>
           </a:p>
         </p:txBody>
       </p:sp>
@@ -3238,7 +3204,6 @@
               <a:rPr lang="zh-CN" altLang="en-US"/>
               <a:t>单击此处编辑母版文本样式</a:t>
             </a:r>
-            <a:endParaRPr lang="zh-CN" altLang="en-US"/>
           </a:p>
         </p:txBody>
       </p:sp>
@@ -3259,6 +3224,7 @@
           <a:p>
             <a:fld id="{C87C0710-1941-4207-AFC4-70422DBD405E}" type="datetimeFigureOut">
               <a:rPr lang="zh-CN" altLang="en-US" smtClean="0"/>
+              <a:t>2019/5/20</a:t>
             </a:fld>
             <a:endParaRPr lang="zh-CN" altLang="en-US"/>
           </a:p>
@@ -3300,6 +3266,7 @@
           <a:p>
             <a:fld id="{5BD3F7A2-AB4B-46DB-92F9-EC6C90760ED0}" type="slidenum">
               <a:rPr lang="zh-CN" altLang="en-US" smtClean="0"/>
+              <a:t>‹#›</a:t>
             </a:fld>
             <a:endParaRPr lang="zh-CN" altLang="en-US"/>
           </a:p>
@@ -3310,11 +3277,11 @@
   <p:clrMapOvr>
     <a:masterClrMapping/>
   </p:clrMapOvr>
-  <mc:AlternateContent xmlns:mc="http://schemas.openxmlformats.org/markup-compatibility/2006">
-    <mc:Choice xmlns:p14="http://schemas.microsoft.com/office/powerpoint/2010/main" Requires="p14">
+  <mc:AlternateContent xmlns:mc="http://schemas.openxmlformats.org/markup-compatibility/2006" xmlns:p14="http://schemas.microsoft.com/office/powerpoint/2010/main">
+    <mc:Choice Requires="p14">
       <p:transition spd="slow" p14:dur="1600"/>
     </mc:Choice>
-    <mc:Fallback>
+    <mc:Fallback xmlns="">
       <p:transition spd="slow"/>
     </mc:Fallback>
   </mc:AlternateContent>
@@ -3366,7 +3333,6 @@
               <a:rPr lang="zh-CN" altLang="en-US"/>
               <a:t>单击此处编辑母版标题样式</a:t>
             </a:r>
-            <a:endParaRPr lang="zh-CN" altLang="en-US"/>
           </a:p>
         </p:txBody>
       </p:sp>
@@ -3493,7 +3459,6 @@
               <a:rPr lang="zh-CN" altLang="en-US"/>
               <a:t>单击此处编辑母版文本样式</a:t>
             </a:r>
-            <a:endParaRPr lang="zh-CN" altLang="en-US"/>
           </a:p>
         </p:txBody>
       </p:sp>
@@ -3514,6 +3479,7 @@
           <a:p>
             <a:fld id="{C87C0710-1941-4207-AFC4-70422DBD405E}" type="datetimeFigureOut">
               <a:rPr lang="zh-CN" altLang="en-US" smtClean="0"/>
+              <a:t>2019/5/20</a:t>
             </a:fld>
             <a:endParaRPr lang="zh-CN" altLang="en-US"/>
           </a:p>
@@ -3555,6 +3521,7 @@
           <a:p>
             <a:fld id="{5BD3F7A2-AB4B-46DB-92F9-EC6C90760ED0}" type="slidenum">
               <a:rPr lang="zh-CN" altLang="en-US" smtClean="0"/>
+              <a:t>‹#›</a:t>
             </a:fld>
             <a:endParaRPr lang="zh-CN" altLang="en-US"/>
           </a:p>
@@ -3565,11 +3532,11 @@
   <p:clrMapOvr>
     <a:masterClrMapping/>
   </p:clrMapOvr>
-  <mc:AlternateContent xmlns:mc="http://schemas.openxmlformats.org/markup-compatibility/2006">
-    <mc:Choice xmlns:p14="http://schemas.microsoft.com/office/powerpoint/2010/main" Requires="p14">
+  <mc:AlternateContent xmlns:mc="http://schemas.openxmlformats.org/markup-compatibility/2006" xmlns:p14="http://schemas.microsoft.com/office/powerpoint/2010/main">
+    <mc:Choice Requires="p14">
       <p:transition spd="slow" p14:dur="1600"/>
     </mc:Choice>
-    <mc:Fallback>
+    <mc:Fallback xmlns="">
       <p:transition spd="slow"/>
     </mc:Fallback>
   </mc:AlternateContent>
@@ -3630,7 +3597,6 @@
               <a:rPr lang="zh-CN" altLang="en-US"/>
               <a:t>单击此处编辑母版标题样式</a:t>
             </a:r>
-            <a:endParaRPr lang="zh-CN" altLang="en-US"/>
           </a:p>
         </p:txBody>
       </p:sp>
@@ -3664,7 +3630,6 @@
               <a:rPr lang="zh-CN" altLang="en-US"/>
               <a:t>单击此处编辑母版文本样式</a:t>
             </a:r>
-            <a:endParaRPr lang="zh-CN" altLang="en-US"/>
           </a:p>
           <a:p>
             <a:pPr lvl="1"/>
@@ -3672,7 +3637,6 @@
               <a:rPr lang="zh-CN" altLang="en-US"/>
               <a:t>第二级</a:t>
             </a:r>
-            <a:endParaRPr lang="zh-CN" altLang="en-US"/>
           </a:p>
           <a:p>
             <a:pPr lvl="2"/>
@@ -3680,7 +3644,6 @@
               <a:rPr lang="zh-CN" altLang="en-US"/>
               <a:t>第三级</a:t>
             </a:r>
-            <a:endParaRPr lang="zh-CN" altLang="en-US"/>
           </a:p>
           <a:p>
             <a:pPr lvl="3"/>
@@ -3688,7 +3651,6 @@
               <a:rPr lang="zh-CN" altLang="en-US"/>
               <a:t>第四级</a:t>
             </a:r>
-            <a:endParaRPr lang="zh-CN" altLang="en-US"/>
           </a:p>
           <a:p>
             <a:pPr lvl="4"/>
@@ -3696,7 +3658,6 @@
               <a:rPr lang="zh-CN" altLang="en-US"/>
               <a:t>第五级</a:t>
             </a:r>
-            <a:endParaRPr lang="zh-CN" altLang="en-US"/>
           </a:p>
         </p:txBody>
       </p:sp>
@@ -3735,6 +3696,7 @@
           <a:p>
             <a:fld id="{C87C0710-1941-4207-AFC4-70422DBD405E}" type="datetimeFigureOut">
               <a:rPr lang="zh-CN" altLang="en-US" smtClean="0"/>
+              <a:t>2019/5/20</a:t>
             </a:fld>
             <a:endParaRPr lang="zh-CN" altLang="en-US"/>
           </a:p>
@@ -3812,6 +3774,7 @@
           <a:p>
             <a:fld id="{5BD3F7A2-AB4B-46DB-92F9-EC6C90760ED0}" type="slidenum">
               <a:rPr lang="zh-CN" altLang="en-US" smtClean="0"/>
+              <a:t>‹#›</a:t>
             </a:fld>
             <a:endParaRPr lang="zh-CN" altLang="en-US"/>
           </a:p>
@@ -3834,11 +3797,11 @@
     <p:sldLayoutId id="2147483659" r:id="rId11"/>
     <p:sldLayoutId id="2147483660" r:id="rId12"/>
   </p:sldLayoutIdLst>
-  <mc:AlternateContent xmlns:mc="http://schemas.openxmlformats.org/markup-compatibility/2006">
-    <mc:Choice xmlns:p14="http://schemas.microsoft.com/office/powerpoint/2010/main" Requires="p14">
+  <mc:AlternateContent xmlns:mc="http://schemas.openxmlformats.org/markup-compatibility/2006" xmlns:p14="http://schemas.microsoft.com/office/powerpoint/2010/main">
+    <mc:Choice Requires="p14">
       <p:transition spd="slow" p14:dur="1600"/>
     </mc:Choice>
-    <mc:Fallback>
+    <mc:Fallback xmlns="">
       <p:transition spd="slow"/>
     </mc:Fallback>
   </mc:AlternateContent>
@@ -5257,6 +5220,7 @@
           <a:bodyPr wrap="square" lIns="108850" tIns="54425" rIns="108850" bIns="54425" rtlCol="0">
             <a:spAutoFit/>
           </a:bodyPr>
+          <a:lstStyle/>
           <a:p>
             <a:pPr algn="ctr"/>
             <a:r>
@@ -5269,13 +5233,6 @@
               </a:rPr>
               <a:t>第八章  知识总结</a:t>
             </a:r>
-            <a:endParaRPr lang="zh-CN" altLang="en-US" sz="3800" dirty="0">
-              <a:solidFill>
-                <a:srgbClr val="595E64"/>
-              </a:solidFill>
-              <a:latin typeface="微软雅黑" panose="020B0503020204020204" pitchFamily="34" charset="-122"/>
-              <a:ea typeface="微软雅黑" panose="020B0503020204020204" pitchFamily="34" charset="-122"/>
-            </a:endParaRPr>
           </a:p>
         </p:txBody>
       </p:sp>
@@ -5284,11 +5241,11 @@
   <p:clrMapOvr>
     <a:masterClrMapping/>
   </p:clrMapOvr>
-  <mc:AlternateContent xmlns:mc="http://schemas.openxmlformats.org/markup-compatibility/2006">
-    <mc:Choice xmlns:p14="http://schemas.microsoft.com/office/powerpoint/2010/main" Requires="p14">
+  <mc:AlternateContent xmlns:mc="http://schemas.openxmlformats.org/markup-compatibility/2006" xmlns:p14="http://schemas.microsoft.com/office/powerpoint/2010/main">
+    <mc:Choice Requires="p14">
       <p:transition spd="slow" p14:dur="1600"/>
     </mc:Choice>
-    <mc:Fallback>
+    <mc:Fallback xmlns="">
       <p:transition spd="slow"/>
     </mc:Fallback>
   </mc:AlternateContent>
@@ -5397,13 +5354,6 @@
               </a:rPr>
               <a:t>本节内容</a:t>
             </a:r>
-            <a:endParaRPr lang="zh-CN" altLang="en-US" sz="5700" b="1" dirty="0">
-              <a:solidFill>
-                <a:schemeClr val="bg1"/>
-              </a:solidFill>
-              <a:latin typeface="微软雅黑" panose="020B0503020204020204" pitchFamily="34" charset="-122"/>
-              <a:ea typeface="微软雅黑" panose="020B0503020204020204" pitchFamily="34" charset="-122"/>
-            </a:endParaRPr>
           </a:p>
         </p:txBody>
       </p:sp>
@@ -5677,13 +5627,6 @@
               </a:rPr>
               <a:t>标签汇总</a:t>
             </a:r>
-            <a:endParaRPr lang="zh-CN" altLang="en-US" sz="2800" dirty="0">
-              <a:solidFill>
-                <a:srgbClr val="595E64"/>
-              </a:solidFill>
-              <a:latin typeface="微软雅黑" panose="020B0503020204020204" pitchFamily="34" charset="-122"/>
-              <a:ea typeface="微软雅黑" panose="020B0503020204020204" pitchFamily="34" charset="-122"/>
-            </a:endParaRPr>
           </a:p>
         </p:txBody>
       </p:sp>
@@ -5899,13 +5842,6 @@
               </a:rPr>
               <a:t>编码规范</a:t>
             </a:r>
-            <a:endParaRPr lang="zh-CN" altLang="en-US" sz="2800" dirty="0">
-              <a:solidFill>
-                <a:srgbClr val="595E64"/>
-              </a:solidFill>
-              <a:latin typeface="微软雅黑" panose="020B0503020204020204" pitchFamily="34" charset="-122"/>
-              <a:ea typeface="微软雅黑" panose="020B0503020204020204" pitchFamily="34" charset="-122"/>
-            </a:endParaRPr>
           </a:p>
         </p:txBody>
       </p:sp>
@@ -5948,6 +5884,7 @@
         </p:style>
         <p:txBody>
           <a:bodyPr lIns="108850" tIns="54425" rIns="108850" bIns="54425" rtlCol="0" anchor="ctr"/>
+          <a:lstStyle/>
           <a:p>
             <a:pPr algn="ctr"/>
             <a:endParaRPr lang="zh-CN" altLang="en-US"/>
@@ -5974,6 +5911,7 @@
           <a:bodyPr wrap="square" lIns="108850" tIns="54425" rIns="108850" bIns="54425" rtlCol="0">
             <a:spAutoFit/>
           </a:bodyPr>
+          <a:lstStyle/>
           <a:p>
             <a:r>
               <a:rPr lang="zh-CN" altLang="en-US" sz="2800" dirty="0">
@@ -6015,6 +5953,7 @@
           <a:bodyPr wrap="square" lIns="108850" tIns="54425" rIns="108850" bIns="54425" rtlCol="0">
             <a:spAutoFit/>
           </a:bodyPr>
+          <a:lstStyle/>
           <a:p>
             <a:r>
               <a:rPr lang="en-US" altLang="zh-CN" sz="2800" dirty="0">
@@ -6036,13 +5975,6 @@
               </a:rPr>
               <a:t>基本样式修饰</a:t>
             </a:r>
-            <a:endParaRPr lang="zh-CN" altLang="en-US" sz="2800" dirty="0">
-              <a:solidFill>
-                <a:srgbClr val="595E64"/>
-              </a:solidFill>
-              <a:latin typeface="微软雅黑" panose="020B0503020204020204" pitchFamily="34" charset="-122"/>
-              <a:ea typeface="微软雅黑" panose="020B0503020204020204" pitchFamily="34" charset="-122"/>
-            </a:endParaRPr>
           </a:p>
         </p:txBody>
       </p:sp>
@@ -6085,6 +6017,7 @@
         </p:style>
         <p:txBody>
           <a:bodyPr lIns="108850" tIns="54425" rIns="108850" bIns="54425" rtlCol="0" anchor="ctr"/>
+          <a:lstStyle/>
           <a:p>
             <a:pPr algn="ctr"/>
             <a:endParaRPr lang="zh-CN" altLang="en-US"/>
@@ -6130,6 +6063,7 @@
         </p:style>
         <p:txBody>
           <a:bodyPr lIns="108850" tIns="54425" rIns="108850" bIns="54425" rtlCol="0" anchor="ctr"/>
+          <a:lstStyle/>
           <a:p>
             <a:pPr algn="ctr"/>
             <a:endParaRPr lang="zh-CN" altLang="en-US"/>
@@ -6156,6 +6090,7 @@
           <a:bodyPr wrap="square" lIns="108850" tIns="54425" rIns="108850" bIns="54425" rtlCol="0">
             <a:spAutoFit/>
           </a:bodyPr>
+          <a:lstStyle/>
           <a:p>
             <a:r>
               <a:rPr lang="en-US" altLang="zh-CN" sz="2800" dirty="0">
@@ -6177,13 +6112,6 @@
               </a:rPr>
               <a:t>颜色、单位</a:t>
             </a:r>
-            <a:endParaRPr lang="zh-CN" altLang="en-US" sz="2800" dirty="0">
-              <a:solidFill>
-                <a:srgbClr val="595E64"/>
-              </a:solidFill>
-              <a:latin typeface="微软雅黑" panose="020B0503020204020204" pitchFamily="34" charset="-122"/>
-              <a:ea typeface="微软雅黑" panose="020B0503020204020204" pitchFamily="34" charset="-122"/>
-            </a:endParaRPr>
           </a:p>
         </p:txBody>
       </p:sp>
@@ -6226,6 +6154,7 @@
         </p:style>
         <p:txBody>
           <a:bodyPr lIns="108850" tIns="54425" rIns="108850" bIns="54425" rtlCol="0" anchor="ctr"/>
+          <a:lstStyle/>
           <a:p>
             <a:pPr algn="ctr"/>
             <a:endParaRPr lang="zh-CN" altLang="en-US"/>
@@ -6252,6 +6181,7 @@
           <a:bodyPr wrap="square" lIns="108850" tIns="54425" rIns="108850" bIns="54425" rtlCol="0">
             <a:spAutoFit/>
           </a:bodyPr>
+          <a:lstStyle/>
           <a:p>
             <a:r>
               <a:rPr lang="en-US" altLang="zh-CN" sz="2800" dirty="0">
@@ -6273,13 +6203,6 @@
               </a:rPr>
               <a:t>盒子模型及其应用</a:t>
             </a:r>
-            <a:endParaRPr lang="zh-CN" altLang="en-US" sz="2800" dirty="0">
-              <a:solidFill>
-                <a:srgbClr val="595E64"/>
-              </a:solidFill>
-              <a:latin typeface="微软雅黑" panose="020B0503020204020204" pitchFamily="34" charset="-122"/>
-              <a:ea typeface="微软雅黑" panose="020B0503020204020204" pitchFamily="34" charset="-122"/>
-            </a:endParaRPr>
           </a:p>
         </p:txBody>
       </p:sp>
@@ -6288,11 +6211,11 @@
   <p:clrMapOvr>
     <a:masterClrMapping/>
   </p:clrMapOvr>
-  <mc:AlternateContent xmlns:mc="http://schemas.openxmlformats.org/markup-compatibility/2006">
-    <mc:Choice xmlns:p14="http://schemas.microsoft.com/office/powerpoint/2010/main" Requires="p14">
+  <mc:AlternateContent xmlns:mc="http://schemas.openxmlformats.org/markup-compatibility/2006" xmlns:p14="http://schemas.microsoft.com/office/powerpoint/2010/main">
+    <mc:Choice Requires="p14">
       <p:transition spd="slow" p14:dur="1600"/>
     </mc:Choice>
-    <mc:Fallback>
+    <mc:Fallback xmlns="">
       <p:transition spd="slow"/>
     </mc:Fallback>
   </mc:AlternateContent>
@@ -6315,7 +6238,14 @@
         <p:cNvGrpSpPr/>
         <p:nvPr/>
       </p:nvGrpSpPr>
-      <p:grpSpPr/>
+      <p:grpSpPr>
+        <a:xfrm>
+          <a:off x="0" y="0"/>
+          <a:ext cx="0" cy="0"/>
+          <a:chOff x="0" y="0"/>
+          <a:chExt cx="0" cy="0"/>
+        </a:xfrm>
+      </p:grpSpPr>
       <p:sp>
         <p:nvSpPr>
           <p:cNvPr id="3" name="标题 2"/>
@@ -6329,6 +6259,7 @@
         <p:spPr/>
         <p:txBody>
           <a:bodyPr/>
+          <a:lstStyle/>
           <a:p>
             <a:r>
               <a:rPr lang="zh-CN" altLang="en-US" smtClean="0">
@@ -6353,6 +6284,7 @@
         <p:spPr/>
         <p:txBody>
           <a:bodyPr/>
+          <a:lstStyle/>
           <a:p>
             <a:r>
               <a:rPr lang="zh-CN" altLang="en-US" smtClean="0">
@@ -6414,11 +6346,11 @@
   <p:clrMapOvr>
     <a:masterClrMapping/>
   </p:clrMapOvr>
-  <mc:AlternateContent xmlns:mc="http://schemas.openxmlformats.org/markup-compatibility/2006">
-    <mc:Choice xmlns:p14="http://schemas.microsoft.com/office/powerpoint/2010/main" Requires="p14">
+  <mc:AlternateContent xmlns:mc="http://schemas.openxmlformats.org/markup-compatibility/2006" xmlns:p14="http://schemas.microsoft.com/office/powerpoint/2010/main">
+    <mc:Choice Requires="p14">
       <p:transition spd="slow" p14:dur="1600"/>
     </mc:Choice>
-    <mc:Fallback>
+    <mc:Fallback xmlns="">
       <p:transition spd="slow"/>
     </mc:Fallback>
   </mc:AlternateContent>
@@ -6434,7 +6366,14 @@
         <p:cNvGrpSpPr/>
         <p:nvPr/>
       </p:nvGrpSpPr>
-      <p:grpSpPr/>
+      <p:grpSpPr>
+        <a:xfrm>
+          <a:off x="0" y="0"/>
+          <a:ext cx="0" cy="0"/>
+          <a:chOff x="0" y="0"/>
+          <a:chExt cx="0" cy="0"/>
+        </a:xfrm>
+      </p:grpSpPr>
       <p:sp>
         <p:nvSpPr>
           <p:cNvPr id="3" name="标题 2"/>
@@ -6448,6 +6387,7 @@
         <p:spPr/>
         <p:txBody>
           <a:bodyPr/>
+          <a:lstStyle/>
           <a:p>
             <a:r>
               <a:rPr lang="zh-CN" altLang="en-US" smtClean="0">
@@ -6472,6 +6412,7 @@
         <p:spPr/>
         <p:txBody>
           <a:bodyPr/>
+          <a:lstStyle/>
           <a:p>
             <a:r>
               <a:rPr lang="zh-CN" altLang="en-US" dirty="0" smtClean="0">
@@ -6522,7 +6463,7 @@
           <p:nvPr/>
         </p:nvPicPr>
         <p:blipFill>
-          <a:blip r:embed="rId1"/>
+          <a:blip r:embed="rId2"/>
           <a:stretch>
             <a:fillRect/>
           </a:stretch>
@@ -6546,7 +6487,7 @@
           <p:nvPr/>
         </p:nvPicPr>
         <p:blipFill>
-          <a:blip r:embed="rId2"/>
+          <a:blip r:embed="rId3"/>
           <a:stretch>
             <a:fillRect/>
           </a:stretch>
@@ -6600,6 +6541,7 @@
         </p:style>
         <p:txBody>
           <a:bodyPr lIns="108850" tIns="54425" rIns="108850" bIns="54425" rtlCol="0" anchor="ctr"/>
+          <a:lstStyle/>
           <a:p>
             <a:pPr algn="ctr"/>
             <a:endParaRPr lang="zh-CN" altLang="en-US"/>
@@ -6645,6 +6587,7 @@
         </p:style>
         <p:txBody>
           <a:bodyPr lIns="108850" tIns="54425" rIns="108850" bIns="54425" rtlCol="0" anchor="ctr"/>
+          <a:lstStyle/>
           <a:p>
             <a:pPr algn="ctr"/>
             <a:endParaRPr lang="zh-CN" altLang="en-US"/>
@@ -6690,6 +6633,7 @@
         </p:style>
         <p:txBody>
           <a:bodyPr lIns="108850" tIns="54425" rIns="108850" bIns="54425" rtlCol="0" anchor="ctr"/>
+          <a:lstStyle/>
           <a:p>
             <a:pPr algn="ctr"/>
             <a:endParaRPr lang="zh-CN" altLang="en-US"/>
@@ -6735,6 +6679,7 @@
         </p:style>
         <p:txBody>
           <a:bodyPr lIns="108850" tIns="54425" rIns="108850" bIns="54425" rtlCol="0" anchor="ctr"/>
+          <a:lstStyle/>
           <a:p>
             <a:pPr algn="ctr"/>
             <a:endParaRPr lang="zh-CN" altLang="en-US"/>
@@ -6746,11 +6691,11 @@
   <p:clrMapOvr>
     <a:masterClrMapping/>
   </p:clrMapOvr>
-  <mc:AlternateContent xmlns:mc="http://schemas.openxmlformats.org/markup-compatibility/2006">
-    <mc:Choice xmlns:p14="http://schemas.microsoft.com/office/powerpoint/2010/main" Requires="p14">
+  <mc:AlternateContent xmlns:mc="http://schemas.openxmlformats.org/markup-compatibility/2006" xmlns:p14="http://schemas.microsoft.com/office/powerpoint/2010/main">
+    <mc:Choice Requires="p14">
       <p:transition spd="slow" p14:dur="1600"/>
     </mc:Choice>
-    <mc:Fallback>
+    <mc:Fallback xmlns="">
       <p:transition spd="slow"/>
     </mc:Fallback>
   </mc:AlternateContent>
@@ -6766,7 +6711,14 @@
         <p:cNvGrpSpPr/>
         <p:nvPr/>
       </p:nvGrpSpPr>
-      <p:grpSpPr/>
+      <p:grpSpPr>
+        <a:xfrm>
+          <a:off x="0" y="0"/>
+          <a:ext cx="0" cy="0"/>
+          <a:chOff x="0" y="0"/>
+          <a:chExt cx="0" cy="0"/>
+        </a:xfrm>
+      </p:grpSpPr>
       <p:sp>
         <p:nvSpPr>
           <p:cNvPr id="3" name="标题 2"/>
@@ -6780,6 +6732,7 @@
         <p:spPr/>
         <p:txBody>
           <a:bodyPr/>
+          <a:lstStyle/>
           <a:p>
             <a:r>
               <a:rPr lang="zh-CN" altLang="en-US" dirty="0" smtClean="0">
@@ -6811,6 +6764,7 @@
           <a:bodyPr>
             <a:normAutofit/>
           </a:bodyPr>
+          <a:lstStyle/>
           <a:p>
             <a:r>
               <a:rPr lang="zh-CN" altLang="en-US" dirty="0">
@@ -6833,9 +6787,6 @@
               </a:rPr>
               <a:t>能够让整个页面结构看起来清晰整齐</a:t>
             </a:r>
-            <a:endParaRPr lang="zh-CN" altLang="en-US" dirty="0">
-              <a:sym typeface="+mn-ea"/>
-            </a:endParaRPr>
           </a:p>
           <a:p>
             <a:endParaRPr lang="zh-CN" altLang="en-US" dirty="0" smtClean="0">
@@ -6946,7 +6897,7 @@
           <p:nvPr/>
         </p:nvPicPr>
         <p:blipFill>
-          <a:blip r:embed="rId1"/>
+          <a:blip r:embed="rId2"/>
           <a:stretch>
             <a:fillRect/>
           </a:stretch>
@@ -6970,7 +6921,7 @@
           <p:nvPr/>
         </p:nvPicPr>
         <p:blipFill>
-          <a:blip r:embed="rId2"/>
+          <a:blip r:embed="rId3"/>
           <a:stretch>
             <a:fillRect/>
           </a:stretch>
@@ -6990,11 +6941,11 @@
   <p:clrMapOvr>
     <a:masterClrMapping/>
   </p:clrMapOvr>
-  <mc:AlternateContent xmlns:mc="http://schemas.openxmlformats.org/markup-compatibility/2006">
-    <mc:Choice xmlns:p14="http://schemas.microsoft.com/office/powerpoint/2010/main" Requires="p14">
+  <mc:AlternateContent xmlns:mc="http://schemas.openxmlformats.org/markup-compatibility/2006" xmlns:p14="http://schemas.microsoft.com/office/powerpoint/2010/main">
+    <mc:Choice Requires="p14">
       <p:transition spd="slow" p14:dur="1600"/>
     </mc:Choice>
-    <mc:Fallback>
+    <mc:Fallback xmlns="">
       <p:transition spd="slow"/>
     </mc:Fallback>
   </mc:AlternateContent>
@@ -7230,7 +7181,14 @@
         <p:cNvGrpSpPr/>
         <p:nvPr/>
       </p:nvGrpSpPr>
-      <p:grpSpPr/>
+      <p:grpSpPr>
+        <a:xfrm>
+          <a:off x="0" y="0"/>
+          <a:ext cx="0" cy="0"/>
+          <a:chOff x="0" y="0"/>
+          <a:chExt cx="0" cy="0"/>
+        </a:xfrm>
+      </p:grpSpPr>
       <p:sp>
         <p:nvSpPr>
           <p:cNvPr id="3" name="标题 2"/>
@@ -7244,6 +7202,7 @@
         <p:spPr/>
         <p:txBody>
           <a:bodyPr/>
+          <a:lstStyle/>
           <a:p>
             <a:r>
               <a:rPr lang="zh-CN" altLang="en-US" smtClean="0">
@@ -7275,6 +7234,7 @@
           <a:bodyPr>
             <a:normAutofit/>
           </a:bodyPr>
+          <a:lstStyle/>
           <a:p>
             <a:r>
               <a:rPr lang="zh-CN" altLang="en-US" dirty="0" smtClean="0">
@@ -7335,7 +7295,7 @@
           <p:nvPr/>
         </p:nvPicPr>
         <p:blipFill>
-          <a:blip r:embed="rId1"/>
+          <a:blip r:embed="rId2"/>
           <a:srcRect t="3237"/>
           <a:stretch>
             <a:fillRect/>
@@ -7360,7 +7320,7 @@
           <p:nvPr/>
         </p:nvPicPr>
         <p:blipFill>
-          <a:blip r:embed="rId2"/>
+          <a:blip r:embed="rId3"/>
           <a:srcRect t="4565"/>
           <a:stretch>
             <a:fillRect/>
@@ -7381,11 +7341,11 @@
   <p:clrMapOvr>
     <a:masterClrMapping/>
   </p:clrMapOvr>
-  <mc:AlternateContent xmlns:mc="http://schemas.openxmlformats.org/markup-compatibility/2006">
-    <mc:Choice xmlns:p14="http://schemas.microsoft.com/office/powerpoint/2010/main" Requires="p14">
+  <mc:AlternateContent xmlns:mc="http://schemas.openxmlformats.org/markup-compatibility/2006" xmlns:p14="http://schemas.microsoft.com/office/powerpoint/2010/main">
+    <mc:Choice Requires="p14">
       <p:transition spd="slow" p14:dur="1600"/>
     </mc:Choice>
-    <mc:Fallback>
+    <mc:Fallback xmlns="">
       <p:transition spd="slow"/>
     </mc:Fallback>
   </mc:AlternateContent>
@@ -7401,7 +7361,14 @@
         <p:cNvGrpSpPr/>
         <p:nvPr/>
       </p:nvGrpSpPr>
-      <p:grpSpPr/>
+      <p:grpSpPr>
+        <a:xfrm>
+          <a:off x="0" y="0"/>
+          <a:ext cx="0" cy="0"/>
+          <a:chOff x="0" y="0"/>
+          <a:chExt cx="0" cy="0"/>
+        </a:xfrm>
+      </p:grpSpPr>
       <p:sp>
         <p:nvSpPr>
           <p:cNvPr id="3" name="标题 2"/>
@@ -7415,6 +7382,7 @@
         <p:spPr/>
         <p:txBody>
           <a:bodyPr/>
+          <a:lstStyle/>
           <a:p>
             <a:r>
               <a:rPr lang="zh-CN" altLang="en-US" smtClean="0">
@@ -7446,6 +7414,7 @@
           <a:bodyPr>
             <a:normAutofit/>
           </a:bodyPr>
+          <a:lstStyle/>
           <a:p>
             <a:r>
               <a:rPr lang="zh-CN" altLang="en-US" dirty="0" smtClean="0">
@@ -7524,9 +7493,6 @@
               </a:rPr>
               <a:t>）</a:t>
             </a:r>
-            <a:endParaRPr lang="zh-CN" altLang="en-US" dirty="0" smtClean="0">
-              <a:sym typeface="+mn-ea"/>
-            </a:endParaRPr>
           </a:p>
           <a:p>
             <a:pPr lvl="1"/>
@@ -7580,6 +7546,7 @@
           <a:bodyPr wrap="none" lIns="108850" tIns="54425" rIns="108850" bIns="54425" rtlCol="0">
             <a:spAutoFit/>
           </a:bodyPr>
+          <a:lstStyle/>
           <a:p>
             <a:pPr algn="l"/>
             <a:r>
@@ -7654,13 +7621,6 @@
               </a:rPr>
               <a:t>部分不可缺少</a:t>
             </a:r>
-            <a:endParaRPr lang="zh-CN" altLang="en-US" sz="3300" dirty="0">
-              <a:solidFill>
-                <a:srgbClr val="FF0000"/>
-              </a:solidFill>
-              <a:latin typeface="微软雅黑" panose="020B0503020204020204" pitchFamily="34" charset="-122"/>
-              <a:ea typeface="微软雅黑" panose="020B0503020204020204" pitchFamily="34" charset="-122"/>
-            </a:endParaRPr>
           </a:p>
         </p:txBody>
       </p:sp>
@@ -7669,11 +7629,11 @@
   <p:clrMapOvr>
     <a:masterClrMapping/>
   </p:clrMapOvr>
-  <mc:AlternateContent xmlns:mc="http://schemas.openxmlformats.org/markup-compatibility/2006">
-    <mc:Choice xmlns:p14="http://schemas.microsoft.com/office/powerpoint/2010/main" Requires="p14">
+  <mc:AlternateContent xmlns:mc="http://schemas.openxmlformats.org/markup-compatibility/2006" xmlns:p14="http://schemas.microsoft.com/office/powerpoint/2010/main">
+    <mc:Choice Requires="p14">
       <p:transition spd="slow" p14:dur="1600"/>
     </mc:Choice>
-    <mc:Fallback>
+    <mc:Fallback xmlns="">
       <p:transition spd="slow"/>
     </mc:Fallback>
   </mc:AlternateContent>
@@ -7689,7 +7649,14 @@
         <p:cNvGrpSpPr/>
         <p:nvPr/>
       </p:nvGrpSpPr>
-      <p:grpSpPr/>
+      <p:grpSpPr>
+        <a:xfrm>
+          <a:off x="0" y="0"/>
+          <a:ext cx="0" cy="0"/>
+          <a:chOff x="0" y="0"/>
+          <a:chExt cx="0" cy="0"/>
+        </a:xfrm>
+      </p:grpSpPr>
       <p:sp>
         <p:nvSpPr>
           <p:cNvPr id="3" name="标题 2"/>
@@ -7703,6 +7670,7 @@
         <p:spPr/>
         <p:txBody>
           <a:bodyPr/>
+          <a:lstStyle/>
           <a:p>
             <a:r>
               <a:rPr lang="zh-CN" altLang="en-US" smtClean="0">
@@ -7734,6 +7702,7 @@
           <a:bodyPr>
             <a:normAutofit/>
           </a:bodyPr>
+          <a:lstStyle/>
           <a:p>
             <a:r>
               <a:rPr lang="zh-CN" altLang="en-US" dirty="0" smtClean="0">
@@ -7760,9 +7729,6 @@
               </a:rPr>
               <a:t>解决：</a:t>
             </a:r>
-            <a:endParaRPr lang="zh-CN" altLang="en-US" dirty="0" smtClean="0">
-              <a:sym typeface="+mn-ea"/>
-            </a:endParaRPr>
           </a:p>
           <a:p>
             <a:pPr lvl="1"/>
@@ -7807,7 +7773,7 @@
           <p:nvPr/>
         </p:nvPicPr>
         <p:blipFill>
-          <a:blip r:embed="rId1">
+          <a:blip r:embed="rId2">
             <a:extLst>
               <a:ext uri="{28A0092B-C50C-407E-A947-70E740481C1C}">
                 <a14:useLocalDpi xmlns:a14="http://schemas.microsoft.com/office/drawing/2010/main" val="0"/>
@@ -7867,11 +7833,11 @@
   <p:clrMapOvr>
     <a:masterClrMapping/>
   </p:clrMapOvr>
-  <mc:AlternateContent xmlns:mc="http://schemas.openxmlformats.org/markup-compatibility/2006">
-    <mc:Choice xmlns:p14="http://schemas.microsoft.com/office/powerpoint/2010/main" Requires="p14">
+  <mc:AlternateContent xmlns:mc="http://schemas.openxmlformats.org/markup-compatibility/2006" xmlns:p14="http://schemas.microsoft.com/office/powerpoint/2010/main">
+    <mc:Choice Requires="p14">
       <p:transition spd="slow" p14:dur="1600"/>
     </mc:Choice>
-    <mc:Fallback>
+    <mc:Fallback xmlns="">
       <p:transition spd="slow"/>
     </mc:Fallback>
   </mc:AlternateContent>
@@ -7973,13 +7939,6 @@
               </a:rPr>
               <a:t>本节内容</a:t>
             </a:r>
-            <a:endParaRPr lang="zh-CN" altLang="en-US" sz="5700" b="1" dirty="0">
-              <a:solidFill>
-                <a:schemeClr val="bg1"/>
-              </a:solidFill>
-              <a:latin typeface="微软雅黑" panose="020B0503020204020204" pitchFamily="34" charset="-122"/>
-              <a:ea typeface="微软雅黑" panose="020B0503020204020204" pitchFamily="34" charset="-122"/>
-            </a:endParaRPr>
           </a:p>
         </p:txBody>
       </p:sp>
@@ -8253,13 +8212,6 @@
               </a:rPr>
               <a:t>标签汇总</a:t>
             </a:r>
-            <a:endParaRPr lang="zh-CN" altLang="en-US" sz="2800" dirty="0">
-              <a:solidFill>
-                <a:srgbClr val="595E64"/>
-              </a:solidFill>
-              <a:latin typeface="微软雅黑" panose="020B0503020204020204" pitchFamily="34" charset="-122"/>
-              <a:ea typeface="微软雅黑" panose="020B0503020204020204" pitchFamily="34" charset="-122"/>
-            </a:endParaRPr>
           </a:p>
         </p:txBody>
       </p:sp>
@@ -8341,13 +8293,6 @@
               </a:rPr>
               <a:t>常见问题及经验总结</a:t>
             </a:r>
-            <a:endParaRPr lang="zh-CN" altLang="en-US" sz="2800" dirty="0">
-              <a:solidFill>
-                <a:srgbClr val="595E64"/>
-              </a:solidFill>
-              <a:latin typeface="微软雅黑" panose="020B0503020204020204" pitchFamily="34" charset="-122"/>
-              <a:ea typeface="微软雅黑" panose="020B0503020204020204" pitchFamily="34" charset="-122"/>
-            </a:endParaRPr>
           </a:p>
         </p:txBody>
       </p:sp>
@@ -8524,6 +8469,7 @@
         </p:style>
         <p:txBody>
           <a:bodyPr lIns="108850" tIns="54425" rIns="108850" bIns="54425" rtlCol="0" anchor="ctr"/>
+          <a:lstStyle/>
           <a:p>
             <a:pPr algn="ctr"/>
             <a:endParaRPr lang="zh-CN" altLang="en-US"/>
@@ -8550,6 +8496,7 @@
           <a:bodyPr wrap="square" lIns="108850" tIns="54425" rIns="108850" bIns="54425" rtlCol="0">
             <a:spAutoFit/>
           </a:bodyPr>
+          <a:lstStyle/>
           <a:p>
             <a:r>
               <a:rPr lang="zh-CN" altLang="en-US" sz="2800" dirty="0">
@@ -8591,6 +8538,7 @@
           <a:bodyPr wrap="square" lIns="108850" tIns="54425" rIns="108850" bIns="54425" rtlCol="0">
             <a:spAutoFit/>
           </a:bodyPr>
+          <a:lstStyle/>
           <a:p>
             <a:r>
               <a:rPr lang="en-US" altLang="zh-CN" sz="2800" dirty="0">
@@ -8612,13 +8560,6 @@
               </a:rPr>
               <a:t>基本样式修饰</a:t>
             </a:r>
-            <a:endParaRPr lang="zh-CN" altLang="en-US" sz="2800" dirty="0">
-              <a:solidFill>
-                <a:srgbClr val="595E64"/>
-              </a:solidFill>
-              <a:latin typeface="微软雅黑" panose="020B0503020204020204" pitchFamily="34" charset="-122"/>
-              <a:ea typeface="微软雅黑" panose="020B0503020204020204" pitchFamily="34" charset="-122"/>
-            </a:endParaRPr>
           </a:p>
         </p:txBody>
       </p:sp>
@@ -8661,6 +8602,7 @@
         </p:style>
         <p:txBody>
           <a:bodyPr lIns="108850" tIns="54425" rIns="108850" bIns="54425" rtlCol="0" anchor="ctr"/>
+          <a:lstStyle/>
           <a:p>
             <a:pPr algn="ctr"/>
             <a:endParaRPr lang="zh-CN" altLang="en-US"/>
@@ -8706,6 +8648,7 @@
         </p:style>
         <p:txBody>
           <a:bodyPr lIns="108850" tIns="54425" rIns="108850" bIns="54425" rtlCol="0" anchor="ctr"/>
+          <a:lstStyle/>
           <a:p>
             <a:pPr algn="ctr"/>
             <a:endParaRPr lang="zh-CN" altLang="en-US"/>
@@ -8732,6 +8675,7 @@
           <a:bodyPr wrap="square" lIns="108850" tIns="54425" rIns="108850" bIns="54425" rtlCol="0">
             <a:spAutoFit/>
           </a:bodyPr>
+          <a:lstStyle/>
           <a:p>
             <a:r>
               <a:rPr lang="en-US" altLang="zh-CN" sz="2800" dirty="0">
@@ -8753,13 +8697,6 @@
               </a:rPr>
               <a:t>颜色、单位</a:t>
             </a:r>
-            <a:endParaRPr lang="zh-CN" altLang="en-US" sz="2800" dirty="0">
-              <a:solidFill>
-                <a:srgbClr val="595E64"/>
-              </a:solidFill>
-              <a:latin typeface="微软雅黑" panose="020B0503020204020204" pitchFamily="34" charset="-122"/>
-              <a:ea typeface="微软雅黑" panose="020B0503020204020204" pitchFamily="34" charset="-122"/>
-            </a:endParaRPr>
           </a:p>
         </p:txBody>
       </p:sp>
@@ -8802,6 +8739,7 @@
         </p:style>
         <p:txBody>
           <a:bodyPr lIns="108850" tIns="54425" rIns="108850" bIns="54425" rtlCol="0" anchor="ctr"/>
+          <a:lstStyle/>
           <a:p>
             <a:pPr algn="ctr"/>
             <a:endParaRPr lang="zh-CN" altLang="en-US"/>
@@ -8828,6 +8766,7 @@
           <a:bodyPr wrap="square" lIns="108850" tIns="54425" rIns="108850" bIns="54425" rtlCol="0">
             <a:spAutoFit/>
           </a:bodyPr>
+          <a:lstStyle/>
           <a:p>
             <a:r>
               <a:rPr lang="en-US" altLang="zh-CN" sz="2800" dirty="0">
@@ -8849,13 +8788,6 @@
               </a:rPr>
               <a:t>盒子模型及其应用</a:t>
             </a:r>
-            <a:endParaRPr lang="zh-CN" altLang="en-US" sz="2800" dirty="0">
-              <a:solidFill>
-                <a:srgbClr val="595E64"/>
-              </a:solidFill>
-              <a:latin typeface="微软雅黑" panose="020B0503020204020204" pitchFamily="34" charset="-122"/>
-              <a:ea typeface="微软雅黑" panose="020B0503020204020204" pitchFamily="34" charset="-122"/>
-            </a:endParaRPr>
           </a:p>
         </p:txBody>
       </p:sp>
@@ -8864,11 +8796,11 @@
   <p:clrMapOvr>
     <a:masterClrMapping/>
   </p:clrMapOvr>
-  <mc:AlternateContent xmlns:mc="http://schemas.openxmlformats.org/markup-compatibility/2006">
-    <mc:Choice xmlns:p14="http://schemas.microsoft.com/office/powerpoint/2010/main" Requires="p14">
+  <mc:AlternateContent xmlns:mc="http://schemas.openxmlformats.org/markup-compatibility/2006" xmlns:p14="http://schemas.microsoft.com/office/powerpoint/2010/main">
+    <mc:Choice Requires="p14">
       <p:transition spd="slow" p14:dur="1600"/>
     </mc:Choice>
-    <mc:Fallback>
+    <mc:Fallback xmlns="">
       <p:transition spd="slow"/>
     </mc:Fallback>
   </mc:AlternateContent>
@@ -8891,7 +8823,14 @@
         <p:cNvGrpSpPr/>
         <p:nvPr/>
       </p:nvGrpSpPr>
-      <p:grpSpPr/>
+      <p:grpSpPr>
+        <a:xfrm>
+          <a:off x="0" y="0"/>
+          <a:ext cx="0" cy="0"/>
+          <a:chOff x="0" y="0"/>
+          <a:chExt cx="0" cy="0"/>
+        </a:xfrm>
+      </p:grpSpPr>
       <p:sp>
         <p:nvSpPr>
           <p:cNvPr id="3" name="标题 2"/>
@@ -8905,6 +8844,7 @@
         <p:spPr/>
         <p:txBody>
           <a:bodyPr/>
+          <a:lstStyle/>
           <a:p>
             <a:r>
               <a:rPr lang="zh-CN" altLang="en-US" smtClean="0">
@@ -8936,6 +8876,7 @@
           <a:bodyPr>
             <a:normAutofit/>
           </a:bodyPr>
+          <a:lstStyle/>
           <a:p>
             <a:r>
               <a:rPr kumimoji="1" lang="zh-CN" altLang="en-US" dirty="0">
@@ -8952,12 +8893,6 @@
               </a:rPr>
               <a:t>关闭</a:t>
             </a:r>
-            <a:endParaRPr kumimoji="1" lang="zh-CN" altLang="en-US" dirty="0">
-              <a:solidFill>
-                <a:srgbClr val="FF0000"/>
-              </a:solidFill>
-              <a:sym typeface="+mn-ea"/>
-            </a:endParaRPr>
           </a:p>
           <a:p>
             <a:r>
@@ -8975,12 +8910,6 @@
               </a:rPr>
               <a:t>小写</a:t>
             </a:r>
-            <a:endParaRPr kumimoji="1" lang="zh-CN" altLang="en-US" dirty="0">
-              <a:solidFill>
-                <a:srgbClr val="FF0000"/>
-              </a:solidFill>
-              <a:sym typeface="+mn-ea"/>
-            </a:endParaRPr>
           </a:p>
           <a:p>
             <a:r>
@@ -8998,12 +8927,6 @@
               </a:rPr>
               <a:t>合理嵌套</a:t>
             </a:r>
-            <a:endParaRPr kumimoji="1" lang="zh-CN" altLang="en-US" dirty="0">
-              <a:solidFill>
-                <a:srgbClr val="FF0000"/>
-              </a:solidFill>
-              <a:sym typeface="+mn-ea"/>
-            </a:endParaRPr>
           </a:p>
           <a:p>
             <a:r>
@@ -9051,12 +8974,6 @@
               </a:rPr>
               <a:t>必须赋值</a:t>
             </a:r>
-            <a:endParaRPr kumimoji="1" lang="zh-CN" altLang="en-US" dirty="0">
-              <a:solidFill>
-                <a:srgbClr val="FF0000"/>
-              </a:solidFill>
-              <a:sym typeface="+mn-ea"/>
-            </a:endParaRPr>
           </a:p>
           <a:p>
             <a:r>
@@ -9104,12 +9021,6 @@
               </a:rPr>
               <a:t>表示</a:t>
             </a:r>
-            <a:endParaRPr kumimoji="1" lang="en-US" altLang="en-US" dirty="0" err="1">
-              <a:solidFill>
-                <a:srgbClr val="FF0000"/>
-              </a:solidFill>
-              <a:sym typeface="+mn-ea"/>
-            </a:endParaRPr>
           </a:p>
           <a:p>
             <a:r>
@@ -9133,9 +9044,6 @@
               </a:rPr>
               <a:t>”</a:t>
             </a:r>
-            <a:endParaRPr kumimoji="1" lang="en-US" altLang="en-US" dirty="0">
-              <a:sym typeface="+mn-ea"/>
-            </a:endParaRPr>
           </a:p>
           <a:p>
             <a:r>
@@ -9183,11 +9091,11 @@
   <p:clrMapOvr>
     <a:masterClrMapping/>
   </p:clrMapOvr>
-  <mc:AlternateContent xmlns:mc="http://schemas.openxmlformats.org/markup-compatibility/2006">
-    <mc:Choice xmlns:p14="http://schemas.microsoft.com/office/powerpoint/2010/main" Requires="p14">
+  <mc:AlternateContent xmlns:mc="http://schemas.openxmlformats.org/markup-compatibility/2006" xmlns:p14="http://schemas.microsoft.com/office/powerpoint/2010/main">
+    <mc:Choice Requires="p14">
       <p:transition spd="slow" p14:dur="1600"/>
     </mc:Choice>
-    <mc:Fallback>
+    <mc:Fallback xmlns="">
       <p:transition spd="slow"/>
     </mc:Fallback>
   </mc:AlternateContent>
@@ -9289,13 +9197,6 @@
               </a:rPr>
               <a:t>本节内容</a:t>
             </a:r>
-            <a:endParaRPr lang="zh-CN" altLang="en-US" sz="5700" b="1" dirty="0">
-              <a:solidFill>
-                <a:schemeClr val="bg1"/>
-              </a:solidFill>
-              <a:latin typeface="微软雅黑" panose="020B0503020204020204" pitchFamily="34" charset="-122"/>
-              <a:ea typeface="微软雅黑" panose="020B0503020204020204" pitchFamily="34" charset="-122"/>
-            </a:endParaRPr>
           </a:p>
         </p:txBody>
       </p:sp>
@@ -9569,13 +9470,6 @@
               </a:rPr>
               <a:t>标签汇总</a:t>
             </a:r>
-            <a:endParaRPr lang="zh-CN" altLang="en-US" sz="2800" dirty="0">
-              <a:solidFill>
-                <a:srgbClr val="595E64"/>
-              </a:solidFill>
-              <a:latin typeface="微软雅黑" panose="020B0503020204020204" pitchFamily="34" charset="-122"/>
-              <a:ea typeface="微软雅黑" panose="020B0503020204020204" pitchFamily="34" charset="-122"/>
-            </a:endParaRPr>
           </a:p>
         </p:txBody>
       </p:sp>
@@ -9657,13 +9551,6 @@
               </a:rPr>
               <a:t>常见问题及经验总结</a:t>
             </a:r>
-            <a:endParaRPr lang="zh-CN" altLang="en-US" sz="2800" dirty="0">
-              <a:solidFill>
-                <a:srgbClr val="595E64"/>
-              </a:solidFill>
-              <a:latin typeface="微软雅黑" panose="020B0503020204020204" pitchFamily="34" charset="-122"/>
-              <a:ea typeface="微软雅黑" panose="020B0503020204020204" pitchFamily="34" charset="-122"/>
-            </a:endParaRPr>
           </a:p>
         </p:txBody>
       </p:sp>
@@ -9791,13 +9678,6 @@
               </a:rPr>
               <a:t>编码规范</a:t>
             </a:r>
-            <a:endParaRPr lang="zh-CN" altLang="en-US" sz="2800" dirty="0">
-              <a:solidFill>
-                <a:srgbClr val="595E64"/>
-              </a:solidFill>
-              <a:latin typeface="微软雅黑" panose="020B0503020204020204" pitchFamily="34" charset="-122"/>
-              <a:ea typeface="微软雅黑" panose="020B0503020204020204" pitchFamily="34" charset="-122"/>
-            </a:endParaRPr>
           </a:p>
         </p:txBody>
       </p:sp>
@@ -9840,6 +9720,7 @@
         </p:style>
         <p:txBody>
           <a:bodyPr lIns="108850" tIns="54425" rIns="108850" bIns="54425" rtlCol="0" anchor="ctr"/>
+          <a:lstStyle/>
           <a:p>
             <a:pPr algn="ctr"/>
             <a:endParaRPr lang="zh-CN" altLang="en-US"/>
@@ -9866,6 +9747,7 @@
           <a:bodyPr wrap="square" lIns="108850" tIns="54425" rIns="108850" bIns="54425" rtlCol="0">
             <a:spAutoFit/>
           </a:bodyPr>
+          <a:lstStyle/>
           <a:p>
             <a:r>
               <a:rPr lang="en-US" altLang="zh-CN" sz="2800" dirty="0">
@@ -9907,6 +9789,7 @@
           <a:bodyPr wrap="square" lIns="108850" tIns="54425" rIns="108850" bIns="54425" rtlCol="0">
             <a:spAutoFit/>
           </a:bodyPr>
+          <a:lstStyle/>
           <a:p>
             <a:r>
               <a:rPr lang="en-US" altLang="zh-CN" sz="2800" dirty="0">
@@ -9928,13 +9811,6 @@
               </a:rPr>
               <a:t>基本样式修饰</a:t>
             </a:r>
-            <a:endParaRPr lang="zh-CN" altLang="en-US" sz="2800" dirty="0">
-              <a:solidFill>
-                <a:srgbClr val="595E64"/>
-              </a:solidFill>
-              <a:latin typeface="微软雅黑" panose="020B0503020204020204" pitchFamily="34" charset="-122"/>
-              <a:ea typeface="微软雅黑" panose="020B0503020204020204" pitchFamily="34" charset="-122"/>
-            </a:endParaRPr>
           </a:p>
         </p:txBody>
       </p:sp>
@@ -9977,6 +9853,7 @@
         </p:style>
         <p:txBody>
           <a:bodyPr lIns="108850" tIns="54425" rIns="108850" bIns="54425" rtlCol="0" anchor="ctr"/>
+          <a:lstStyle/>
           <a:p>
             <a:pPr algn="ctr"/>
             <a:endParaRPr lang="zh-CN" altLang="en-US"/>
@@ -10022,6 +9899,7 @@
         </p:style>
         <p:txBody>
           <a:bodyPr lIns="108850" tIns="54425" rIns="108850" bIns="54425" rtlCol="0" anchor="ctr"/>
+          <a:lstStyle/>
           <a:p>
             <a:pPr algn="ctr"/>
             <a:endParaRPr lang="zh-CN" altLang="en-US"/>
@@ -10048,6 +9926,7 @@
           <a:bodyPr wrap="square" lIns="108850" tIns="54425" rIns="108850" bIns="54425" rtlCol="0">
             <a:spAutoFit/>
           </a:bodyPr>
+          <a:lstStyle/>
           <a:p>
             <a:r>
               <a:rPr lang="en-US" altLang="zh-CN" sz="2800" dirty="0">
@@ -10069,13 +9948,6 @@
               </a:rPr>
               <a:t>颜色、单位</a:t>
             </a:r>
-            <a:endParaRPr lang="zh-CN" altLang="en-US" sz="2800" dirty="0">
-              <a:solidFill>
-                <a:srgbClr val="595E64"/>
-              </a:solidFill>
-              <a:latin typeface="微软雅黑" panose="020B0503020204020204" pitchFamily="34" charset="-122"/>
-              <a:ea typeface="微软雅黑" panose="020B0503020204020204" pitchFamily="34" charset="-122"/>
-            </a:endParaRPr>
           </a:p>
         </p:txBody>
       </p:sp>
@@ -10118,6 +9990,7 @@
         </p:style>
         <p:txBody>
           <a:bodyPr lIns="108850" tIns="54425" rIns="108850" bIns="54425" rtlCol="0" anchor="ctr"/>
+          <a:lstStyle/>
           <a:p>
             <a:pPr algn="ctr"/>
             <a:endParaRPr lang="zh-CN" altLang="en-US"/>
@@ -10144,6 +10017,7 @@
           <a:bodyPr wrap="square" lIns="108850" tIns="54425" rIns="108850" bIns="54425" rtlCol="0">
             <a:spAutoFit/>
           </a:bodyPr>
+          <a:lstStyle/>
           <a:p>
             <a:r>
               <a:rPr lang="en-US" altLang="zh-CN" sz="2800" dirty="0">
@@ -10165,13 +10039,6 @@
               </a:rPr>
               <a:t>盒子模型及其应用</a:t>
             </a:r>
-            <a:endParaRPr lang="zh-CN" altLang="en-US" sz="2800" dirty="0">
-              <a:solidFill>
-                <a:srgbClr val="595E64"/>
-              </a:solidFill>
-              <a:latin typeface="微软雅黑" panose="020B0503020204020204" pitchFamily="34" charset="-122"/>
-              <a:ea typeface="微软雅黑" panose="020B0503020204020204" pitchFamily="34" charset="-122"/>
-            </a:endParaRPr>
           </a:p>
         </p:txBody>
       </p:sp>
@@ -10180,11 +10047,11 @@
   <p:clrMapOvr>
     <a:masterClrMapping/>
   </p:clrMapOvr>
-  <mc:AlternateContent xmlns:mc="http://schemas.openxmlformats.org/markup-compatibility/2006">
-    <mc:Choice xmlns:p14="http://schemas.microsoft.com/office/powerpoint/2010/main" Requires="p14">
+  <mc:AlternateContent xmlns:mc="http://schemas.openxmlformats.org/markup-compatibility/2006" xmlns:p14="http://schemas.microsoft.com/office/powerpoint/2010/main">
+    <mc:Choice Requires="p14">
       <p:transition spd="slow" p14:dur="1600"/>
     </mc:Choice>
-    <mc:Fallback>
+    <mc:Fallback xmlns="">
       <p:transition spd="slow"/>
     </mc:Fallback>
   </mc:AlternateContent>
@@ -10293,13 +10160,6 @@
               </a:rPr>
               <a:t>本讲目标</a:t>
             </a:r>
-            <a:endParaRPr lang="zh-CN" altLang="en-US" sz="5700" b="1" dirty="0">
-              <a:solidFill>
-                <a:schemeClr val="bg1"/>
-              </a:solidFill>
-              <a:latin typeface="微软雅黑" panose="020B0503020204020204" pitchFamily="34" charset="-122"/>
-              <a:ea typeface="微软雅黑" panose="020B0503020204020204" pitchFamily="34" charset="-122"/>
-            </a:endParaRPr>
           </a:p>
         </p:txBody>
       </p:sp>
@@ -10551,13 +10411,6 @@
               </a:rPr>
               <a:t>知识点</a:t>
             </a:r>
-            <a:endParaRPr lang="zh-CN" altLang="en-US" sz="2800" dirty="0">
-              <a:solidFill>
-                <a:srgbClr val="595E64"/>
-              </a:solidFill>
-              <a:latin typeface="微软雅黑" panose="020B0503020204020204" pitchFamily="34" charset="-122"/>
-              <a:ea typeface="微软雅黑" panose="020B0503020204020204" pitchFamily="34" charset="-122"/>
-            </a:endParaRPr>
           </a:p>
         </p:txBody>
       </p:sp>
@@ -10613,13 +10466,6 @@
               </a:rPr>
               <a:t>知识点</a:t>
             </a:r>
-            <a:endParaRPr lang="zh-CN" altLang="en-US" sz="2800" dirty="0">
-              <a:solidFill>
-                <a:srgbClr val="595E64"/>
-              </a:solidFill>
-              <a:latin typeface="微软雅黑" panose="020B0503020204020204" pitchFamily="34" charset="-122"/>
-              <a:ea typeface="微软雅黑" panose="020B0503020204020204" pitchFamily="34" charset="-122"/>
-            </a:endParaRPr>
           </a:p>
         </p:txBody>
       </p:sp>
@@ -10674,11 +10520,11 @@
   <p:clrMapOvr>
     <a:masterClrMapping/>
   </p:clrMapOvr>
-  <mc:AlternateContent xmlns:mc="http://schemas.openxmlformats.org/markup-compatibility/2006">
-    <mc:Choice xmlns:p14="http://schemas.microsoft.com/office/powerpoint/2010/main" Requires="p14">
-      <p:transition spd="slow" p14:dur="0"/>
+  <mc:AlternateContent xmlns:mc="http://schemas.openxmlformats.org/markup-compatibility/2006" xmlns:p14="http://schemas.microsoft.com/office/powerpoint/2010/main">
+    <mc:Choice Requires="p14">
+      <p:transition p14:dur="0"/>
     </mc:Choice>
-    <mc:Fallback>
+    <mc:Fallback xmlns="">
       <p:transition spd="slow"/>
     </mc:Fallback>
   </mc:AlternateContent>
@@ -10694,7 +10540,14 @@
         <p:cNvGrpSpPr/>
         <p:nvPr/>
       </p:nvGrpSpPr>
-      <p:grpSpPr/>
+      <p:grpSpPr>
+        <a:xfrm>
+          <a:off x="0" y="0"/>
+          <a:ext cx="0" cy="0"/>
+          <a:chOff x="0" y="0"/>
+          <a:chExt cx="0" cy="0"/>
+        </a:xfrm>
+      </p:grpSpPr>
       <p:sp>
         <p:nvSpPr>
           <p:cNvPr id="3" name="标题 2"/>
@@ -10708,6 +10561,7 @@
         <p:spPr/>
         <p:txBody>
           <a:bodyPr/>
+          <a:lstStyle/>
           <a:p>
             <a:r>
               <a:rPr lang="en-US" altLang="zh-CN" dirty="0">
@@ -10745,6 +10599,7 @@
           <a:bodyPr>
             <a:normAutofit/>
           </a:bodyPr>
+          <a:lstStyle/>
           <a:p>
             <a:r>
               <a:rPr lang="zh-CN" altLang="en-US" dirty="0">
@@ -10815,25 +10670,13 @@
               <a:rPr lang="zh-CN" altLang="en-US" dirty="0">
                 <a:sym typeface="+mn-ea"/>
               </a:rPr>
-              <a:t>类选择器</a:t>
-            </a:r>
-            <a:r>
-              <a:rPr lang="zh-CN" altLang="en-US" dirty="0">
-                <a:sym typeface="+mn-ea"/>
-              </a:rPr>
-              <a:t> </a:t>
+              <a:t>类选择器 </a:t>
             </a:r>
             <a:r>
               <a:rPr lang="en-US" altLang="zh-CN" dirty="0">
                 <a:sym typeface="+mn-ea"/>
               </a:rPr>
-              <a:t>——</a:t>
-            </a:r>
-            <a:r>
-              <a:rPr lang="en-US" altLang="zh-CN" dirty="0">
-                <a:sym typeface="+mn-ea"/>
-              </a:rPr>
-              <a:t> </a:t>
+              <a:t>—— </a:t>
             </a:r>
             <a:r>
               <a:rPr lang="zh-CN" altLang="en-US" dirty="0">
@@ -10962,11 +10805,11 @@
   <p:clrMapOvr>
     <a:masterClrMapping/>
   </p:clrMapOvr>
-  <mc:AlternateContent xmlns:mc="http://schemas.openxmlformats.org/markup-compatibility/2006">
-    <mc:Choice xmlns:p14="http://schemas.microsoft.com/office/powerpoint/2010/main" Requires="p14">
+  <mc:AlternateContent xmlns:mc="http://schemas.openxmlformats.org/markup-compatibility/2006" xmlns:p14="http://schemas.microsoft.com/office/powerpoint/2010/main">
+    <mc:Choice Requires="p14">
       <p:transition spd="slow" p14:dur="1600"/>
     </mc:Choice>
-    <mc:Fallback>
+    <mc:Fallback xmlns="">
       <p:transition spd="slow"/>
     </mc:Fallback>
   </mc:AlternateContent>
@@ -10982,7 +10825,14 @@
         <p:cNvGrpSpPr/>
         <p:nvPr/>
       </p:nvGrpSpPr>
-      <p:grpSpPr/>
+      <p:grpSpPr>
+        <a:xfrm>
+          <a:off x="0" y="0"/>
+          <a:ext cx="0" cy="0"/>
+          <a:chOff x="0" y="0"/>
+          <a:chExt cx="0" cy="0"/>
+        </a:xfrm>
+      </p:grpSpPr>
       <p:sp>
         <p:nvSpPr>
           <p:cNvPr id="3" name="标题 2"/>
@@ -10996,6 +10846,7 @@
         <p:spPr/>
         <p:txBody>
           <a:bodyPr/>
+          <a:lstStyle/>
           <a:p>
             <a:r>
               <a:rPr lang="en-US" altLang="zh-CN" dirty="0">
@@ -11033,6 +10884,7 @@
           <a:bodyPr>
             <a:normAutofit/>
           </a:bodyPr>
+          <a:lstStyle/>
           <a:p>
             <a:r>
               <a:rPr lang="zh-CN" altLang="en-US" dirty="0">
@@ -11040,9 +10892,6 @@
               </a:rPr>
               <a:t>分组选择器</a:t>
             </a:r>
-            <a:endParaRPr lang="zh-CN" altLang="en-US" dirty="0">
-              <a:sym typeface="+mn-ea"/>
-            </a:endParaRPr>
           </a:p>
           <a:p>
             <a:pPr lvl="1"/>
@@ -11073,12 +10922,6 @@
               </a:rPr>
               <a:t>}</a:t>
             </a:r>
-            <a:endParaRPr lang="zh-CN" altLang="zh-CN" dirty="0">
-              <a:solidFill>
-                <a:srgbClr val="000000"/>
-              </a:solidFill>
-              <a:sym typeface="+mn-ea"/>
-            </a:endParaRPr>
           </a:p>
           <a:p>
             <a:pPr lvl="1"/>
@@ -11114,9 +10957,6 @@
               </a:rPr>
               <a:t>后代（派生或者包含）选择器：可以选择作为某元素后代的元素</a:t>
             </a:r>
-            <a:endParaRPr lang="zh-CN" altLang="en-US" dirty="0">
-              <a:sym typeface="+mn-ea"/>
-            </a:endParaRPr>
           </a:p>
           <a:p>
             <a:pPr lvl="1"/>
@@ -11126,9 +10966,6 @@
               </a:rPr>
               <a:t>例如：h1 em { color : red ;} </a:t>
             </a:r>
-            <a:endParaRPr lang="zh-CN" altLang="zh-CN" dirty="0">
-              <a:sym typeface="+mn-ea"/>
-            </a:endParaRPr>
           </a:p>
           <a:p>
             <a:pPr lvl="1"/>
@@ -11185,11 +11022,11 @@
   <p:clrMapOvr>
     <a:masterClrMapping/>
   </p:clrMapOvr>
-  <mc:AlternateContent xmlns:mc="http://schemas.openxmlformats.org/markup-compatibility/2006">
-    <mc:Choice xmlns:p14="http://schemas.microsoft.com/office/powerpoint/2010/main" Requires="p14">
+  <mc:AlternateContent xmlns:mc="http://schemas.openxmlformats.org/markup-compatibility/2006" xmlns:p14="http://schemas.microsoft.com/office/powerpoint/2010/main">
+    <mc:Choice Requires="p14">
       <p:transition spd="slow" p14:dur="1600"/>
     </mc:Choice>
-    <mc:Fallback>
+    <mc:Fallback xmlns="">
       <p:transition spd="slow"/>
     </mc:Fallback>
   </mc:AlternateContent>
@@ -11205,7 +11042,14 @@
         <p:cNvGrpSpPr/>
         <p:nvPr/>
       </p:nvGrpSpPr>
-      <p:grpSpPr/>
+      <p:grpSpPr>
+        <a:xfrm>
+          <a:off x="0" y="0"/>
+          <a:ext cx="0" cy="0"/>
+          <a:chOff x="0" y="0"/>
+          <a:chExt cx="0" cy="0"/>
+        </a:xfrm>
+      </p:grpSpPr>
       <p:sp>
         <p:nvSpPr>
           <p:cNvPr id="3" name="标题 2"/>
@@ -11219,6 +11063,7 @@
         <p:spPr/>
         <p:txBody>
           <a:bodyPr/>
+          <a:lstStyle/>
           <a:p>
             <a:r>
               <a:rPr lang="en-US" altLang="zh-CN" dirty="0">
@@ -11256,6 +11101,7 @@
           <a:bodyPr>
             <a:normAutofit/>
           </a:bodyPr>
+          <a:lstStyle/>
           <a:p>
             <a:r>
               <a:rPr lang="zh-CN" altLang="en-US" dirty="0">
@@ -11346,11 +11192,11 @@
   <p:clrMapOvr>
     <a:masterClrMapping/>
   </p:clrMapOvr>
-  <mc:AlternateContent xmlns:mc="http://schemas.openxmlformats.org/markup-compatibility/2006">
-    <mc:Choice xmlns:p14="http://schemas.microsoft.com/office/powerpoint/2010/main" Requires="p14">
+  <mc:AlternateContent xmlns:mc="http://schemas.openxmlformats.org/markup-compatibility/2006" xmlns:p14="http://schemas.microsoft.com/office/powerpoint/2010/main">
+    <mc:Choice Requires="p14">
       <p:transition spd="slow" p14:dur="1600"/>
     </mc:Choice>
-    <mc:Fallback>
+    <mc:Fallback xmlns="">
       <p:transition spd="slow"/>
     </mc:Fallback>
   </mc:AlternateContent>
@@ -11452,13 +11298,6 @@
               </a:rPr>
               <a:t>本节内容</a:t>
             </a:r>
-            <a:endParaRPr lang="zh-CN" altLang="en-US" sz="5700" b="1" dirty="0">
-              <a:solidFill>
-                <a:schemeClr val="bg1"/>
-              </a:solidFill>
-              <a:latin typeface="微软雅黑" panose="020B0503020204020204" pitchFamily="34" charset="-122"/>
-              <a:ea typeface="微软雅黑" panose="020B0503020204020204" pitchFamily="34" charset="-122"/>
-            </a:endParaRPr>
           </a:p>
         </p:txBody>
       </p:sp>
@@ -11732,13 +11571,6 @@
               </a:rPr>
               <a:t>标签汇总</a:t>
             </a:r>
-            <a:endParaRPr lang="zh-CN" altLang="en-US" sz="2800" dirty="0">
-              <a:solidFill>
-                <a:srgbClr val="595E64"/>
-              </a:solidFill>
-              <a:latin typeface="微软雅黑" panose="020B0503020204020204" pitchFamily="34" charset="-122"/>
-              <a:ea typeface="微软雅黑" panose="020B0503020204020204" pitchFamily="34" charset="-122"/>
-            </a:endParaRPr>
           </a:p>
         </p:txBody>
       </p:sp>
@@ -11820,13 +11652,6 @@
               </a:rPr>
               <a:t>常见问题及经验总结</a:t>
             </a:r>
-            <a:endParaRPr lang="zh-CN" altLang="en-US" sz="2800" dirty="0">
-              <a:solidFill>
-                <a:srgbClr val="595E64"/>
-              </a:solidFill>
-              <a:latin typeface="微软雅黑" panose="020B0503020204020204" pitchFamily="34" charset="-122"/>
-              <a:ea typeface="微软雅黑" panose="020B0503020204020204" pitchFamily="34" charset="-122"/>
-            </a:endParaRPr>
           </a:p>
         </p:txBody>
       </p:sp>
@@ -11954,13 +11779,6 @@
               </a:rPr>
               <a:t>编码规范</a:t>
             </a:r>
-            <a:endParaRPr lang="zh-CN" altLang="en-US" sz="2800" dirty="0">
-              <a:solidFill>
-                <a:srgbClr val="595E64"/>
-              </a:solidFill>
-              <a:latin typeface="微软雅黑" panose="020B0503020204020204" pitchFamily="34" charset="-122"/>
-              <a:ea typeface="微软雅黑" panose="020B0503020204020204" pitchFamily="34" charset="-122"/>
-            </a:endParaRPr>
           </a:p>
         </p:txBody>
       </p:sp>
@@ -12003,6 +11821,7 @@
         </p:style>
         <p:txBody>
           <a:bodyPr lIns="108850" tIns="54425" rIns="108850" bIns="54425" rtlCol="0" anchor="ctr"/>
+          <a:lstStyle/>
           <a:p>
             <a:pPr algn="ctr"/>
             <a:endParaRPr lang="zh-CN" altLang="en-US"/>
@@ -12029,6 +11848,7 @@
           <a:bodyPr wrap="square" lIns="108850" tIns="54425" rIns="108850" bIns="54425" rtlCol="0">
             <a:spAutoFit/>
           </a:bodyPr>
+          <a:lstStyle/>
           <a:p>
             <a:r>
               <a:rPr lang="zh-CN" altLang="en-US" sz="2800" dirty="0">
@@ -12070,6 +11890,7 @@
           <a:bodyPr wrap="square" lIns="108850" tIns="54425" rIns="108850" bIns="54425" rtlCol="0">
             <a:spAutoFit/>
           </a:bodyPr>
+          <a:lstStyle/>
           <a:p>
             <a:r>
               <a:rPr lang="zh-CN" altLang="en-US" sz="2800" dirty="0">
@@ -12130,6 +11951,7 @@
         </p:style>
         <p:txBody>
           <a:bodyPr lIns="108850" tIns="54425" rIns="108850" bIns="54425" rtlCol="0" anchor="ctr"/>
+          <a:lstStyle/>
           <a:p>
             <a:pPr algn="ctr"/>
             <a:endParaRPr lang="zh-CN" altLang="en-US"/>
@@ -12175,6 +11997,7 @@
         </p:style>
         <p:txBody>
           <a:bodyPr lIns="108850" tIns="54425" rIns="108850" bIns="54425" rtlCol="0" anchor="ctr"/>
+          <a:lstStyle/>
           <a:p>
             <a:pPr algn="ctr"/>
             <a:endParaRPr lang="zh-CN" altLang="en-US"/>
@@ -12201,6 +12024,7 @@
           <a:bodyPr wrap="square" lIns="108850" tIns="54425" rIns="108850" bIns="54425" rtlCol="0">
             <a:spAutoFit/>
           </a:bodyPr>
+          <a:lstStyle/>
           <a:p>
             <a:r>
               <a:rPr lang="en-US" altLang="zh-CN" sz="2800" dirty="0">
@@ -12222,13 +12046,6 @@
               </a:rPr>
               <a:t>颜色、单位</a:t>
             </a:r>
-            <a:endParaRPr lang="zh-CN" altLang="en-US" sz="2800" dirty="0">
-              <a:solidFill>
-                <a:srgbClr val="595E64"/>
-              </a:solidFill>
-              <a:latin typeface="微软雅黑" panose="020B0503020204020204" pitchFamily="34" charset="-122"/>
-              <a:ea typeface="微软雅黑" panose="020B0503020204020204" pitchFamily="34" charset="-122"/>
-            </a:endParaRPr>
           </a:p>
         </p:txBody>
       </p:sp>
@@ -12271,6 +12088,7 @@
         </p:style>
         <p:txBody>
           <a:bodyPr lIns="108850" tIns="54425" rIns="108850" bIns="54425" rtlCol="0" anchor="ctr"/>
+          <a:lstStyle/>
           <a:p>
             <a:pPr algn="ctr"/>
             <a:endParaRPr lang="zh-CN" altLang="en-US"/>
@@ -12297,6 +12115,7 @@
           <a:bodyPr wrap="square" lIns="108850" tIns="54425" rIns="108850" bIns="54425" rtlCol="0">
             <a:spAutoFit/>
           </a:bodyPr>
+          <a:lstStyle/>
           <a:p>
             <a:r>
               <a:rPr lang="en-US" altLang="zh-CN" sz="2800" dirty="0">
@@ -12318,13 +12137,6 @@
               </a:rPr>
               <a:t>盒子模型及其应用</a:t>
             </a:r>
-            <a:endParaRPr lang="zh-CN" altLang="en-US" sz="2800" dirty="0">
-              <a:solidFill>
-                <a:srgbClr val="595E64"/>
-              </a:solidFill>
-              <a:latin typeface="微软雅黑" panose="020B0503020204020204" pitchFamily="34" charset="-122"/>
-              <a:ea typeface="微软雅黑" panose="020B0503020204020204" pitchFamily="34" charset="-122"/>
-            </a:endParaRPr>
           </a:p>
         </p:txBody>
       </p:sp>
@@ -12333,11 +12145,11 @@
   <p:clrMapOvr>
     <a:masterClrMapping/>
   </p:clrMapOvr>
-  <mc:AlternateContent xmlns:mc="http://schemas.openxmlformats.org/markup-compatibility/2006">
-    <mc:Choice xmlns:p14="http://schemas.microsoft.com/office/powerpoint/2010/main" Requires="p14">
+  <mc:AlternateContent xmlns:mc="http://schemas.openxmlformats.org/markup-compatibility/2006" xmlns:p14="http://schemas.microsoft.com/office/powerpoint/2010/main">
+    <mc:Choice Requires="p14">
       <p:transition spd="slow" p14:dur="1600"/>
     </mc:Choice>
-    <mc:Fallback>
+    <mc:Fallback xmlns="">
       <p:transition spd="slow"/>
     </mc:Fallback>
   </mc:AlternateContent>
@@ -12360,7 +12172,14 @@
         <p:cNvGrpSpPr/>
         <p:nvPr/>
       </p:nvGrpSpPr>
-      <p:grpSpPr/>
+      <p:grpSpPr>
+        <a:xfrm>
+          <a:off x="0" y="0"/>
+          <a:ext cx="0" cy="0"/>
+          <a:chOff x="0" y="0"/>
+          <a:chExt cx="0" cy="0"/>
+        </a:xfrm>
+      </p:grpSpPr>
       <p:sp>
         <p:nvSpPr>
           <p:cNvPr id="3" name="标题 2"/>
@@ -12374,6 +12193,7 @@
         <p:spPr/>
         <p:txBody>
           <a:bodyPr/>
+          <a:lstStyle/>
           <a:p>
             <a:r>
               <a:rPr lang="en-US" altLang="zh-CN" dirty="0">
@@ -12387,9 +12207,6 @@
               </a:rPr>
               <a:t>的使用</a:t>
             </a:r>
-            <a:endParaRPr lang="zh-CN" altLang="en-US" dirty="0">
-              <a:sym typeface="+mn-ea"/>
-            </a:endParaRPr>
           </a:p>
         </p:txBody>
       </p:sp>
@@ -12413,6 +12230,7 @@
           <a:bodyPr>
             <a:normAutofit/>
           </a:bodyPr>
+          <a:lstStyle/>
           <a:p>
             <a:r>
               <a:rPr lang="zh-CN" altLang="en-US" dirty="0">
@@ -12438,9 +12256,6 @@
               </a:rPr>
               <a:t>行内样式</a:t>
             </a:r>
-            <a:endParaRPr lang="zh-CN" altLang="en-US" dirty="0">
-              <a:sym typeface="+mn-ea"/>
-            </a:endParaRPr>
           </a:p>
           <a:p>
             <a:endParaRPr lang="zh-CN" altLang="en-US"/>
@@ -12456,7 +12271,7 @@
           <p:nvPr/>
         </p:nvPicPr>
         <p:blipFill>
-          <a:blip r:embed="rId1">
+          <a:blip r:embed="rId2">
             <a:extLst>
               <a:ext uri="{28A0092B-C50C-407E-A947-70E740481C1C}">
                 <a14:useLocalDpi xmlns:a14="http://schemas.microsoft.com/office/drawing/2010/main" val="0"/>
@@ -12520,7 +12335,7 @@
           <p:nvPr/>
         </p:nvPicPr>
         <p:blipFill>
-          <a:blip r:embed="rId2">
+          <a:blip r:embed="rId3">
             <a:extLst>
               <a:ext uri="{28A0092B-C50C-407E-A947-70E740481C1C}">
                 <a14:useLocalDpi xmlns:a14="http://schemas.microsoft.com/office/drawing/2010/main" val="0"/>
@@ -12580,11 +12395,11 @@
   <p:clrMapOvr>
     <a:masterClrMapping/>
   </p:clrMapOvr>
-  <mc:AlternateContent xmlns:mc="http://schemas.openxmlformats.org/markup-compatibility/2006">
-    <mc:Choice xmlns:p14="http://schemas.microsoft.com/office/powerpoint/2010/main" Requires="p14">
+  <mc:AlternateContent xmlns:mc="http://schemas.openxmlformats.org/markup-compatibility/2006" xmlns:p14="http://schemas.microsoft.com/office/powerpoint/2010/main">
+    <mc:Choice Requires="p14">
       <p:transition spd="slow" p14:dur="1600"/>
     </mc:Choice>
-    <mc:Fallback>
+    <mc:Fallback xmlns="">
       <p:transition spd="slow"/>
     </mc:Fallback>
   </mc:AlternateContent>
@@ -12828,7 +12643,14 @@
         <p:cNvGrpSpPr/>
         <p:nvPr/>
       </p:nvGrpSpPr>
-      <p:grpSpPr/>
+      <p:grpSpPr>
+        <a:xfrm>
+          <a:off x="0" y="0"/>
+          <a:ext cx="0" cy="0"/>
+          <a:chOff x="0" y="0"/>
+          <a:chExt cx="0" cy="0"/>
+        </a:xfrm>
+      </p:grpSpPr>
       <p:sp>
         <p:nvSpPr>
           <p:cNvPr id="3" name="标题 2"/>
@@ -12842,6 +12664,7 @@
         <p:spPr/>
         <p:txBody>
           <a:bodyPr/>
+          <a:lstStyle/>
           <a:p>
             <a:r>
               <a:rPr lang="zh-CN" altLang="en-US" dirty="0">
@@ -12849,9 +12672,6 @@
               </a:rPr>
               <a:t>文字样式的修饰</a:t>
             </a:r>
-            <a:endParaRPr lang="zh-CN" altLang="en-US" dirty="0">
-              <a:sym typeface="+mn-ea"/>
-            </a:endParaRPr>
           </a:p>
         </p:txBody>
       </p:sp>
@@ -12875,6 +12695,7 @@
           <a:bodyPr>
             <a:normAutofit/>
           </a:bodyPr>
+          <a:lstStyle/>
           <a:p>
             <a:r>
               <a:rPr lang="zh-CN" altLang="en-US" dirty="0">
@@ -13285,9 +13106,6 @@
               </a:rPr>
               <a:t>line-height</a:t>
             </a:r>
-            <a:endParaRPr lang="en-US" altLang="zh-CN" dirty="0">
-              <a:sym typeface="+mn-ea"/>
-            </a:endParaRPr>
           </a:p>
           <a:p>
             <a:pPr lvl="1"/>
@@ -13323,11 +13141,11 @@
   <p:clrMapOvr>
     <a:masterClrMapping/>
   </p:clrMapOvr>
-  <mc:AlternateContent xmlns:mc="http://schemas.openxmlformats.org/markup-compatibility/2006">
-    <mc:Choice xmlns:p14="http://schemas.microsoft.com/office/powerpoint/2010/main" Requires="p14">
+  <mc:AlternateContent xmlns:mc="http://schemas.openxmlformats.org/markup-compatibility/2006" xmlns:p14="http://schemas.microsoft.com/office/powerpoint/2010/main">
+    <mc:Choice Requires="p14">
       <p:transition spd="slow" p14:dur="1600"/>
     </mc:Choice>
-    <mc:Fallback>
+    <mc:Fallback xmlns="">
       <p:transition spd="slow"/>
     </mc:Fallback>
   </mc:AlternateContent>
@@ -13350,7 +13168,14 @@
         <p:cNvGrpSpPr/>
         <p:nvPr/>
       </p:nvGrpSpPr>
-      <p:grpSpPr/>
+      <p:grpSpPr>
+        <a:xfrm>
+          <a:off x="0" y="0"/>
+          <a:ext cx="0" cy="0"/>
+          <a:chOff x="0" y="0"/>
+          <a:chExt cx="0" cy="0"/>
+        </a:xfrm>
+      </p:grpSpPr>
       <p:sp>
         <p:nvSpPr>
           <p:cNvPr id="3" name="标题 2"/>
@@ -13364,6 +13189,7 @@
         <p:spPr/>
         <p:txBody>
           <a:bodyPr/>
+          <a:lstStyle/>
           <a:p>
             <a:r>
               <a:rPr lang="zh-CN" altLang="en-US" dirty="0">
@@ -13371,9 +13197,6 @@
               </a:rPr>
               <a:t>超链接的样式设置</a:t>
             </a:r>
-            <a:endParaRPr lang="zh-CN" altLang="en-US" dirty="0">
-              <a:sym typeface="+mn-ea"/>
-            </a:endParaRPr>
           </a:p>
         </p:txBody>
       </p:sp>
@@ -13397,6 +13220,7 @@
           <a:bodyPr>
             <a:normAutofit/>
           </a:bodyPr>
+          <a:lstStyle/>
           <a:p>
             <a:r>
               <a:rPr lang="zh-CN" altLang="en-US" dirty="0">
@@ -13404,6 +13228,8 @@
               </a:rPr>
               <a:t>超链接四个状态伪类</a:t>
             </a:r>
+          </a:p>
+          <a:p>
             <a:endParaRPr lang="zh-CN" altLang="en-US" dirty="0">
               <a:sym typeface="+mn-ea"/>
             </a:endParaRPr>
@@ -13424,11 +13250,6 @@
             </a:endParaRPr>
           </a:p>
           <a:p>
-            <a:endParaRPr lang="zh-CN" altLang="en-US" dirty="0">
-              <a:sym typeface="+mn-ea"/>
-            </a:endParaRPr>
-          </a:p>
-          <a:p>
             <a:r>
               <a:rPr lang="zh-CN" altLang="en-US" dirty="0">
                 <a:sym typeface="+mn-ea"/>
@@ -13447,9 +13268,6 @@
               </a:rPr>
               <a:t>）时，需要按特定顺序设置：</a:t>
             </a:r>
-            <a:endParaRPr lang="zh-CN" altLang="en-US" dirty="0">
-              <a:sym typeface="+mn-ea"/>
-            </a:endParaRPr>
           </a:p>
           <a:p>
             <a:pPr lvl="1"/>
@@ -13513,7 +13331,7 @@
           <p:nvPr/>
         </p:nvPicPr>
         <p:blipFill>
-          <a:blip r:embed="rId1">
+          <a:blip r:embed="rId2">
             <a:extLst>
               <a:ext uri="{28A0092B-C50C-407E-A947-70E740481C1C}">
                 <a14:useLocalDpi xmlns:a14="http://schemas.microsoft.com/office/drawing/2010/main" val="0"/>
@@ -13573,11 +13391,11 @@
   <p:clrMapOvr>
     <a:masterClrMapping/>
   </p:clrMapOvr>
-  <mc:AlternateContent xmlns:mc="http://schemas.openxmlformats.org/markup-compatibility/2006">
-    <mc:Choice xmlns:p14="http://schemas.microsoft.com/office/powerpoint/2010/main" Requires="p14">
+  <mc:AlternateContent xmlns:mc="http://schemas.openxmlformats.org/markup-compatibility/2006" xmlns:p14="http://schemas.microsoft.com/office/powerpoint/2010/main">
+    <mc:Choice Requires="p14">
       <p:transition spd="slow" p14:dur="1600"/>
     </mc:Choice>
-    <mc:Fallback>
+    <mc:Fallback xmlns="">
       <p:transition spd="slow"/>
     </mc:Fallback>
   </mc:AlternateContent>
@@ -13600,7 +13418,14 @@
         <p:cNvGrpSpPr/>
         <p:nvPr/>
       </p:nvGrpSpPr>
-      <p:grpSpPr/>
+      <p:grpSpPr>
+        <a:xfrm>
+          <a:off x="0" y="0"/>
+          <a:ext cx="0" cy="0"/>
+          <a:chOff x="0" y="0"/>
+          <a:chExt cx="0" cy="0"/>
+        </a:xfrm>
+      </p:grpSpPr>
       <p:sp>
         <p:nvSpPr>
           <p:cNvPr id="3" name="标题 2"/>
@@ -13614,6 +13439,7 @@
         <p:spPr/>
         <p:txBody>
           <a:bodyPr/>
+          <a:lstStyle/>
           <a:p>
             <a:r>
               <a:rPr lang="zh-CN" altLang="en-US" dirty="0">
@@ -13621,9 +13447,6 @@
               </a:rPr>
               <a:t>背景设置</a:t>
             </a:r>
-            <a:endParaRPr lang="zh-CN" altLang="en-US" dirty="0">
-              <a:sym typeface="+mn-ea"/>
-            </a:endParaRPr>
           </a:p>
         </p:txBody>
       </p:sp>
@@ -13647,69 +13470,61 @@
           <a:bodyPr>
             <a:normAutofit lnSpcReduction="10000"/>
           </a:bodyPr>
+          <a:lstStyle/>
           <a:p>
             <a:r>
               <a:rPr lang="zh-CN" altLang="en-US" dirty="0">
                 <a:sym typeface="+mn-ea"/>
               </a:rPr>
               <a:t>背景色</a:t>
+            </a:r>
+          </a:p>
+          <a:p>
+            <a:pPr lvl="1"/>
+            <a:r>
+              <a:rPr altLang="zh-CN" dirty="0">
+                <a:sym typeface="+mn-ea"/>
+              </a:rPr>
+              <a:t>background-color : gray ;</a:t>
+            </a:r>
+            <a:endParaRPr lang="zh-CN" altLang="en-US" dirty="0" smtClean="0">
+              <a:sym typeface="+mn-ea"/>
+            </a:endParaRPr>
+          </a:p>
+          <a:p>
+            <a:pPr lvl="1"/>
+            <a:r>
+              <a:rPr altLang="zh-CN" dirty="0">
+                <a:sym typeface="+mn-ea"/>
+              </a:rPr>
+              <a:t>background-color : #808080 </a:t>
+            </a:r>
+            <a:r>
+              <a:rPr lang="zh-CN" altLang="en-US" dirty="0">
+                <a:sym typeface="+mn-ea"/>
+              </a:rPr>
+              <a:t>；</a:t>
+            </a:r>
+          </a:p>
+          <a:p>
+            <a:pPr lvl="1"/>
+            <a:r>
+              <a:rPr altLang="zh-CN" dirty="0">
+                <a:sym typeface="+mn-ea"/>
+              </a:rPr>
+              <a:t>background-color : rgb(128,128,128) ;</a:t>
             </a:r>
             <a:endParaRPr lang="zh-CN" altLang="en-US" dirty="0">
               <a:sym typeface="+mn-ea"/>
             </a:endParaRPr>
           </a:p>
           <a:p>
-            <a:pPr lvl="1"/>
-            <a:r>
-              <a:rPr altLang="zh-CN" dirty="0">
-                <a:sym typeface="+mn-ea"/>
-              </a:rPr>
-              <a:t>background-color : gray ;</a:t>
-            </a:r>
-            <a:endParaRPr lang="zh-CN" altLang="en-US" dirty="0" smtClean="0">
-              <a:sym typeface="+mn-ea"/>
-            </a:endParaRPr>
-          </a:p>
-          <a:p>
-            <a:pPr lvl="1"/>
-            <a:r>
-              <a:rPr altLang="zh-CN" dirty="0">
-                <a:sym typeface="+mn-ea"/>
-              </a:rPr>
-              <a:t>background-color : #808080 </a:t>
-            </a:r>
             <a:r>
               <a:rPr lang="zh-CN" altLang="en-US" dirty="0">
                 <a:sym typeface="+mn-ea"/>
               </a:rPr>
-              <a:t>；</a:t>
-            </a:r>
-            <a:endParaRPr lang="zh-CN" altLang="en-US" dirty="0">
-              <a:sym typeface="+mn-ea"/>
-            </a:endParaRPr>
-          </a:p>
-          <a:p>
-            <a:pPr lvl="1"/>
-            <a:r>
-              <a:rPr altLang="zh-CN" dirty="0">
-                <a:sym typeface="+mn-ea"/>
-              </a:rPr>
-              <a:t>background-color : rgb(128,128,128) ;</a:t>
-            </a:r>
-            <a:endParaRPr lang="zh-CN" altLang="en-US" dirty="0">
-              <a:sym typeface="+mn-ea"/>
-            </a:endParaRPr>
-          </a:p>
-          <a:p>
-            <a:r>
-              <a:rPr lang="zh-CN" altLang="en-US" dirty="0">
-                <a:sym typeface="+mn-ea"/>
-              </a:rPr>
               <a:t>背景图像</a:t>
             </a:r>
-            <a:endParaRPr lang="zh-CN" altLang="en-US" dirty="0">
-              <a:sym typeface="+mn-ea"/>
-            </a:endParaRPr>
           </a:p>
           <a:p>
             <a:pPr lvl="1"/>
@@ -13743,9 +13558,6 @@
               </a:rPr>
               <a:t>(image/bg.jpg) ;</a:t>
             </a:r>
-            <a:endParaRPr lang="en-US" altLang="zh-CN" dirty="0">
-              <a:sym typeface="+mn-ea"/>
-            </a:endParaRPr>
           </a:p>
           <a:p>
             <a:pPr lvl="1"/>
@@ -13761,9 +13573,6 @@
               </a:rPr>
               <a:t>;</a:t>
             </a:r>
-            <a:endParaRPr lang="en-US" altLang="zh-CN" dirty="0">
-              <a:sym typeface="+mn-ea"/>
-            </a:endParaRPr>
           </a:p>
           <a:p>
             <a:pPr lvl="1"/>
@@ -13779,9 +13588,6 @@
               </a:rPr>
               <a:t>;</a:t>
             </a:r>
-            <a:endParaRPr lang="en-US" altLang="zh-CN" dirty="0">
-              <a:sym typeface="+mn-ea"/>
-            </a:endParaRPr>
           </a:p>
           <a:p>
             <a:pPr marL="471805" lvl="1" indent="0">
@@ -13796,11 +13602,11 @@
   <p:clrMapOvr>
     <a:masterClrMapping/>
   </p:clrMapOvr>
-  <mc:AlternateContent xmlns:mc="http://schemas.openxmlformats.org/markup-compatibility/2006">
-    <mc:Choice xmlns:p14="http://schemas.microsoft.com/office/powerpoint/2010/main" Requires="p14">
+  <mc:AlternateContent xmlns:mc="http://schemas.openxmlformats.org/markup-compatibility/2006" xmlns:p14="http://schemas.microsoft.com/office/powerpoint/2010/main">
+    <mc:Choice Requires="p14">
       <p:transition spd="slow" p14:dur="1600"/>
     </mc:Choice>
-    <mc:Fallback>
+    <mc:Fallback xmlns="">
       <p:transition spd="slow"/>
     </mc:Fallback>
   </mc:AlternateContent>
@@ -13823,7 +13629,14 @@
         <p:cNvGrpSpPr/>
         <p:nvPr/>
       </p:nvGrpSpPr>
-      <p:grpSpPr/>
+      <p:grpSpPr>
+        <a:xfrm>
+          <a:off x="0" y="0"/>
+          <a:ext cx="0" cy="0"/>
+          <a:chOff x="0" y="0"/>
+          <a:chExt cx="0" cy="0"/>
+        </a:xfrm>
+      </p:grpSpPr>
       <p:sp>
         <p:nvSpPr>
           <p:cNvPr id="3" name="标题 2"/>
@@ -13837,6 +13650,7 @@
         <p:spPr/>
         <p:txBody>
           <a:bodyPr/>
+          <a:lstStyle/>
           <a:p>
             <a:r>
               <a:rPr lang="zh-CN" altLang="en-US" dirty="0">
@@ -13844,9 +13658,6 @@
               </a:rPr>
               <a:t>列表样式设置</a:t>
             </a:r>
-            <a:endParaRPr lang="zh-CN" altLang="en-US" dirty="0">
-              <a:sym typeface="+mn-ea"/>
-            </a:endParaRPr>
           </a:p>
         </p:txBody>
       </p:sp>
@@ -13870,6 +13681,7 @@
           <a:bodyPr>
             <a:normAutofit lnSpcReduction="10000"/>
           </a:bodyPr>
+          <a:lstStyle/>
           <a:p>
             <a:r>
               <a:rPr lang="zh-CN" altLang="en-US" sz="2800" dirty="0" err="1">
@@ -13877,9 +13689,6 @@
               </a:rPr>
               <a:t>列表标志类型</a:t>
             </a:r>
-            <a:endParaRPr lang="zh-CN" altLang="en-US" sz="2800" dirty="0" err="1">
-              <a:sym typeface="+mn-ea"/>
-            </a:endParaRPr>
           </a:p>
           <a:p>
             <a:pPr lvl="1"/>
@@ -13901,9 +13710,6 @@
               </a:rPr>
               <a:t>列表标志图像</a:t>
             </a:r>
-            <a:endParaRPr lang="zh-CN" altLang="en-US" sz="2800" dirty="0" err="1">
-              <a:sym typeface="+mn-ea"/>
-            </a:endParaRPr>
           </a:p>
           <a:p>
             <a:pPr lvl="1"/>
@@ -13925,9 +13731,6 @@
               </a:rPr>
               <a:t>列表标志位置</a:t>
             </a:r>
-            <a:endParaRPr lang="zh-CN" altLang="en-US" sz="2800" dirty="0" err="1">
-              <a:sym typeface="+mn-ea"/>
-            </a:endParaRPr>
           </a:p>
           <a:p>
             <a:pPr lvl="1"/>
@@ -13952,11 +13755,11 @@
   <p:clrMapOvr>
     <a:masterClrMapping/>
   </p:clrMapOvr>
-  <mc:AlternateContent xmlns:mc="http://schemas.openxmlformats.org/markup-compatibility/2006">
-    <mc:Choice xmlns:p14="http://schemas.microsoft.com/office/powerpoint/2010/main" Requires="p14">
+  <mc:AlternateContent xmlns:mc="http://schemas.openxmlformats.org/markup-compatibility/2006" xmlns:p14="http://schemas.microsoft.com/office/powerpoint/2010/main">
+    <mc:Choice Requires="p14">
       <p:transition spd="slow" p14:dur="1600"/>
     </mc:Choice>
-    <mc:Fallback>
+    <mc:Fallback xmlns="">
       <p:transition spd="slow"/>
     </mc:Fallback>
   </mc:AlternateContent>
@@ -14065,13 +13868,6 @@
               </a:rPr>
               <a:t>本节内容</a:t>
             </a:r>
-            <a:endParaRPr lang="zh-CN" altLang="en-US" sz="5700" b="1" dirty="0">
-              <a:solidFill>
-                <a:schemeClr val="bg1"/>
-              </a:solidFill>
-              <a:latin typeface="微软雅黑" panose="020B0503020204020204" pitchFamily="34" charset="-122"/>
-              <a:ea typeface="微软雅黑" panose="020B0503020204020204" pitchFamily="34" charset="-122"/>
-            </a:endParaRPr>
           </a:p>
         </p:txBody>
       </p:sp>
@@ -14345,13 +14141,6 @@
               </a:rPr>
               <a:t>标签汇总</a:t>
             </a:r>
-            <a:endParaRPr lang="zh-CN" altLang="en-US" sz="2800" dirty="0">
-              <a:solidFill>
-                <a:srgbClr val="595E64"/>
-              </a:solidFill>
-              <a:latin typeface="微软雅黑" panose="020B0503020204020204" pitchFamily="34" charset="-122"/>
-              <a:ea typeface="微软雅黑" panose="020B0503020204020204" pitchFamily="34" charset="-122"/>
-            </a:endParaRPr>
           </a:p>
         </p:txBody>
       </p:sp>
@@ -14433,13 +14222,6 @@
               </a:rPr>
               <a:t>常见问题及经验总结</a:t>
             </a:r>
-            <a:endParaRPr lang="zh-CN" altLang="en-US" sz="2800" dirty="0">
-              <a:solidFill>
-                <a:srgbClr val="595E64"/>
-              </a:solidFill>
-              <a:latin typeface="微软雅黑" panose="020B0503020204020204" pitchFamily="34" charset="-122"/>
-              <a:ea typeface="微软雅黑" panose="020B0503020204020204" pitchFamily="34" charset="-122"/>
-            </a:endParaRPr>
           </a:p>
         </p:txBody>
       </p:sp>
@@ -14567,13 +14349,6 @@
               </a:rPr>
               <a:t>编码规范</a:t>
             </a:r>
-            <a:endParaRPr lang="zh-CN" altLang="en-US" sz="2800" dirty="0">
-              <a:solidFill>
-                <a:srgbClr val="595E64"/>
-              </a:solidFill>
-              <a:latin typeface="微软雅黑" panose="020B0503020204020204" pitchFamily="34" charset="-122"/>
-              <a:ea typeface="微软雅黑" panose="020B0503020204020204" pitchFamily="34" charset="-122"/>
-            </a:endParaRPr>
           </a:p>
         </p:txBody>
       </p:sp>
@@ -14616,6 +14391,7 @@
         </p:style>
         <p:txBody>
           <a:bodyPr lIns="108850" tIns="54425" rIns="108850" bIns="54425" rtlCol="0" anchor="ctr"/>
+          <a:lstStyle/>
           <a:p>
             <a:pPr algn="ctr"/>
             <a:endParaRPr lang="zh-CN" altLang="en-US"/>
@@ -14642,6 +14418,7 @@
           <a:bodyPr wrap="square" lIns="108850" tIns="54425" rIns="108850" bIns="54425" rtlCol="0">
             <a:spAutoFit/>
           </a:bodyPr>
+          <a:lstStyle/>
           <a:p>
             <a:r>
               <a:rPr lang="zh-CN" altLang="en-US" sz="2800" dirty="0">
@@ -14683,6 +14460,7 @@
           <a:bodyPr wrap="square" lIns="108850" tIns="54425" rIns="108850" bIns="54425" rtlCol="0">
             <a:spAutoFit/>
           </a:bodyPr>
+          <a:lstStyle/>
           <a:p>
             <a:r>
               <a:rPr lang="en-US" altLang="zh-CN" sz="2800" dirty="0">
@@ -14704,13 +14482,6 @@
               </a:rPr>
               <a:t>基本样式修饰</a:t>
             </a:r>
-            <a:endParaRPr lang="zh-CN" altLang="en-US" sz="2800" dirty="0">
-              <a:solidFill>
-                <a:srgbClr val="595E64"/>
-              </a:solidFill>
-              <a:latin typeface="微软雅黑" panose="020B0503020204020204" pitchFamily="34" charset="-122"/>
-              <a:ea typeface="微软雅黑" panose="020B0503020204020204" pitchFamily="34" charset="-122"/>
-            </a:endParaRPr>
           </a:p>
         </p:txBody>
       </p:sp>
@@ -14753,6 +14524,7 @@
         </p:style>
         <p:txBody>
           <a:bodyPr lIns="108850" tIns="54425" rIns="108850" bIns="54425" rtlCol="0" anchor="ctr"/>
+          <a:lstStyle/>
           <a:p>
             <a:pPr algn="ctr"/>
             <a:endParaRPr lang="zh-CN" altLang="en-US"/>
@@ -14798,6 +14570,7 @@
         </p:style>
         <p:txBody>
           <a:bodyPr lIns="108850" tIns="54425" rIns="108850" bIns="54425" rtlCol="0" anchor="ctr"/>
+          <a:lstStyle/>
           <a:p>
             <a:pPr algn="ctr"/>
             <a:endParaRPr lang="zh-CN" altLang="en-US"/>
@@ -14824,6 +14597,7 @@
           <a:bodyPr wrap="square" lIns="108850" tIns="54425" rIns="108850" bIns="54425" rtlCol="0">
             <a:spAutoFit/>
           </a:bodyPr>
+          <a:lstStyle/>
           <a:p>
             <a:r>
               <a:rPr lang="en-US" altLang="zh-CN" sz="2800" dirty="0">
@@ -14845,13 +14619,6 @@
               </a:rPr>
               <a:t>颜色、单位</a:t>
             </a:r>
-            <a:endParaRPr lang="zh-CN" altLang="en-US" sz="2800" dirty="0">
-              <a:solidFill>
-                <a:srgbClr val="595E64"/>
-              </a:solidFill>
-              <a:latin typeface="微软雅黑" panose="020B0503020204020204" pitchFamily="34" charset="-122"/>
-              <a:ea typeface="微软雅黑" panose="020B0503020204020204" pitchFamily="34" charset="-122"/>
-            </a:endParaRPr>
           </a:p>
         </p:txBody>
       </p:sp>
@@ -14894,6 +14661,7 @@
         </p:style>
         <p:txBody>
           <a:bodyPr lIns="108850" tIns="54425" rIns="108850" bIns="54425" rtlCol="0" anchor="ctr"/>
+          <a:lstStyle/>
           <a:p>
             <a:pPr algn="ctr"/>
             <a:endParaRPr lang="zh-CN" altLang="en-US"/>
@@ -14920,6 +14688,7 @@
           <a:bodyPr wrap="square" lIns="108850" tIns="54425" rIns="108850" bIns="54425" rtlCol="0">
             <a:spAutoFit/>
           </a:bodyPr>
+          <a:lstStyle/>
           <a:p>
             <a:r>
               <a:rPr lang="zh-CN" altLang="en-US" sz="2800" dirty="0">
@@ -14946,11 +14715,11 @@
   <p:clrMapOvr>
     <a:masterClrMapping/>
   </p:clrMapOvr>
-  <mc:AlternateContent xmlns:mc="http://schemas.openxmlformats.org/markup-compatibility/2006">
-    <mc:Choice xmlns:p14="http://schemas.microsoft.com/office/powerpoint/2010/main" Requires="p14">
+  <mc:AlternateContent xmlns:mc="http://schemas.openxmlformats.org/markup-compatibility/2006" xmlns:p14="http://schemas.microsoft.com/office/powerpoint/2010/main">
+    <mc:Choice Requires="p14">
       <p:transition spd="slow" p14:dur="1600"/>
     </mc:Choice>
-    <mc:Fallback>
+    <mc:Fallback xmlns="">
       <p:transition spd="slow"/>
     </mc:Fallback>
   </mc:AlternateContent>
@@ -15059,13 +14828,6 @@
               </a:rPr>
               <a:t>本节内容</a:t>
             </a:r>
-            <a:endParaRPr lang="zh-CN" altLang="en-US" sz="5700" b="1" dirty="0">
-              <a:solidFill>
-                <a:schemeClr val="bg1"/>
-              </a:solidFill>
-              <a:latin typeface="微软雅黑" panose="020B0503020204020204" pitchFamily="34" charset="-122"/>
-              <a:ea typeface="微软雅黑" panose="020B0503020204020204" pitchFamily="34" charset="-122"/>
-            </a:endParaRPr>
           </a:p>
         </p:txBody>
       </p:sp>
@@ -15307,13 +15069,6 @@
               </a:rPr>
               <a:t>概述</a:t>
             </a:r>
-            <a:endParaRPr lang="zh-CN" altLang="en-US" sz="2800" dirty="0">
-              <a:solidFill>
-                <a:srgbClr val="FF0000"/>
-              </a:solidFill>
-              <a:latin typeface="微软雅黑" panose="020B0503020204020204" pitchFamily="34" charset="-122"/>
-              <a:ea typeface="微软雅黑" panose="020B0503020204020204" pitchFamily="34" charset="-122"/>
-            </a:endParaRPr>
           </a:p>
         </p:txBody>
       </p:sp>
@@ -15349,13 +15104,6 @@
               </a:rPr>
               <a:t>标签汇总</a:t>
             </a:r>
-            <a:endParaRPr lang="zh-CN" altLang="en-US" sz="2800" dirty="0">
-              <a:solidFill>
-                <a:srgbClr val="595E64"/>
-              </a:solidFill>
-              <a:latin typeface="微软雅黑" panose="020B0503020204020204" pitchFamily="34" charset="-122"/>
-              <a:ea typeface="微软雅黑" panose="020B0503020204020204" pitchFamily="34" charset="-122"/>
-            </a:endParaRPr>
           </a:p>
         </p:txBody>
       </p:sp>
@@ -15437,13 +15185,6 @@
               </a:rPr>
               <a:t>常见问题及经验总结</a:t>
             </a:r>
-            <a:endParaRPr lang="zh-CN" altLang="en-US" sz="2800" dirty="0">
-              <a:solidFill>
-                <a:srgbClr val="595E64"/>
-              </a:solidFill>
-              <a:latin typeface="微软雅黑" panose="020B0503020204020204" pitchFamily="34" charset="-122"/>
-              <a:ea typeface="微软雅黑" panose="020B0503020204020204" pitchFamily="34" charset="-122"/>
-            </a:endParaRPr>
           </a:p>
         </p:txBody>
       </p:sp>
@@ -15571,13 +15312,6 @@
               </a:rPr>
               <a:t>编码规范</a:t>
             </a:r>
-            <a:endParaRPr lang="zh-CN" altLang="en-US" sz="2800" dirty="0">
-              <a:solidFill>
-                <a:srgbClr val="595E64"/>
-              </a:solidFill>
-              <a:latin typeface="微软雅黑" panose="020B0503020204020204" pitchFamily="34" charset="-122"/>
-              <a:ea typeface="微软雅黑" panose="020B0503020204020204" pitchFamily="34" charset="-122"/>
-            </a:endParaRPr>
           </a:p>
         </p:txBody>
       </p:sp>
@@ -15620,6 +15354,7 @@
         </p:style>
         <p:txBody>
           <a:bodyPr lIns="108850" tIns="54425" rIns="108850" bIns="54425" rtlCol="0" anchor="ctr"/>
+          <a:lstStyle/>
           <a:p>
             <a:pPr algn="ctr"/>
             <a:endParaRPr lang="zh-CN" altLang="en-US"/>
@@ -15646,6 +15381,7 @@
           <a:bodyPr wrap="square" lIns="108850" tIns="54425" rIns="108850" bIns="54425" rtlCol="0">
             <a:spAutoFit/>
           </a:bodyPr>
+          <a:lstStyle/>
           <a:p>
             <a:r>
               <a:rPr lang="zh-CN" altLang="en-US" sz="2800" dirty="0">
@@ -15687,6 +15423,7 @@
           <a:bodyPr wrap="square" lIns="108850" tIns="54425" rIns="108850" bIns="54425" rtlCol="0">
             <a:spAutoFit/>
           </a:bodyPr>
+          <a:lstStyle/>
           <a:p>
             <a:r>
               <a:rPr lang="en-US" altLang="zh-CN" sz="2800" dirty="0">
@@ -15708,13 +15445,6 @@
               </a:rPr>
               <a:t>基本样式修饰</a:t>
             </a:r>
-            <a:endParaRPr lang="zh-CN" altLang="en-US" sz="2800" dirty="0">
-              <a:solidFill>
-                <a:srgbClr val="595E64"/>
-              </a:solidFill>
-              <a:latin typeface="微软雅黑" panose="020B0503020204020204" pitchFamily="34" charset="-122"/>
-              <a:ea typeface="微软雅黑" panose="020B0503020204020204" pitchFamily="34" charset="-122"/>
-            </a:endParaRPr>
           </a:p>
         </p:txBody>
       </p:sp>
@@ -15757,6 +15487,7 @@
         </p:style>
         <p:txBody>
           <a:bodyPr lIns="108850" tIns="54425" rIns="108850" bIns="54425" rtlCol="0" anchor="ctr"/>
+          <a:lstStyle/>
           <a:p>
             <a:pPr algn="ctr"/>
             <a:endParaRPr lang="zh-CN" altLang="en-US"/>
@@ -15802,6 +15533,7 @@
         </p:style>
         <p:txBody>
           <a:bodyPr lIns="108850" tIns="54425" rIns="108850" bIns="54425" rtlCol="0" anchor="ctr"/>
+          <a:lstStyle/>
           <a:p>
             <a:pPr algn="ctr"/>
             <a:endParaRPr lang="zh-CN" altLang="en-US"/>
@@ -15828,6 +15560,7 @@
           <a:bodyPr wrap="square" lIns="108850" tIns="54425" rIns="108850" bIns="54425" rtlCol="0">
             <a:spAutoFit/>
           </a:bodyPr>
+          <a:lstStyle/>
           <a:p>
             <a:r>
               <a:rPr lang="en-US" altLang="zh-CN" sz="2800" dirty="0">
@@ -15849,13 +15582,6 @@
               </a:rPr>
               <a:t>颜色、单位</a:t>
             </a:r>
-            <a:endParaRPr lang="zh-CN" altLang="en-US" sz="2800" dirty="0">
-              <a:solidFill>
-                <a:srgbClr val="595E64"/>
-              </a:solidFill>
-              <a:latin typeface="微软雅黑" panose="020B0503020204020204" pitchFamily="34" charset="-122"/>
-              <a:ea typeface="微软雅黑" panose="020B0503020204020204" pitchFamily="34" charset="-122"/>
-            </a:endParaRPr>
           </a:p>
         </p:txBody>
       </p:sp>
@@ -15898,6 +15624,7 @@
         </p:style>
         <p:txBody>
           <a:bodyPr lIns="108850" tIns="54425" rIns="108850" bIns="54425" rtlCol="0" anchor="ctr"/>
+          <a:lstStyle/>
           <a:p>
             <a:pPr algn="ctr"/>
             <a:endParaRPr lang="zh-CN" altLang="en-US"/>
@@ -15924,6 +15651,7 @@
           <a:bodyPr wrap="square" lIns="108850" tIns="54425" rIns="108850" bIns="54425" rtlCol="0">
             <a:spAutoFit/>
           </a:bodyPr>
+          <a:lstStyle/>
           <a:p>
             <a:r>
               <a:rPr lang="en-US" altLang="zh-CN" sz="2800" dirty="0">
@@ -15945,13 +15673,6 @@
               </a:rPr>
               <a:t>盒子模型及其应用</a:t>
             </a:r>
-            <a:endParaRPr lang="zh-CN" altLang="en-US" sz="2800" dirty="0">
-              <a:solidFill>
-                <a:srgbClr val="595E64"/>
-              </a:solidFill>
-              <a:latin typeface="微软雅黑" panose="020B0503020204020204" pitchFamily="34" charset="-122"/>
-              <a:ea typeface="微软雅黑" panose="020B0503020204020204" pitchFamily="34" charset="-122"/>
-            </a:endParaRPr>
           </a:p>
         </p:txBody>
       </p:sp>
@@ -15960,11 +15681,11 @@
   <p:clrMapOvr>
     <a:masterClrMapping/>
   </p:clrMapOvr>
-  <mc:AlternateContent xmlns:mc="http://schemas.openxmlformats.org/markup-compatibility/2006">
-    <mc:Choice xmlns:p14="http://schemas.microsoft.com/office/powerpoint/2010/main" Requires="p14">
+  <mc:AlternateContent xmlns:mc="http://schemas.openxmlformats.org/markup-compatibility/2006" xmlns:p14="http://schemas.microsoft.com/office/powerpoint/2010/main">
+    <mc:Choice Requires="p14">
       <p:transition spd="slow" p14:dur="1600"/>
     </mc:Choice>
-    <mc:Fallback>
+    <mc:Fallback xmlns="">
       <p:transition spd="slow"/>
     </mc:Fallback>
   </mc:AlternateContent>
@@ -16030,14 +15751,14 @@
         <p:nvPicPr>
           <p:cNvPr id="5" name="Picture 3"/>
           <p:cNvPicPr>
-            <a:picLocks noChangeAspect="1" noChangeArrowheads="1"/>
+            <a:picLocks noGrp="1" noChangeAspect="1" noChangeArrowheads="1"/>
           </p:cNvPicPr>
           <p:nvPr>
             <p:ph sz="half" idx="1"/>
           </p:nvPr>
         </p:nvPicPr>
         <p:blipFill>
-          <a:blip r:embed="rId1">
+          <a:blip r:embed="rId2">
             <a:extLst>
               <a:ext uri="{28A0092B-C50C-407E-A947-70E740481C1C}">
                 <a14:useLocalDpi xmlns:a14="http://schemas.microsoft.com/office/drawing/2010/main" val="0"/>
@@ -16250,13 +15971,6 @@
                 </a:rPr>
                 <a:t>左外边距</a:t>
               </a:r>
-              <a:endParaRPr lang="zh-CN" altLang="en-US" sz="2900" dirty="0">
-                <a:solidFill>
-                  <a:schemeClr val="tx1"/>
-                </a:solidFill>
-                <a:latin typeface="微软雅黑" panose="020B0503020204020204" pitchFamily="34" charset="-122"/>
-                <a:ea typeface="微软雅黑" panose="020B0503020204020204" pitchFamily="34" charset="-122"/>
-              </a:endParaRPr>
             </a:p>
           </p:txBody>
         </p:sp>
@@ -16414,13 +16128,6 @@
                 </a:rPr>
                 <a:t>右外边距</a:t>
               </a:r>
-              <a:endParaRPr lang="zh-CN" altLang="en-US" sz="2900" dirty="0">
-                <a:solidFill>
-                  <a:schemeClr val="tx1"/>
-                </a:solidFill>
-                <a:latin typeface="微软雅黑" panose="020B0503020204020204" pitchFamily="34" charset="-122"/>
-                <a:ea typeface="微软雅黑" panose="020B0503020204020204" pitchFamily="34" charset="-122"/>
-              </a:endParaRPr>
             </a:p>
           </p:txBody>
         </p:sp>
@@ -16578,13 +16285,6 @@
                 </a:rPr>
                 <a:t>上外边距</a:t>
               </a:r>
-              <a:endParaRPr lang="zh-CN" altLang="en-US" sz="2900" dirty="0">
-                <a:solidFill>
-                  <a:schemeClr val="tx1"/>
-                </a:solidFill>
-                <a:latin typeface="微软雅黑" panose="020B0503020204020204" pitchFamily="34" charset="-122"/>
-                <a:ea typeface="微软雅黑" panose="020B0503020204020204" pitchFamily="34" charset="-122"/>
-              </a:endParaRPr>
             </a:p>
           </p:txBody>
         </p:sp>
@@ -16742,13 +16442,6 @@
                 </a:rPr>
                 <a:t>下外边距</a:t>
               </a:r>
-              <a:endParaRPr lang="zh-CN" altLang="en-US" sz="2900" dirty="0">
-                <a:solidFill>
-                  <a:schemeClr val="tx1"/>
-                </a:solidFill>
-                <a:latin typeface="微软雅黑" panose="020B0503020204020204" pitchFamily="34" charset="-122"/>
-                <a:ea typeface="微软雅黑" panose="020B0503020204020204" pitchFamily="34" charset="-122"/>
-              </a:endParaRPr>
             </a:p>
           </p:txBody>
         </p:sp>
@@ -16921,13 +16614,6 @@
                 </a:rPr>
                 <a:t>左边框</a:t>
               </a:r>
-              <a:endParaRPr lang="zh-CN" altLang="en-US" sz="2900" dirty="0">
-                <a:solidFill>
-                  <a:schemeClr val="bg1"/>
-                </a:solidFill>
-                <a:latin typeface="微软雅黑" panose="020B0503020204020204" pitchFamily="34" charset="-122"/>
-                <a:ea typeface="微软雅黑" panose="020B0503020204020204" pitchFamily="34" charset="-122"/>
-              </a:endParaRPr>
             </a:p>
           </p:txBody>
         </p:sp>
@@ -17085,13 +16771,6 @@
                 </a:rPr>
                 <a:t>右边框</a:t>
               </a:r>
-              <a:endParaRPr lang="zh-CN" altLang="en-US" sz="2900" dirty="0">
-                <a:solidFill>
-                  <a:schemeClr val="bg1"/>
-                </a:solidFill>
-                <a:latin typeface="微软雅黑" panose="020B0503020204020204" pitchFamily="34" charset="-122"/>
-                <a:ea typeface="微软雅黑" panose="020B0503020204020204" pitchFamily="34" charset="-122"/>
-              </a:endParaRPr>
             </a:p>
           </p:txBody>
         </p:sp>
@@ -17249,13 +16928,6 @@
                 </a:rPr>
                 <a:t>上边框</a:t>
               </a:r>
-              <a:endParaRPr lang="zh-CN" altLang="en-US" sz="2900" dirty="0">
-                <a:solidFill>
-                  <a:schemeClr val="bg1"/>
-                </a:solidFill>
-                <a:latin typeface="微软雅黑" panose="020B0503020204020204" pitchFamily="34" charset="-122"/>
-                <a:ea typeface="微软雅黑" panose="020B0503020204020204" pitchFamily="34" charset="-122"/>
-              </a:endParaRPr>
             </a:p>
           </p:txBody>
         </p:sp>
@@ -17413,13 +17085,6 @@
                 </a:rPr>
                 <a:t>下边框</a:t>
               </a:r>
-              <a:endParaRPr lang="zh-CN" altLang="en-US" sz="2900" dirty="0">
-                <a:solidFill>
-                  <a:schemeClr val="bg1"/>
-                </a:solidFill>
-                <a:latin typeface="微软雅黑" panose="020B0503020204020204" pitchFamily="34" charset="-122"/>
-                <a:ea typeface="微软雅黑" panose="020B0503020204020204" pitchFamily="34" charset="-122"/>
-              </a:endParaRPr>
             </a:p>
           </p:txBody>
         </p:sp>
@@ -17592,13 +17257,6 @@
                 </a:rPr>
                 <a:t>上内边距</a:t>
               </a:r>
-              <a:endParaRPr lang="zh-CN" altLang="en-US" sz="2900" dirty="0">
-                <a:solidFill>
-                  <a:srgbClr val="FF0000"/>
-                </a:solidFill>
-                <a:latin typeface="微软雅黑" panose="020B0503020204020204" pitchFamily="34" charset="-122"/>
-                <a:ea typeface="微软雅黑" panose="020B0503020204020204" pitchFamily="34" charset="-122"/>
-              </a:endParaRPr>
             </a:p>
           </p:txBody>
         </p:sp>
@@ -17756,13 +17414,6 @@
                 </a:rPr>
                 <a:t>下内边距</a:t>
               </a:r>
-              <a:endParaRPr lang="zh-CN" altLang="en-US" sz="2900" dirty="0">
-                <a:solidFill>
-                  <a:srgbClr val="FF0000"/>
-                </a:solidFill>
-                <a:latin typeface="微软雅黑" panose="020B0503020204020204" pitchFamily="34" charset="-122"/>
-                <a:ea typeface="微软雅黑" panose="020B0503020204020204" pitchFamily="34" charset="-122"/>
-              </a:endParaRPr>
             </a:p>
           </p:txBody>
         </p:sp>
@@ -17920,13 +17571,6 @@
                 </a:rPr>
                 <a:t>左内边距</a:t>
               </a:r>
-              <a:endParaRPr lang="zh-CN" altLang="en-US" sz="2900" dirty="0">
-                <a:solidFill>
-                  <a:srgbClr val="FF0000"/>
-                </a:solidFill>
-                <a:latin typeface="微软雅黑" panose="020B0503020204020204" pitchFamily="34" charset="-122"/>
-                <a:ea typeface="微软雅黑" panose="020B0503020204020204" pitchFamily="34" charset="-122"/>
-              </a:endParaRPr>
             </a:p>
           </p:txBody>
         </p:sp>
@@ -18084,13 +17728,6 @@
                 </a:rPr>
                 <a:t>右内边距</a:t>
               </a:r>
-              <a:endParaRPr lang="zh-CN" altLang="en-US" sz="2900" dirty="0">
-                <a:solidFill>
-                  <a:srgbClr val="FF0000"/>
-                </a:solidFill>
-                <a:latin typeface="微软雅黑" panose="020B0503020204020204" pitchFamily="34" charset="-122"/>
-                <a:ea typeface="微软雅黑" panose="020B0503020204020204" pitchFamily="34" charset="-122"/>
-              </a:endParaRPr>
             </a:p>
           </p:txBody>
         </p:sp>
@@ -18249,13 +17886,6 @@
               </a:rPr>
               <a:t>内容区域</a:t>
             </a:r>
-            <a:endParaRPr lang="zh-CN" altLang="en-US" sz="2900" dirty="0">
-              <a:solidFill>
-                <a:srgbClr val="FF0000"/>
-              </a:solidFill>
-              <a:latin typeface="微软雅黑" panose="020B0503020204020204" pitchFamily="34" charset="-122"/>
-              <a:ea typeface="微软雅黑" panose="020B0503020204020204" pitchFamily="34" charset="-122"/>
-            </a:endParaRPr>
           </a:p>
         </p:txBody>
       </p:sp>
@@ -18295,17 +17925,6 @@
               </a:rPr>
               <a:t>宽度</a:t>
             </a:r>
-            <a:endParaRPr kumimoji="1" lang="zh-CN" altLang="en-US" sz="2400" dirty="0">
-              <a:solidFill>
-                <a:schemeClr val="tx1">
-                  <a:lumMod val="75000"/>
-                  <a:lumOff val="25000"/>
-                </a:schemeClr>
-              </a:solidFill>
-              <a:latin typeface="微软雅黑" panose="020B0503020204020204" pitchFamily="34" charset="-122"/>
-              <a:ea typeface="微软雅黑" panose="020B0503020204020204" pitchFamily="34" charset="-122"/>
-              <a:cs typeface="微软雅黑" panose="020B0503020204020204" pitchFamily="34" charset="-122"/>
-            </a:endParaRPr>
           </a:p>
         </p:txBody>
       </p:sp>
@@ -18345,17 +17964,6 @@
               </a:rPr>
               <a:t>高度</a:t>
             </a:r>
-            <a:endParaRPr kumimoji="1" lang="zh-CN" altLang="en-US" sz="2400" dirty="0">
-              <a:solidFill>
-                <a:schemeClr val="tx1">
-                  <a:lumMod val="75000"/>
-                  <a:lumOff val="25000"/>
-                </a:schemeClr>
-              </a:solidFill>
-              <a:latin typeface="微软雅黑" panose="020B0503020204020204" pitchFamily="34" charset="-122"/>
-              <a:ea typeface="微软雅黑" panose="020B0503020204020204" pitchFamily="34" charset="-122"/>
-              <a:cs typeface="微软雅黑" panose="020B0503020204020204" pitchFamily="34" charset="-122"/>
-            </a:endParaRPr>
           </a:p>
         </p:txBody>
       </p:sp>
@@ -18364,11 +17972,11 @@
   <p:clrMapOvr>
     <a:masterClrMapping/>
   </p:clrMapOvr>
-  <mc:AlternateContent xmlns:mc="http://schemas.openxmlformats.org/markup-compatibility/2006">
-    <mc:Choice xmlns:p14="http://schemas.microsoft.com/office/powerpoint/2010/main" Requires="p14">
+  <mc:AlternateContent xmlns:mc="http://schemas.openxmlformats.org/markup-compatibility/2006" xmlns:p14="http://schemas.microsoft.com/office/powerpoint/2010/main">
+    <mc:Choice Requires="p14">
       <p:transition spd="slow" p14:dur="1600"/>
     </mc:Choice>
-    <mc:Fallback>
+    <mc:Fallback xmlns="">
       <p:transition spd="slow"/>
     </mc:Fallback>
   </mc:AlternateContent>
@@ -18636,7 +18244,6 @@
               <a:rPr lang="zh-CN" altLang="en-US" dirty="0"/>
               <a:t>示意图</a:t>
             </a:r>
-            <a:endParaRPr lang="zh-CN" altLang="en-US" dirty="0"/>
           </a:p>
         </p:txBody>
       </p:sp>
@@ -18649,7 +18256,7 @@
           <p:nvPr/>
         </p:nvPicPr>
         <p:blipFill rotWithShape="1">
-          <a:blip r:embed="rId1">
+          <a:blip r:embed="rId2">
             <a:extLst>
               <a:ext uri="{28A0092B-C50C-407E-A947-70E740481C1C}">
                 <a14:useLocalDpi xmlns:a14="http://schemas.microsoft.com/office/drawing/2010/main" val="0"/>
@@ -18686,11 +18293,11 @@
   <p:clrMapOvr>
     <a:masterClrMapping/>
   </p:clrMapOvr>
-  <mc:AlternateContent xmlns:mc="http://schemas.openxmlformats.org/markup-compatibility/2006">
-    <mc:Choice xmlns:p14="http://schemas.microsoft.com/office/powerpoint/2010/main" Requires="p14">
+  <mc:AlternateContent xmlns:mc="http://schemas.openxmlformats.org/markup-compatibility/2006" xmlns:p14="http://schemas.microsoft.com/office/powerpoint/2010/main">
+    <mc:Choice Requires="p14">
       <p:transition spd="slow" p14:dur="1600"/>
     </mc:Choice>
-    <mc:Fallback>
+    <mc:Fallback xmlns="">
       <p:transition spd="slow"/>
     </mc:Fallback>
   </mc:AlternateContent>
@@ -18733,7 +18340,6 @@
               <a:rPr lang="zh-CN" altLang="en-US" dirty="0"/>
               <a:t>块级元素和行内元素</a:t>
             </a:r>
-            <a:endParaRPr lang="zh-CN" altLang="en-US" dirty="0"/>
           </a:p>
         </p:txBody>
       </p:sp>
@@ -18885,7 +18491,6 @@
               <a:rPr lang="zh-CN" altLang="en-US" dirty="0"/>
               <a:t> </a:t>
             </a:r>
-            <a:endParaRPr lang="zh-CN" altLang="en-US" dirty="0"/>
           </a:p>
           <a:p>
             <a:r>
@@ -18917,11 +18522,11 @@
   <p:clrMapOvr>
     <a:masterClrMapping/>
   </p:clrMapOvr>
-  <mc:AlternateContent xmlns:mc="http://schemas.openxmlformats.org/markup-compatibility/2006">
-    <mc:Choice xmlns:p14="http://schemas.microsoft.com/office/powerpoint/2010/main" Requires="p14">
+  <mc:AlternateContent xmlns:mc="http://schemas.openxmlformats.org/markup-compatibility/2006" xmlns:p14="http://schemas.microsoft.com/office/powerpoint/2010/main">
+    <mc:Choice Requires="p14">
       <p:transition spd="slow" p14:dur="1600"/>
     </mc:Choice>
-    <mc:Fallback>
+    <mc:Fallback xmlns="">
       <p:transition spd="slow"/>
     </mc:Fallback>
   </mc:AlternateContent>
@@ -19088,11 +18693,11 @@
   <p:clrMapOvr>
     <a:masterClrMapping/>
   </p:clrMapOvr>
-  <mc:AlternateContent xmlns:mc="http://schemas.openxmlformats.org/markup-compatibility/2006">
-    <mc:Choice xmlns:p14="http://schemas.microsoft.com/office/powerpoint/2010/main" Requires="p14">
+  <mc:AlternateContent xmlns:mc="http://schemas.openxmlformats.org/markup-compatibility/2006" xmlns:p14="http://schemas.microsoft.com/office/powerpoint/2010/main">
+    <mc:Choice Requires="p14">
       <p:transition spd="slow" p14:dur="1600"/>
     </mc:Choice>
-    <mc:Fallback>
+    <mc:Fallback xmlns="">
       <p:transition spd="slow"/>
     </mc:Fallback>
   </mc:AlternateContent>
@@ -19194,13 +18799,6 @@
               </a:rPr>
               <a:t>本节内容</a:t>
             </a:r>
-            <a:endParaRPr lang="zh-CN" altLang="en-US" sz="5700" b="1" dirty="0">
-              <a:solidFill>
-                <a:schemeClr val="bg1"/>
-              </a:solidFill>
-              <a:latin typeface="微软雅黑" panose="020B0503020204020204" pitchFamily="34" charset="-122"/>
-              <a:ea typeface="微软雅黑" panose="020B0503020204020204" pitchFamily="34" charset="-122"/>
-            </a:endParaRPr>
           </a:p>
         </p:txBody>
       </p:sp>
@@ -19474,13 +19072,6 @@
               </a:rPr>
               <a:t>标签汇总</a:t>
             </a:r>
-            <a:endParaRPr lang="zh-CN" altLang="en-US" sz="2800" dirty="0">
-              <a:solidFill>
-                <a:srgbClr val="595E64"/>
-              </a:solidFill>
-              <a:latin typeface="微软雅黑" panose="020B0503020204020204" pitchFamily="34" charset="-122"/>
-              <a:ea typeface="微软雅黑" panose="020B0503020204020204" pitchFamily="34" charset="-122"/>
-            </a:endParaRPr>
           </a:p>
         </p:txBody>
       </p:sp>
@@ -19562,13 +19153,6 @@
               </a:rPr>
               <a:t>常见问题及经验总结</a:t>
             </a:r>
-            <a:endParaRPr lang="zh-CN" altLang="en-US" sz="2800" dirty="0">
-              <a:solidFill>
-                <a:srgbClr val="595E64"/>
-              </a:solidFill>
-              <a:latin typeface="微软雅黑" panose="020B0503020204020204" pitchFamily="34" charset="-122"/>
-              <a:ea typeface="微软雅黑" panose="020B0503020204020204" pitchFamily="34" charset="-122"/>
-            </a:endParaRPr>
           </a:p>
         </p:txBody>
       </p:sp>
@@ -19696,13 +19280,6 @@
               </a:rPr>
               <a:t>编码规范</a:t>
             </a:r>
-            <a:endParaRPr lang="zh-CN" altLang="en-US" sz="2800" dirty="0">
-              <a:solidFill>
-                <a:srgbClr val="595E64"/>
-              </a:solidFill>
-              <a:latin typeface="微软雅黑" panose="020B0503020204020204" pitchFamily="34" charset="-122"/>
-              <a:ea typeface="微软雅黑" panose="020B0503020204020204" pitchFamily="34" charset="-122"/>
-            </a:endParaRPr>
           </a:p>
         </p:txBody>
       </p:sp>
@@ -19745,6 +19322,7 @@
         </p:style>
         <p:txBody>
           <a:bodyPr lIns="108850" tIns="54425" rIns="108850" bIns="54425" rtlCol="0" anchor="ctr"/>
+          <a:lstStyle/>
           <a:p>
             <a:pPr algn="ctr"/>
             <a:endParaRPr lang="zh-CN" altLang="en-US"/>
@@ -19771,6 +19349,7 @@
           <a:bodyPr wrap="square" lIns="108850" tIns="54425" rIns="108850" bIns="54425" rtlCol="0">
             <a:spAutoFit/>
           </a:bodyPr>
+          <a:lstStyle/>
           <a:p>
             <a:r>
               <a:rPr lang="zh-CN" altLang="en-US" sz="2800" dirty="0">
@@ -19812,6 +19391,7 @@
           <a:bodyPr wrap="square" lIns="108850" tIns="54425" rIns="108850" bIns="54425" rtlCol="0">
             <a:spAutoFit/>
           </a:bodyPr>
+          <a:lstStyle/>
           <a:p>
             <a:r>
               <a:rPr lang="en-US" altLang="zh-CN" sz="2800" dirty="0">
@@ -19833,13 +19413,6 @@
               </a:rPr>
               <a:t>基本样式修饰</a:t>
             </a:r>
-            <a:endParaRPr lang="zh-CN" altLang="en-US" sz="2800" dirty="0">
-              <a:solidFill>
-                <a:srgbClr val="595E64"/>
-              </a:solidFill>
-              <a:latin typeface="微软雅黑" panose="020B0503020204020204" pitchFamily="34" charset="-122"/>
-              <a:ea typeface="微软雅黑" panose="020B0503020204020204" pitchFamily="34" charset="-122"/>
-            </a:endParaRPr>
           </a:p>
         </p:txBody>
       </p:sp>
@@ -19882,6 +19455,7 @@
         </p:style>
         <p:txBody>
           <a:bodyPr lIns="108850" tIns="54425" rIns="108850" bIns="54425" rtlCol="0" anchor="ctr"/>
+          <a:lstStyle/>
           <a:p>
             <a:pPr algn="ctr"/>
             <a:endParaRPr lang="zh-CN" altLang="en-US"/>
@@ -19927,6 +19501,7 @@
         </p:style>
         <p:txBody>
           <a:bodyPr lIns="108850" tIns="54425" rIns="108850" bIns="54425" rtlCol="0" anchor="ctr"/>
+          <a:lstStyle/>
           <a:p>
             <a:pPr algn="ctr"/>
             <a:endParaRPr lang="zh-CN" altLang="en-US"/>
@@ -19953,6 +19528,7 @@
           <a:bodyPr wrap="square" lIns="108850" tIns="54425" rIns="108850" bIns="54425" rtlCol="0">
             <a:spAutoFit/>
           </a:bodyPr>
+          <a:lstStyle/>
           <a:p>
             <a:r>
               <a:rPr lang="en-US" altLang="zh-CN" sz="2800" dirty="0">
@@ -20013,6 +19589,7 @@
         </p:style>
         <p:txBody>
           <a:bodyPr lIns="108850" tIns="54425" rIns="108850" bIns="54425" rtlCol="0" anchor="ctr"/>
+          <a:lstStyle/>
           <a:p>
             <a:pPr algn="ctr"/>
             <a:endParaRPr lang="zh-CN" altLang="en-US"/>
@@ -20039,6 +19616,7 @@
           <a:bodyPr wrap="square" lIns="108850" tIns="54425" rIns="108850" bIns="54425" rtlCol="0">
             <a:spAutoFit/>
           </a:bodyPr>
+          <a:lstStyle/>
           <a:p>
             <a:r>
               <a:rPr lang="en-US" altLang="zh-CN" sz="2800" dirty="0">
@@ -20060,13 +19638,6 @@
               </a:rPr>
               <a:t>盒子模型及其应用</a:t>
             </a:r>
-            <a:endParaRPr lang="zh-CN" altLang="en-US" sz="2800" dirty="0">
-              <a:solidFill>
-                <a:srgbClr val="595E64"/>
-              </a:solidFill>
-              <a:latin typeface="微软雅黑" panose="020B0503020204020204" pitchFamily="34" charset="-122"/>
-              <a:ea typeface="微软雅黑" panose="020B0503020204020204" pitchFamily="34" charset="-122"/>
-            </a:endParaRPr>
           </a:p>
         </p:txBody>
       </p:sp>
@@ -20075,11 +19646,11 @@
   <p:clrMapOvr>
     <a:masterClrMapping/>
   </p:clrMapOvr>
-  <mc:AlternateContent xmlns:mc="http://schemas.openxmlformats.org/markup-compatibility/2006">
-    <mc:Choice xmlns:p14="http://schemas.microsoft.com/office/powerpoint/2010/main" Requires="p14">
+  <mc:AlternateContent xmlns:mc="http://schemas.openxmlformats.org/markup-compatibility/2006" xmlns:p14="http://schemas.microsoft.com/office/powerpoint/2010/main">
+    <mc:Choice Requires="p14">
       <p:transition spd="slow" p14:dur="1600"/>
     </mc:Choice>
-    <mc:Fallback>
+    <mc:Fallback xmlns="">
       <p:transition spd="slow"/>
     </mc:Fallback>
   </mc:AlternateContent>
@@ -20102,7 +19673,14 @@
         <p:cNvGrpSpPr/>
         <p:nvPr/>
       </p:nvGrpSpPr>
-      <p:grpSpPr/>
+      <p:grpSpPr>
+        <a:xfrm>
+          <a:off x="0" y="0"/>
+          <a:ext cx="0" cy="0"/>
+          <a:chOff x="0" y="0"/>
+          <a:chExt cx="0" cy="0"/>
+        </a:xfrm>
+      </p:grpSpPr>
       <p:sp>
         <p:nvSpPr>
           <p:cNvPr id="3" name="标题 2"/>
@@ -20116,6 +19694,7 @@
         <p:spPr/>
         <p:txBody>
           <a:bodyPr/>
+          <a:lstStyle/>
           <a:p>
             <a:r>
               <a:rPr lang="zh-CN" altLang="en-US" dirty="0">
@@ -20123,9 +19702,6 @@
               </a:rPr>
               <a:t>颜色</a:t>
             </a:r>
-            <a:endParaRPr lang="zh-CN" altLang="en-US" dirty="0">
-              <a:sym typeface="+mn-ea"/>
-            </a:endParaRPr>
           </a:p>
         </p:txBody>
       </p:sp>
@@ -20149,61 +19725,55 @@
           <a:bodyPr>
             <a:normAutofit/>
           </a:bodyPr>
-          <a:p>
-            <a:r>
-              <a:rPr lang="en-US" altLang="zh-CN" dirty="0">
-                <a:sym typeface="+mn-ea"/>
-                <a:hlinkClick r:id="rId1"/>
-              </a:rPr>
-              <a:t>http://www.w3school.com.cn/cssref/css_colors.asp</a:t>
-            </a:r>
-            <a:endParaRPr lang="en-US" altLang="zh-CN" dirty="0">
-              <a:sym typeface="+mn-ea"/>
-              <a:hlinkClick r:id="rId1"/>
-            </a:endParaRPr>
-          </a:p>
-          <a:p>
-            <a:endParaRPr lang="en-US" altLang="zh-CN" sz="2800" dirty="0">
-              <a:sym typeface="+mn-ea"/>
-              <a:hlinkClick r:id="rId1"/>
-            </a:endParaRPr>
-          </a:p>
-          <a:p>
-            <a:endParaRPr lang="en-US" altLang="zh-CN" sz="2800" dirty="0">
-              <a:sym typeface="+mn-ea"/>
-              <a:hlinkClick r:id="rId1"/>
-            </a:endParaRPr>
-          </a:p>
-          <a:p>
-            <a:endParaRPr lang="en-US" altLang="zh-CN" sz="2800" dirty="0">
-              <a:sym typeface="+mn-ea"/>
-              <a:hlinkClick r:id="rId1"/>
-            </a:endParaRPr>
-          </a:p>
-          <a:p>
-            <a:endParaRPr lang="en-US" altLang="zh-CN" sz="2800" dirty="0">
-              <a:sym typeface="+mn-ea"/>
-              <a:hlinkClick r:id="rId1"/>
-            </a:endParaRPr>
-          </a:p>
-          <a:p>
-            <a:pPr lvl="0"/>
-            <a:r>
-              <a:rPr lang="zh-CN" altLang="en-US" dirty="0">
-                <a:sym typeface="+mn-ea"/>
-              </a:rPr>
-              <a:t>颜色名：</a:t>
-            </a:r>
-            <a:endParaRPr lang="zh-CN" altLang="en-US" dirty="0">
-              <a:sym typeface="+mn-ea"/>
-            </a:endParaRPr>
-          </a:p>
-          <a:p>
-            <a:pPr lvl="1"/>
+          <a:lstStyle/>
+          <a:p>
             <a:r>
               <a:rPr lang="en-US" altLang="zh-CN" dirty="0">
                 <a:sym typeface="+mn-ea"/>
                 <a:hlinkClick r:id="rId2"/>
+              </a:rPr>
+              <a:t>http://www.w3school.com.cn/cssref/css_colors.asp</a:t>
+            </a:r>
+          </a:p>
+          <a:p>
+            <a:endParaRPr lang="en-US" altLang="zh-CN" sz="2800" dirty="0">
+              <a:sym typeface="+mn-ea"/>
+              <a:hlinkClick r:id="rId2"/>
+            </a:endParaRPr>
+          </a:p>
+          <a:p>
+            <a:endParaRPr lang="en-US" altLang="zh-CN" sz="2800" dirty="0">
+              <a:sym typeface="+mn-ea"/>
+              <a:hlinkClick r:id="rId2"/>
+            </a:endParaRPr>
+          </a:p>
+          <a:p>
+            <a:endParaRPr lang="en-US" altLang="zh-CN" sz="2800" dirty="0">
+              <a:sym typeface="+mn-ea"/>
+              <a:hlinkClick r:id="rId2"/>
+            </a:endParaRPr>
+          </a:p>
+          <a:p>
+            <a:endParaRPr lang="en-US" altLang="zh-CN" sz="2800" dirty="0">
+              <a:sym typeface="+mn-ea"/>
+              <a:hlinkClick r:id="rId2"/>
+            </a:endParaRPr>
+          </a:p>
+          <a:p>
+            <a:pPr lvl="0"/>
+            <a:r>
+              <a:rPr lang="zh-CN" altLang="en-US" dirty="0">
+                <a:sym typeface="+mn-ea"/>
+              </a:rPr>
+              <a:t>颜色名：</a:t>
+            </a:r>
+          </a:p>
+          <a:p>
+            <a:pPr lvl="1"/>
+            <a:r>
+              <a:rPr lang="en-US" altLang="zh-CN" dirty="0">
+                <a:sym typeface="+mn-ea"/>
+                <a:hlinkClick r:id="rId3"/>
               </a:rPr>
               <a:t>http://www.w3school.com.cn/cssref/css_colornames.asp</a:t>
             </a:r>
@@ -20226,7 +19796,7 @@
           <p:nvPr/>
         </p:nvPicPr>
         <p:blipFill>
-          <a:blip r:embed="rId3"/>
+          <a:blip r:embed="rId4"/>
           <a:stretch>
             <a:fillRect/>
           </a:stretch>
@@ -20246,11 +19816,11 @@
   <p:clrMapOvr>
     <a:masterClrMapping/>
   </p:clrMapOvr>
-  <mc:AlternateContent xmlns:mc="http://schemas.openxmlformats.org/markup-compatibility/2006">
-    <mc:Choice xmlns:p14="http://schemas.microsoft.com/office/powerpoint/2010/main" Requires="p14">
+  <mc:AlternateContent xmlns:mc="http://schemas.openxmlformats.org/markup-compatibility/2006" xmlns:p14="http://schemas.microsoft.com/office/powerpoint/2010/main">
+    <mc:Choice Requires="p14">
       <p:transition spd="slow" p14:dur="1600"/>
     </mc:Choice>
-    <mc:Fallback>
+    <mc:Fallback xmlns="">
       <p:transition spd="slow"/>
     </mc:Fallback>
   </mc:AlternateContent>
@@ -20304,7 +19874,6 @@
               <a:rPr lang="zh-CN" altLang="en-US" dirty="0"/>
               <a:t>中的单位</a:t>
             </a:r>
-            <a:endParaRPr lang="zh-CN" altLang="en-US" dirty="0"/>
           </a:p>
         </p:txBody>
       </p:sp>
@@ -20341,10 +19910,6 @@
                         </a:rPr>
                         <a:t>单位</a:t>
                       </a:r>
-                      <a:endParaRPr lang="zh-CN" altLang="en-US" sz="2400" dirty="0">
-                        <a:latin typeface="微软雅黑" panose="020B0503020204020204" pitchFamily="34" charset="-122"/>
-                        <a:ea typeface="微软雅黑" panose="020B0503020204020204" pitchFamily="34" charset="-122"/>
-                      </a:endParaRPr>
                     </a:p>
                   </a:txBody>
                   <a:tcPr marL="121904" marR="121904" marT="45731" marB="45731"/>
@@ -20361,10 +19926,6 @@
                         </a:rPr>
                         <a:t>描述</a:t>
                       </a:r>
-                      <a:endParaRPr lang="zh-CN" altLang="en-US" sz="2400" dirty="0">
-                        <a:latin typeface="微软雅黑" panose="020B0503020204020204" pitchFamily="34" charset="-122"/>
-                        <a:ea typeface="微软雅黑" panose="020B0503020204020204" pitchFamily="34" charset="-122"/>
-                      </a:endParaRPr>
                     </a:p>
                   </a:txBody>
                   <a:tcPr marL="121904" marR="121904" marT="45731" marB="45731"/>
@@ -20383,10 +19944,6 @@
                         </a:rPr>
                         <a:t>%</a:t>
                       </a:r>
-                      <a:endParaRPr lang="en-US" altLang="zh-CN" sz="2400" dirty="0">
-                        <a:latin typeface="微软雅黑" panose="020B0503020204020204" pitchFamily="34" charset="-122"/>
-                        <a:ea typeface="微软雅黑" panose="020B0503020204020204" pitchFamily="34" charset="-122"/>
-                      </a:endParaRPr>
                     </a:p>
                   </a:txBody>
                   <a:tcPr marL="121904" marR="121904" marT="45731" marB="45731"/>
@@ -20403,10 +19960,6 @@
                         </a:rPr>
                         <a:t>百分比</a:t>
                       </a:r>
-                      <a:endParaRPr lang="zh-CN" altLang="en-US" sz="2400" dirty="0">
-                        <a:latin typeface="微软雅黑" panose="020B0503020204020204" pitchFamily="34" charset="-122"/>
-                        <a:ea typeface="微软雅黑" panose="020B0503020204020204" pitchFamily="34" charset="-122"/>
-                      </a:endParaRPr>
                     </a:p>
                   </a:txBody>
                   <a:tcPr marL="121904" marR="121904" marT="45731" marB="45731"/>
@@ -20425,10 +19978,6 @@
                         </a:rPr>
                         <a:t>in</a:t>
                       </a:r>
-                      <a:endParaRPr lang="en-US" altLang="zh-CN" sz="2400" dirty="0">
-                        <a:latin typeface="微软雅黑" panose="020B0503020204020204" pitchFamily="34" charset="-122"/>
-                        <a:ea typeface="微软雅黑" panose="020B0503020204020204" pitchFamily="34" charset="-122"/>
-                      </a:endParaRPr>
                     </a:p>
                   </a:txBody>
                   <a:tcPr marL="121904" marR="121904" marT="45731" marB="45731"/>
@@ -20445,10 +19994,6 @@
                         </a:rPr>
                         <a:t>英寸</a:t>
                       </a:r>
-                      <a:endParaRPr lang="zh-CN" altLang="en-US" sz="2400" dirty="0">
-                        <a:latin typeface="微软雅黑" panose="020B0503020204020204" pitchFamily="34" charset="-122"/>
-                        <a:ea typeface="微软雅黑" panose="020B0503020204020204" pitchFamily="34" charset="-122"/>
-                      </a:endParaRPr>
                     </a:p>
                   </a:txBody>
                   <a:tcPr marL="121904" marR="121904" marT="45731" marB="45731"/>
@@ -20467,10 +20012,6 @@
                         </a:rPr>
                         <a:t>cm</a:t>
                       </a:r>
-                      <a:endParaRPr lang="en-US" altLang="zh-CN" sz="2400" dirty="0">
-                        <a:latin typeface="微软雅黑" panose="020B0503020204020204" pitchFamily="34" charset="-122"/>
-                        <a:ea typeface="微软雅黑" panose="020B0503020204020204" pitchFamily="34" charset="-122"/>
-                      </a:endParaRPr>
                     </a:p>
                   </a:txBody>
                   <a:tcPr marL="121904" marR="121904" marT="45731" marB="45731"/>
@@ -20487,10 +20028,6 @@
                         </a:rPr>
                         <a:t>厘米</a:t>
                       </a:r>
-                      <a:endParaRPr lang="zh-CN" altLang="en-US" sz="2400" dirty="0">
-                        <a:latin typeface="微软雅黑" panose="020B0503020204020204" pitchFamily="34" charset="-122"/>
-                        <a:ea typeface="微软雅黑" panose="020B0503020204020204" pitchFamily="34" charset="-122"/>
-                      </a:endParaRPr>
                     </a:p>
                   </a:txBody>
                   <a:tcPr marL="121904" marR="121904" marT="45731" marB="45731"/>
@@ -20509,10 +20046,6 @@
                         </a:rPr>
                         <a:t>mm</a:t>
                       </a:r>
-                      <a:endParaRPr lang="en-US" altLang="zh-CN" sz="2400" dirty="0">
-                        <a:latin typeface="微软雅黑" panose="020B0503020204020204" pitchFamily="34" charset="-122"/>
-                        <a:ea typeface="微软雅黑" panose="020B0503020204020204" pitchFamily="34" charset="-122"/>
-                      </a:endParaRPr>
                     </a:p>
                   </a:txBody>
                   <a:tcPr marL="121904" marR="121904" marT="45731" marB="45731"/>
@@ -20529,10 +20062,6 @@
                         </a:rPr>
                         <a:t>毫米</a:t>
                       </a:r>
-                      <a:endParaRPr lang="zh-CN" altLang="en-US" sz="2400" dirty="0">
-                        <a:latin typeface="微软雅黑" panose="020B0503020204020204" pitchFamily="34" charset="-122"/>
-                        <a:ea typeface="微软雅黑" panose="020B0503020204020204" pitchFamily="34" charset="-122"/>
-                      </a:endParaRPr>
                     </a:p>
                   </a:txBody>
                   <a:tcPr marL="121904" marR="121904" marT="45731" marB="45731"/>
@@ -20551,13 +20080,9 @@
                         </a:rPr>
                         <a:t>em</a:t>
                       </a:r>
-                      <a:endParaRPr lang="en-US" altLang="zh-CN" sz="2400" dirty="0" err="1">
-                        <a:latin typeface="微软雅黑" panose="020B0503020204020204" pitchFamily="34" charset="-122"/>
-                        <a:ea typeface="微软雅黑" panose="020B0503020204020204" pitchFamily="34" charset="-122"/>
-                      </a:endParaRPr>
                     </a:p>
                   </a:txBody>
-                  <a:tcPr marL="121904" marR="121904" marT="45731" marB="45731" anchor="ctr" anchorCtr="0"/>
+                  <a:tcPr marL="121904" marR="121904" marT="45731" marB="45731" anchor="ctr"/>
                 </a:tc>
                 <a:tc>
                   <a:txBody>
@@ -20612,10 +20137,6 @@
                         </a:rPr>
                         <a:t>倍</a:t>
                       </a:r>
-                      <a:endParaRPr lang="zh-CN" altLang="en-US" sz="2400" dirty="0">
-                        <a:latin typeface="微软雅黑" panose="020B0503020204020204" pitchFamily="34" charset="-122"/>
-                        <a:ea typeface="微软雅黑" panose="020B0503020204020204" pitchFamily="34" charset="-122"/>
-                      </a:endParaRPr>
                     </a:p>
                   </a:txBody>
                   <a:tcPr marL="121904" marR="121904" marT="45731" marB="45731"/>
@@ -20634,10 +20155,6 @@
                         </a:rPr>
                         <a:t>ex</a:t>
                       </a:r>
-                      <a:endParaRPr lang="en-US" altLang="zh-CN" sz="2400" dirty="0">
-                        <a:latin typeface="微软雅黑" panose="020B0503020204020204" pitchFamily="34" charset="-122"/>
-                        <a:ea typeface="微软雅黑" panose="020B0503020204020204" pitchFamily="34" charset="-122"/>
-                      </a:endParaRPr>
                     </a:p>
                   </a:txBody>
                   <a:tcPr marL="121904" marR="121904" marT="45731" marB="45731"/>
@@ -20689,10 +20206,6 @@
                         </a:rPr>
                         <a:t>（通常是字体尺寸的一半）</a:t>
                       </a:r>
-                      <a:endParaRPr lang="zh-CN" altLang="en-US" sz="2400" dirty="0">
-                        <a:latin typeface="微软雅黑" panose="020B0503020204020204" pitchFamily="34" charset="-122"/>
-                        <a:ea typeface="微软雅黑" panose="020B0503020204020204" pitchFamily="34" charset="-122"/>
-                      </a:endParaRPr>
                     </a:p>
                   </a:txBody>
                   <a:tcPr marL="121904" marR="121904" marT="45731" marB="45731"/>
@@ -20711,10 +20224,6 @@
                         </a:rPr>
                         <a:t>pt</a:t>
                       </a:r>
-                      <a:endParaRPr lang="en-US" altLang="zh-CN" sz="2400" dirty="0" err="1">
-                        <a:latin typeface="微软雅黑" panose="020B0503020204020204" pitchFamily="34" charset="-122"/>
-                        <a:ea typeface="微软雅黑" panose="020B0503020204020204" pitchFamily="34" charset="-122"/>
-                      </a:endParaRPr>
                     </a:p>
                   </a:txBody>
                   <a:tcPr marL="121904" marR="121904" marT="45731" marB="45731"/>
@@ -20759,10 +20268,6 @@
                         </a:rPr>
                         <a:t>英寸）</a:t>
                       </a:r>
-                      <a:endParaRPr lang="zh-CN" altLang="en-US" sz="2400" dirty="0">
-                        <a:latin typeface="微软雅黑" panose="020B0503020204020204" pitchFamily="34" charset="-122"/>
-                        <a:ea typeface="微软雅黑" panose="020B0503020204020204" pitchFamily="34" charset="-122"/>
-                      </a:endParaRPr>
                     </a:p>
                   </a:txBody>
                   <a:tcPr marL="121904" marR="121904" marT="45731" marB="45731"/>
@@ -20781,10 +20286,6 @@
                         </a:rPr>
                         <a:t>pc</a:t>
                       </a:r>
-                      <a:endParaRPr lang="en-US" altLang="zh-CN" sz="2400" dirty="0">
-                        <a:latin typeface="微软雅黑" panose="020B0503020204020204" pitchFamily="34" charset="-122"/>
-                        <a:ea typeface="微软雅黑" panose="020B0503020204020204" pitchFamily="34" charset="-122"/>
-                      </a:endParaRPr>
                     </a:p>
                   </a:txBody>
                   <a:tcPr marL="121904" marR="121904" marT="45731" marB="45731"/>
@@ -20836,10 +20337,6 @@
                         </a:rPr>
                         <a:t>点）</a:t>
                       </a:r>
-                      <a:endParaRPr lang="zh-CN" altLang="en-US" sz="2400" dirty="0">
-                        <a:latin typeface="微软雅黑" panose="020B0503020204020204" pitchFamily="34" charset="-122"/>
-                        <a:ea typeface="微软雅黑" panose="020B0503020204020204" pitchFamily="34" charset="-122"/>
-                      </a:endParaRPr>
                     </a:p>
                   </a:txBody>
                   <a:tcPr marL="121904" marR="121904" marT="45731" marB="45731"/>
@@ -20858,10 +20355,6 @@
                         </a:rPr>
                         <a:t>px</a:t>
                       </a:r>
-                      <a:endParaRPr lang="en-US" altLang="zh-CN" sz="2400" dirty="0" err="1">
-                        <a:latin typeface="微软雅黑" panose="020B0503020204020204" pitchFamily="34" charset="-122"/>
-                        <a:ea typeface="微软雅黑" panose="020B0503020204020204" pitchFamily="34" charset="-122"/>
-                      </a:endParaRPr>
                     </a:p>
                   </a:txBody>
                   <a:tcPr marL="121904" marR="121904" marT="45731" marB="45731"/>
@@ -20878,10 +20371,6 @@
                         </a:rPr>
                         <a:t>像素，屏幕上的一个点</a:t>
                       </a:r>
-                      <a:endParaRPr lang="zh-CN" altLang="en-US" sz="2400" dirty="0">
-                        <a:latin typeface="微软雅黑" panose="020B0503020204020204" pitchFamily="34" charset="-122"/>
-                        <a:ea typeface="微软雅黑" panose="020B0503020204020204" pitchFamily="34" charset="-122"/>
-                      </a:endParaRPr>
                     </a:p>
                   </a:txBody>
                   <a:tcPr marL="121904" marR="121904" marT="45731" marB="45731"/>
@@ -20896,11 +20385,11 @@
   <p:clrMapOvr>
     <a:masterClrMapping/>
   </p:clrMapOvr>
-  <mc:AlternateContent xmlns:mc="http://schemas.openxmlformats.org/markup-compatibility/2006">
-    <mc:Choice xmlns:p14="http://schemas.microsoft.com/office/powerpoint/2010/main" Requires="p14">
+  <mc:AlternateContent xmlns:mc="http://schemas.openxmlformats.org/markup-compatibility/2006" xmlns:p14="http://schemas.microsoft.com/office/powerpoint/2010/main">
+    <mc:Choice Requires="p14">
       <p:transition spd="slow" p14:dur="1600"/>
     </mc:Choice>
-    <mc:Fallback>
+    <mc:Fallback xmlns="">
       <p:transition spd="slow"/>
     </mc:Fallback>
   </mc:AlternateContent>
@@ -20947,7 +20436,6 @@
               <a:rPr lang="zh-CN" altLang="en-US" dirty="0"/>
               <a:t>中的颜色单位</a:t>
             </a:r>
-            <a:endParaRPr lang="zh-CN" altLang="en-US" dirty="0"/>
           </a:p>
         </p:txBody>
       </p:sp>
@@ -20979,6 +20467,7 @@
                 <a:tc>
                   <a:txBody>
                     <a:bodyPr/>
+                    <a:lstStyle/>
                     <a:p>
                       <a:r>
                         <a:rPr lang="zh-CN" altLang="en-US" sz="2400" dirty="0">
@@ -20987,17 +20476,14 @@
                         </a:rPr>
                         <a:t>单位</a:t>
                       </a:r>
-                      <a:endParaRPr lang="zh-CN" altLang="en-US" sz="2400" dirty="0">
-                        <a:latin typeface="微软雅黑" panose="020B0503020204020204" pitchFamily="34" charset="-122"/>
-                        <a:ea typeface="微软雅黑" panose="020B0503020204020204" pitchFamily="34" charset="-122"/>
-                      </a:endParaRPr>
                     </a:p>
                   </a:txBody>
-                  <a:tcPr marL="121904" marR="121904" marT="45731" marB="45731" anchor="ctr" anchorCtr="0"/>
+                  <a:tcPr marL="121904" marR="121904" marT="45731" marB="45731" anchor="ctr"/>
                 </a:tc>
                 <a:tc>
                   <a:txBody>
                     <a:bodyPr/>
+                    <a:lstStyle/>
                     <a:p>
                       <a:r>
                         <a:rPr lang="zh-CN" altLang="en-US" sz="2400" dirty="0">
@@ -21006,19 +20492,16 @@
                         </a:rPr>
                         <a:t>描述</a:t>
                       </a:r>
-                      <a:endParaRPr lang="zh-CN" altLang="en-US" sz="2400" dirty="0">
-                        <a:latin typeface="微软雅黑" panose="020B0503020204020204" pitchFamily="34" charset="-122"/>
-                        <a:ea typeface="微软雅黑" panose="020B0503020204020204" pitchFamily="34" charset="-122"/>
-                      </a:endParaRPr>
                     </a:p>
                   </a:txBody>
-                  <a:tcPr marL="121904" marR="121904" marT="45731" marB="45731" anchor="ctr" anchorCtr="0"/>
+                  <a:tcPr marL="121904" marR="121904" marT="45731" marB="45731" anchor="ctr"/>
                 </a:tc>
               </a:tr>
               <a:tr h="579254">
                 <a:tc>
                   <a:txBody>
                     <a:bodyPr/>
+                    <a:lstStyle/>
                     <a:p>
                       <a:r>
                         <a:rPr lang="zh-CN" altLang="en-US" sz="2400" dirty="0">
@@ -21027,17 +20510,14 @@
                         </a:rPr>
                         <a:t>颜色名</a:t>
                       </a:r>
-                      <a:endParaRPr lang="zh-CN" altLang="en-US" sz="2400" dirty="0">
-                        <a:latin typeface="微软雅黑" panose="020B0503020204020204" pitchFamily="34" charset="-122"/>
-                        <a:ea typeface="微软雅黑" panose="020B0503020204020204" pitchFamily="34" charset="-122"/>
-                      </a:endParaRPr>
                     </a:p>
                   </a:txBody>
-                  <a:tcPr marL="121904" marR="121904" marT="45731" marB="45731" anchor="ctr" anchorCtr="0"/>
+                  <a:tcPr marL="121904" marR="121904" marT="45731" marB="45731" anchor="ctr"/>
                 </a:tc>
                 <a:tc>
                   <a:txBody>
                     <a:bodyPr/>
+                    <a:lstStyle/>
                     <a:p>
                       <a:r>
                         <a:rPr lang="zh-CN" altLang="en-US" sz="2400" dirty="0">
@@ -21060,19 +20540,16 @@
                         </a:rPr>
                         <a:t>）</a:t>
                       </a:r>
-                      <a:endParaRPr lang="zh-CN" altLang="en-US" sz="2400" dirty="0">
-                        <a:latin typeface="微软雅黑" panose="020B0503020204020204" pitchFamily="34" charset="-122"/>
-                        <a:ea typeface="微软雅黑" panose="020B0503020204020204" pitchFamily="34" charset="-122"/>
-                      </a:endParaRPr>
                     </a:p>
                   </a:txBody>
-                  <a:tcPr marL="121904" marR="121904" marT="45731" marB="45731" anchor="ctr" anchorCtr="0"/>
+                  <a:tcPr marL="121904" marR="121904" marT="45731" marB="45731" anchor="ctr"/>
                 </a:tc>
               </a:tr>
               <a:tr h="579254">
                 <a:tc>
                   <a:txBody>
                     <a:bodyPr/>
+                    <a:lstStyle/>
                     <a:p>
                       <a:r>
                         <a:rPr lang="en-US" altLang="zh-CN" sz="2400" dirty="0" err="1">
@@ -21102,17 +20579,14 @@
                         </a:rPr>
                         <a:t>)</a:t>
                       </a:r>
-                      <a:endParaRPr lang="en-US" altLang="zh-CN" sz="2400" dirty="0">
-                        <a:latin typeface="微软雅黑" panose="020B0503020204020204" pitchFamily="34" charset="-122"/>
-                        <a:ea typeface="微软雅黑" panose="020B0503020204020204" pitchFamily="34" charset="-122"/>
-                      </a:endParaRPr>
                     </a:p>
                   </a:txBody>
-                  <a:tcPr marL="121904" marR="121904" marT="45731" marB="45731" anchor="ctr" anchorCtr="0"/>
+                  <a:tcPr marL="121904" marR="121904" marT="45731" marB="45731" anchor="ctr"/>
                 </a:tc>
                 <a:tc>
                   <a:txBody>
                     <a:bodyPr/>
+                    <a:lstStyle/>
                     <a:p>
                       <a:r>
                         <a:rPr lang="en-US" altLang="zh-CN" sz="2400" dirty="0">
@@ -21149,19 +20623,16 @@
                         </a:rPr>
                         <a:t>）</a:t>
                       </a:r>
-                      <a:endParaRPr lang="zh-CN" altLang="en-US" sz="2400" dirty="0">
-                        <a:latin typeface="微软雅黑" panose="020B0503020204020204" pitchFamily="34" charset="-122"/>
-                        <a:ea typeface="微软雅黑" panose="020B0503020204020204" pitchFamily="34" charset="-122"/>
-                      </a:endParaRPr>
                     </a:p>
                   </a:txBody>
-                  <a:tcPr marL="121904" marR="121904" marT="45731" marB="45731" anchor="ctr" anchorCtr="0"/>
+                  <a:tcPr marL="121904" marR="121904" marT="45731" marB="45731" anchor="ctr"/>
                 </a:tc>
               </a:tr>
               <a:tr h="671830">
                 <a:tc>
                   <a:txBody>
                     <a:bodyPr/>
+                    <a:lstStyle/>
                     <a:p>
                       <a:r>
                         <a:rPr lang="en-US" altLang="zh-CN" sz="2400" dirty="0" err="1">
@@ -21191,17 +20662,14 @@
                         </a:rPr>
                         <a:t>%)</a:t>
                       </a:r>
-                      <a:endParaRPr lang="en-US" altLang="zh-CN" sz="2400" dirty="0">
-                        <a:latin typeface="微软雅黑" panose="020B0503020204020204" pitchFamily="34" charset="-122"/>
-                        <a:ea typeface="微软雅黑" panose="020B0503020204020204" pitchFamily="34" charset="-122"/>
-                      </a:endParaRPr>
                     </a:p>
                   </a:txBody>
-                  <a:tcPr marL="121904" marR="121904" marT="45731" marB="45731" anchor="ctr" anchorCtr="0"/>
+                  <a:tcPr marL="121904" marR="121904" marT="45731" marB="45731" anchor="ctr"/>
                 </a:tc>
                 <a:tc>
                   <a:txBody>
                     <a:bodyPr/>
+                    <a:lstStyle/>
                     <a:p>
                       <a:r>
                         <a:rPr lang="en-US" altLang="zh-CN" sz="2400" dirty="0">
@@ -21238,19 +20706,16 @@
                         </a:rPr>
                         <a:t>）</a:t>
                       </a:r>
-                      <a:endParaRPr lang="zh-CN" altLang="en-US" sz="2400" dirty="0">
-                        <a:latin typeface="微软雅黑" panose="020B0503020204020204" pitchFamily="34" charset="-122"/>
-                        <a:ea typeface="微软雅黑" panose="020B0503020204020204" pitchFamily="34" charset="-122"/>
-                      </a:endParaRPr>
                     </a:p>
                   </a:txBody>
-                  <a:tcPr marL="121904" marR="121904" marT="45731" marB="45731" anchor="ctr" anchorCtr="0"/>
+                  <a:tcPr marL="121904" marR="121904" marT="45731" marB="45731" anchor="ctr"/>
                 </a:tc>
               </a:tr>
               <a:tr h="579254">
                 <a:tc>
                   <a:txBody>
                     <a:bodyPr/>
+                    <a:lstStyle/>
                     <a:p>
                       <a:r>
                         <a:rPr lang="en-US" altLang="zh-CN" sz="2400" dirty="0">
@@ -21272,11 +20737,12 @@
                       </a:endParaRPr>
                     </a:p>
                   </a:txBody>
-                  <a:tcPr marL="121904" marR="121904" marT="45731" marB="45731" anchor="ctr" anchorCtr="0"/>
+                  <a:tcPr marL="121904" marR="121904" marT="45731" marB="45731" anchor="ctr"/>
                 </a:tc>
                 <a:tc>
                   <a:txBody>
                     <a:bodyPr/>
+                    <a:lstStyle/>
                     <a:p>
                       <a:r>
                         <a:rPr lang="zh-CN" altLang="en-US" sz="2400" dirty="0">
@@ -21299,13 +20765,9 @@
                         </a:rPr>
                         <a:t>）</a:t>
                       </a:r>
-                      <a:endParaRPr lang="zh-CN" altLang="en-US" sz="2400" dirty="0">
-                        <a:latin typeface="微软雅黑" panose="020B0503020204020204" pitchFamily="34" charset="-122"/>
-                        <a:ea typeface="微软雅黑" panose="020B0503020204020204" pitchFamily="34" charset="-122"/>
-                      </a:endParaRPr>
                     </a:p>
                   </a:txBody>
-                  <a:tcPr marL="121904" marR="121904" marT="45731" marB="45731" anchor="ctr" anchorCtr="0"/>
+                  <a:tcPr marL="121904" marR="121904" marT="45731" marB="45731" anchor="ctr"/>
                 </a:tc>
               </a:tr>
             </a:tbl>
@@ -21317,11 +20779,11 @@
   <p:clrMapOvr>
     <a:masterClrMapping/>
   </p:clrMapOvr>
-  <mc:AlternateContent xmlns:mc="http://schemas.openxmlformats.org/markup-compatibility/2006">
-    <mc:Choice xmlns:p14="http://schemas.microsoft.com/office/powerpoint/2010/main" Requires="p14">
+  <mc:AlternateContent xmlns:mc="http://schemas.openxmlformats.org/markup-compatibility/2006" xmlns:p14="http://schemas.microsoft.com/office/powerpoint/2010/main">
+    <mc:Choice Requires="p14">
       <p:transition spd="slow" p14:dur="1600"/>
     </mc:Choice>
-    <mc:Fallback>
+    <mc:Fallback xmlns="">
       <p:transition spd="slow"/>
     </mc:Fallback>
   </mc:AlternateContent>
@@ -21364,7 +20826,6 @@
               <a:rPr lang="zh-CN" altLang="en-US" dirty="0"/>
               <a:t>小结</a:t>
             </a:r>
-            <a:endParaRPr lang="zh-CN" altLang="en-US" dirty="0"/>
           </a:p>
         </p:txBody>
       </p:sp>
@@ -21401,7 +20862,6 @@
               <a:rPr lang="zh-CN" altLang="en-US" dirty="0"/>
               <a:t>概述</a:t>
             </a:r>
-            <a:endParaRPr lang="zh-CN" altLang="en-US" dirty="0"/>
           </a:p>
           <a:p>
             <a:pPr fontAlgn="auto">
@@ -21416,7 +20876,6 @@
               <a:rPr lang="zh-CN" altLang="en-US" dirty="0"/>
               <a:t>标签汇总</a:t>
             </a:r>
-            <a:endParaRPr lang="zh-CN" altLang="en-US" dirty="0"/>
           </a:p>
           <a:p>
             <a:pPr fontAlgn="auto">
@@ -21431,7 +20890,6 @@
               <a:rPr lang="zh-CN" altLang="en-US" dirty="0"/>
               <a:t>常见问题及经验总结</a:t>
             </a:r>
-            <a:endParaRPr lang="zh-CN" altLang="en-US" dirty="0"/>
           </a:p>
           <a:p>
             <a:pPr fontAlgn="auto">
@@ -21742,11 +21200,11 @@
   <p:clrMapOvr>
     <a:masterClrMapping/>
   </p:clrMapOvr>
-  <mc:AlternateContent xmlns:mc="http://schemas.openxmlformats.org/markup-compatibility/2006">
-    <mc:Choice xmlns:p14="http://schemas.microsoft.com/office/powerpoint/2010/main" Requires="p14">
+  <mc:AlternateContent xmlns:mc="http://schemas.openxmlformats.org/markup-compatibility/2006" xmlns:p14="http://schemas.microsoft.com/office/powerpoint/2010/main">
+    <mc:Choice Requires="p14">
       <p:transition spd="slow" p14:dur="1600"/>
     </mc:Choice>
-    <mc:Fallback>
+    <mc:Fallback xmlns="">
       <p:transition spd="slow"/>
     </mc:Fallback>
   </mc:AlternateContent>
@@ -22832,6 +22290,7 @@
           <a:bodyPr wrap="square" lIns="108850" tIns="54425" rIns="108850" bIns="54425" rtlCol="0">
             <a:spAutoFit/>
           </a:bodyPr>
+          <a:lstStyle/>
           <a:p>
             <a:pPr algn="ctr"/>
             <a:r>
@@ -22889,11 +22348,11 @@
   <p:clrMapOvr>
     <a:masterClrMapping/>
   </p:clrMapOvr>
-  <mc:AlternateContent xmlns:mc="http://schemas.openxmlformats.org/markup-compatibility/2006">
-    <mc:Choice xmlns:p14="http://schemas.microsoft.com/office/powerpoint/2010/main" Requires="p14">
+  <mc:AlternateContent xmlns:mc="http://schemas.openxmlformats.org/markup-compatibility/2006" xmlns:p14="http://schemas.microsoft.com/office/powerpoint/2010/main">
+    <mc:Choice Requires="p14">
       <p:transition spd="slow" p14:dur="1600"/>
     </mc:Choice>
-    <mc:Fallback>
+    <mc:Fallback xmlns="">
       <p:transition spd="slow"/>
     </mc:Fallback>
   </mc:AlternateContent>
@@ -22916,7 +22375,14 @@
         <p:cNvGrpSpPr/>
         <p:nvPr/>
       </p:nvGrpSpPr>
-      <p:grpSpPr/>
+      <p:grpSpPr>
+        <a:xfrm>
+          <a:off x="0" y="0"/>
+          <a:ext cx="0" cy="0"/>
+          <a:chOff x="0" y="0"/>
+          <a:chExt cx="0" cy="0"/>
+        </a:xfrm>
+      </p:grpSpPr>
       <p:sp>
         <p:nvSpPr>
           <p:cNvPr id="3" name="标题 2"/>
@@ -22930,6 +22396,7 @@
         <p:spPr/>
         <p:txBody>
           <a:bodyPr/>
+          <a:lstStyle/>
           <a:p>
             <a:r>
               <a:rPr lang="en-US" altLang="zh-CN" smtClean="0">
@@ -22960,6 +22427,7 @@
         <p:spPr/>
         <p:txBody>
           <a:bodyPr/>
+          <a:lstStyle/>
           <a:p>
             <a:r>
               <a:rPr lang="en-US" altLang="zh-CN" dirty="0" smtClean="0">
@@ -23033,9 +22501,6 @@
               </a:rPr>
               <a:t>超文本标记语言</a:t>
             </a:r>
-            <a:endParaRPr lang="zh-CN" altLang="en-US" dirty="0" smtClean="0">
-              <a:sym typeface="+mn-ea"/>
-            </a:endParaRPr>
           </a:p>
           <a:p>
             <a:pPr lvl="1"/>
@@ -23054,9 +22519,6 @@
               </a:rPr>
               <a:t>：用超链接的方法，将各种不同空间的文字信息组织在一起的网状文本。</a:t>
             </a:r>
-            <a:endParaRPr lang="zh-CN" altLang="en-US" dirty="0" smtClean="0">
-              <a:sym typeface="+mn-ea"/>
-            </a:endParaRPr>
           </a:p>
           <a:p>
             <a:pPr lvl="1"/>
@@ -23087,9 +22549,6 @@
               </a:rPr>
               <a:t>。</a:t>
             </a:r>
-            <a:endParaRPr lang="zh-CN" altLang="en-US" dirty="0" smtClean="0">
-              <a:sym typeface="+mn-ea"/>
-            </a:endParaRPr>
           </a:p>
           <a:p>
             <a:pPr lvl="1"/>
@@ -23123,11 +22582,11 @@
   <p:clrMapOvr>
     <a:masterClrMapping/>
   </p:clrMapOvr>
-  <mc:AlternateContent xmlns:mc="http://schemas.openxmlformats.org/markup-compatibility/2006">
-    <mc:Choice xmlns:p14="http://schemas.microsoft.com/office/powerpoint/2010/main" Requires="p14">
+  <mc:AlternateContent xmlns:mc="http://schemas.openxmlformats.org/markup-compatibility/2006" xmlns:p14="http://schemas.microsoft.com/office/powerpoint/2010/main">
+    <mc:Choice Requires="p14">
       <p:transition spd="slow" p14:dur="1600"/>
     </mc:Choice>
-    <mc:Fallback>
+    <mc:Fallback xmlns="">
       <p:transition spd="slow"/>
     </mc:Fallback>
   </mc:AlternateContent>
@@ -23143,7 +22602,14 @@
         <p:cNvGrpSpPr/>
         <p:nvPr/>
       </p:nvGrpSpPr>
-      <p:grpSpPr/>
+      <p:grpSpPr>
+        <a:xfrm>
+          <a:off x="0" y="0"/>
+          <a:ext cx="0" cy="0"/>
+          <a:chOff x="0" y="0"/>
+          <a:chExt cx="0" cy="0"/>
+        </a:xfrm>
+      </p:grpSpPr>
       <p:sp>
         <p:nvSpPr>
           <p:cNvPr id="3" name="标题 2"/>
@@ -23157,6 +22623,7 @@
         <p:spPr/>
         <p:txBody>
           <a:bodyPr/>
+          <a:lstStyle/>
           <a:p>
             <a:r>
               <a:rPr lang="en-US" altLang="zh-CN" smtClean="0">
@@ -23187,6 +22654,7 @@
         <p:spPr/>
         <p:txBody>
           <a:bodyPr/>
+          <a:lstStyle/>
           <a:p>
             <a:r>
               <a:rPr lang="zh-CN" altLang="en-US" dirty="0" smtClean="0">
@@ -23194,9 +22662,6 @@
               </a:rPr>
               <a:t>学习语言的三要素：</a:t>
             </a:r>
-            <a:endParaRPr lang="zh-CN" altLang="en-US" dirty="0" smtClean="0">
-              <a:sym typeface="+mn-ea"/>
-            </a:endParaRPr>
           </a:p>
           <a:p>
             <a:pPr lvl="1"/>
@@ -23212,9 +22677,6 @@
               </a:rPr>
               <a:t>（标签）</a:t>
             </a:r>
-            <a:endParaRPr lang="zh-CN" altLang="en-US" sz="2400" dirty="0">
-              <a:sym typeface="+mn-ea"/>
-            </a:endParaRPr>
           </a:p>
           <a:p>
             <a:pPr lvl="1"/>
@@ -23230,9 +22692,6 @@
               </a:rPr>
               <a:t>（标签的使用规定）</a:t>
             </a:r>
-            <a:endParaRPr lang="zh-CN" altLang="en-US" sz="2400" dirty="0">
-              <a:sym typeface="+mn-ea"/>
-            </a:endParaRPr>
           </a:p>
           <a:p>
             <a:pPr lvl="1"/>
@@ -23260,7 +22719,7 @@
         </p:nvGraphicFramePr>
         <p:xfrm>
           <a:off x="1116656" y="3888034"/>
-          <a:ext cx="9936480" cy="1734185"/>
+          <a:ext cx="9936387" cy="1734441"/>
         </p:xfrm>
         <a:graphic>
           <a:graphicData uri="http://schemas.openxmlformats.org/drawingml/2006/table">
@@ -23277,6 +22736,7 @@
                 <a:tc>
                   <a:txBody>
                     <a:bodyPr/>
+                    <a:lstStyle/>
                     <a:p>
                       <a:pPr algn="ctr"/>
                       <a:r>
@@ -23333,6 +22793,7 @@
                 <a:tc>
                   <a:txBody>
                     <a:bodyPr/>
+                    <a:lstStyle/>
                     <a:p>
                       <a:pPr algn="ctr"/>
                       <a:r>
@@ -23345,13 +22806,6 @@
                         </a:rPr>
                         <a:t>语法</a:t>
                       </a:r>
-                      <a:endParaRPr lang="zh-CN" altLang="en-US" sz="2400" dirty="0" smtClean="0">
-                        <a:solidFill>
-                          <a:schemeClr val="bg1"/>
-                        </a:solidFill>
-                        <a:latin typeface="微软雅黑" panose="020B0503020204020204" pitchFamily="34" charset="-122"/>
-                        <a:ea typeface="微软雅黑" panose="020B0503020204020204" pitchFamily="34" charset="-122"/>
-                      </a:endParaRPr>
                     </a:p>
                   </a:txBody>
                   <a:tcPr marL="121904" marR="121904" marT="45717" marB="45717"/>
@@ -23359,6 +22813,7 @@
                 <a:tc>
                   <a:txBody>
                     <a:bodyPr/>
+                    <a:lstStyle/>
                     <a:p>
                       <a:pPr algn="ctr"/>
                       <a:r>
@@ -23371,13 +22826,6 @@
                         </a:rPr>
                         <a:t>语义</a:t>
                       </a:r>
-                      <a:endParaRPr lang="zh-CN" altLang="en-US" sz="2400" dirty="0" smtClean="0">
-                        <a:solidFill>
-                          <a:schemeClr val="bg1"/>
-                        </a:solidFill>
-                        <a:latin typeface="微软雅黑" panose="020B0503020204020204" pitchFamily="34" charset="-122"/>
-                        <a:ea typeface="微软雅黑" panose="020B0503020204020204" pitchFamily="34" charset="-122"/>
-                      </a:endParaRPr>
                     </a:p>
                   </a:txBody>
                   <a:tcPr marL="121904" marR="121904" marT="45717" marB="45717"/>
@@ -23387,6 +22835,7 @@
                 <a:tc>
                   <a:txBody>
                     <a:bodyPr/>
+                    <a:lstStyle/>
                     <a:p>
                       <a:pPr marL="0" marR="0" indent="0" algn="l" defTabSz="914400" rtl="0" eaLnBrk="1" fontAlgn="auto" latinLnBrk="0" hangingPunct="1">
                         <a:lnSpc>
@@ -23411,10 +22860,6 @@
                         </a:rPr>
                         <a:t>&lt;title&gt;</a:t>
                       </a:r>
-                      <a:endParaRPr lang="en-US" altLang="zh-CN" sz="2200" dirty="0" smtClean="0">
-                        <a:latin typeface="微软雅黑" panose="020B0503020204020204" pitchFamily="34" charset="-122"/>
-                        <a:ea typeface="微软雅黑" panose="020B0503020204020204" pitchFamily="34" charset="-122"/>
-                      </a:endParaRPr>
                     </a:p>
                     <a:p>
                       <a:pPr marL="0" marR="0" indent="0" algn="l" defTabSz="914400" rtl="0" eaLnBrk="1" fontAlgn="auto" latinLnBrk="0" hangingPunct="1">
@@ -23440,10 +22885,6 @@
                         </a:rPr>
                         <a:t>&lt;/title&gt;</a:t>
                       </a:r>
-                      <a:endParaRPr lang="en-US" altLang="zh-CN" sz="2200" dirty="0" smtClean="0">
-                        <a:latin typeface="微软雅黑" panose="020B0503020204020204" pitchFamily="34" charset="-122"/>
-                        <a:ea typeface="微软雅黑" panose="020B0503020204020204" pitchFamily="34" charset="-122"/>
-                      </a:endParaRPr>
                     </a:p>
                     <a:p>
                       <a:pPr>
@@ -23462,6 +22903,7 @@
                 <a:tc>
                   <a:txBody>
                     <a:bodyPr/>
+                    <a:lstStyle/>
                     <a:p>
                       <a:pPr>
                         <a:spcAft>
@@ -23482,10 +22924,6 @@
                         </a:rPr>
                         <a:t>成对出现</a:t>
                       </a:r>
-                      <a:endParaRPr lang="zh-CN" altLang="en-US" sz="2200" dirty="0" smtClean="0">
-                        <a:latin typeface="微软雅黑" panose="020B0503020204020204" pitchFamily="34" charset="-122"/>
-                        <a:ea typeface="微软雅黑" panose="020B0503020204020204" pitchFamily="34" charset="-122"/>
-                      </a:endParaRPr>
                     </a:p>
                     <a:p>
                       <a:pPr>
@@ -23546,6 +22984,7 @@
                 <a:tc>
                   <a:txBody>
                     <a:bodyPr/>
+                    <a:lstStyle/>
                     <a:p>
                       <a:pPr>
                         <a:lnSpc>
@@ -23579,10 +23018,6 @@
                         </a:rPr>
                         <a:t>显示的文档标题</a:t>
                       </a:r>
-                      <a:endParaRPr lang="zh-CN" altLang="en-US" sz="2200" baseline="0" dirty="0" smtClean="0">
-                        <a:latin typeface="微软雅黑" panose="020B0503020204020204" pitchFamily="34" charset="-122"/>
-                        <a:ea typeface="微软雅黑" panose="020B0503020204020204" pitchFamily="34" charset="-122"/>
-                      </a:endParaRPr>
                     </a:p>
                     <a:p>
                       <a:pPr>
@@ -23608,11 +23043,11 @@
   <p:clrMapOvr>
     <a:masterClrMapping/>
   </p:clrMapOvr>
-  <mc:AlternateContent xmlns:mc="http://schemas.openxmlformats.org/markup-compatibility/2006">
-    <mc:Choice xmlns:p14="http://schemas.microsoft.com/office/powerpoint/2010/main" Requires="p14">
+  <mc:AlternateContent xmlns:mc="http://schemas.openxmlformats.org/markup-compatibility/2006" xmlns:p14="http://schemas.microsoft.com/office/powerpoint/2010/main">
+    <mc:Choice Requires="p14">
       <p:transition spd="slow" p14:dur="1600"/>
     </mc:Choice>
-    <mc:Fallback>
+    <mc:Fallback xmlns="">
       <p:transition spd="slow"/>
     </mc:Fallback>
   </mc:AlternateContent>
@@ -23628,7 +23063,14 @@
         <p:cNvGrpSpPr/>
         <p:nvPr/>
       </p:nvGrpSpPr>
-      <p:grpSpPr/>
+      <p:grpSpPr>
+        <a:xfrm>
+          <a:off x="0" y="0"/>
+          <a:ext cx="0" cy="0"/>
+          <a:chOff x="0" y="0"/>
+          <a:chExt cx="0" cy="0"/>
+        </a:xfrm>
+      </p:grpSpPr>
       <p:sp>
         <p:nvSpPr>
           <p:cNvPr id="3" name="标题 2"/>
@@ -23642,6 +23084,7 @@
         <p:spPr/>
         <p:txBody>
           <a:bodyPr/>
+          <a:lstStyle/>
           <a:p>
             <a:r>
               <a:rPr lang="zh-CN" altLang="en-US" smtClean="0">
@@ -23666,6 +23109,7 @@
         <p:spPr/>
         <p:txBody>
           <a:bodyPr/>
+          <a:lstStyle/>
           <a:p>
             <a:r>
               <a:rPr lang="zh-CN" altLang="en-US" dirty="0" smtClean="0">
@@ -23673,9 +23117,6 @@
               </a:rPr>
               <a:t>双标签</a:t>
             </a:r>
-            <a:endParaRPr lang="zh-CN" altLang="en-US" dirty="0" smtClean="0">
-              <a:sym typeface="+mn-ea"/>
-            </a:endParaRPr>
           </a:p>
           <a:p>
             <a:pPr lvl="1"/>
@@ -23709,9 +23150,6 @@
               </a:rPr>
               <a:t>代表标签作用范围</a:t>
             </a:r>
-            <a:endParaRPr lang="zh-CN" altLang="en-US" dirty="0" smtClean="0">
-              <a:sym typeface="+mn-ea"/>
-            </a:endParaRPr>
           </a:p>
           <a:p>
             <a:pPr lvl="0"/>
@@ -23721,9 +23159,6 @@
               </a:rPr>
               <a:t>单标签</a:t>
             </a:r>
-            <a:endParaRPr lang="zh-CN" altLang="en-US" dirty="0" smtClean="0">
-              <a:sym typeface="+mn-ea"/>
-            </a:endParaRPr>
           </a:p>
           <a:p>
             <a:pPr lvl="1"/>
@@ -23775,11 +23210,11 @@
   <p:clrMapOvr>
     <a:masterClrMapping/>
   </p:clrMapOvr>
-  <mc:AlternateContent xmlns:mc="http://schemas.openxmlformats.org/markup-compatibility/2006">
-    <mc:Choice xmlns:p14="http://schemas.microsoft.com/office/powerpoint/2010/main" Requires="p14">
+  <mc:AlternateContent xmlns:mc="http://schemas.openxmlformats.org/markup-compatibility/2006" xmlns:p14="http://schemas.microsoft.com/office/powerpoint/2010/main">
+    <mc:Choice Requires="p14">
       <p:transition spd="slow" p14:dur="1600"/>
     </mc:Choice>
-    <mc:Fallback>
+    <mc:Fallback xmlns="">
       <p:transition spd="slow"/>
     </mc:Fallback>
   </mc:AlternateContent>
@@ -24180,11 +23615,6 @@
               </a:rPr>
               <a:t>&gt;</a:t>
             </a:r>
-            <a:endParaRPr lang="en-US" altLang="zh-CN" sz="3200" b="1" dirty="0" smtClean="0">
-              <a:solidFill>
-                <a:srgbClr val="382E92"/>
-              </a:solidFill>
-            </a:endParaRPr>
           </a:p>
           <a:p>
             <a:pPr>
@@ -24208,6 +23638,196 @@
               </a:rPr>
               <a:t>html&gt;</a:t>
             </a:r>
+          </a:p>
+          <a:p>
+            <a:pPr>
+              <a:lnSpc>
+                <a:spcPts val="4000"/>
+              </a:lnSpc>
+            </a:pPr>
+            <a:r>
+              <a:rPr lang="en-US" altLang="zh-CN" sz="3200" b="1" dirty="0">
+                <a:solidFill>
+                  <a:srgbClr val="382E92"/>
+                </a:solidFill>
+              </a:rPr>
+              <a:t>	&lt;head</a:t>
+            </a:r>
+            <a:r>
+              <a:rPr lang="en-US" altLang="zh-CN" sz="3200" b="1" dirty="0" smtClean="0">
+                <a:solidFill>
+                  <a:srgbClr val="382E92"/>
+                </a:solidFill>
+              </a:rPr>
+              <a:t>&gt;</a:t>
+            </a:r>
+          </a:p>
+          <a:p>
+            <a:pPr>
+              <a:lnSpc>
+                <a:spcPts val="4000"/>
+              </a:lnSpc>
+            </a:pPr>
+            <a:r>
+              <a:rPr lang="en-US" altLang="zh-CN" sz="3200" b="1" dirty="0">
+                <a:solidFill>
+                  <a:srgbClr val="382E92"/>
+                </a:solidFill>
+              </a:rPr>
+              <a:t>	</a:t>
+            </a:r>
+            <a:r>
+              <a:rPr lang="en-US" altLang="zh-CN" sz="3200" b="1" dirty="0" smtClean="0">
+                <a:solidFill>
+                  <a:srgbClr val="382E92"/>
+                </a:solidFill>
+              </a:rPr>
+              <a:t>    &lt;</a:t>
+            </a:r>
+            <a:r>
+              <a:rPr lang="en-US" altLang="zh-CN" sz="3200" b="1" dirty="0">
+                <a:solidFill>
+                  <a:srgbClr val="382E92"/>
+                </a:solidFill>
+              </a:rPr>
+              <a:t>meta charset="UTF-8"</a:t>
+            </a:r>
+            <a:r>
+              <a:rPr lang="en-US" altLang="zh-CN" sz="3200" b="1" dirty="0">
+                <a:solidFill>
+                  <a:srgbClr val="FF0000"/>
+                </a:solidFill>
+              </a:rPr>
+              <a:t>/</a:t>
+            </a:r>
+            <a:r>
+              <a:rPr lang="en-US" altLang="zh-CN" sz="3200" b="1" dirty="0">
+                <a:solidFill>
+                  <a:srgbClr val="382E92"/>
+                </a:solidFill>
+              </a:rPr>
+              <a:t>&gt;</a:t>
+            </a:r>
+          </a:p>
+          <a:p>
+            <a:pPr>
+              <a:lnSpc>
+                <a:spcPts val="4000"/>
+              </a:lnSpc>
+            </a:pPr>
+            <a:r>
+              <a:rPr lang="en-US" altLang="zh-CN" sz="3200" dirty="0"/>
+              <a:t>	</a:t>
+            </a:r>
+            <a:r>
+              <a:rPr lang="en-US" altLang="zh-CN" sz="3200" dirty="0" smtClean="0"/>
+              <a:t>    </a:t>
+            </a:r>
+            <a:r>
+              <a:rPr lang="en-US" altLang="zh-CN" sz="3200" b="1" dirty="0" smtClean="0">
+                <a:solidFill>
+                  <a:srgbClr val="382E92"/>
+                </a:solidFill>
+              </a:rPr>
+              <a:t>&lt;title&gt;</a:t>
+            </a:r>
+            <a:r>
+              <a:rPr lang="en-US" altLang="zh-CN" sz="3200" b="1" dirty="0" smtClean="0"/>
+              <a:t>demo</a:t>
+            </a:r>
+            <a:r>
+              <a:rPr lang="en-US" altLang="zh-CN" sz="3200" b="1" dirty="0" smtClean="0">
+                <a:solidFill>
+                  <a:srgbClr val="382E92"/>
+                </a:solidFill>
+              </a:rPr>
+              <a:t>&lt;</a:t>
+            </a:r>
+            <a:r>
+              <a:rPr lang="en-US" altLang="zh-CN" sz="3200" b="1" dirty="0">
+                <a:solidFill>
+                  <a:srgbClr val="FF0000"/>
+                </a:solidFill>
+              </a:rPr>
+              <a:t>/</a:t>
+            </a:r>
+            <a:r>
+              <a:rPr lang="en-US" altLang="zh-CN" sz="3200" b="1" dirty="0">
+                <a:solidFill>
+                  <a:srgbClr val="382E92"/>
+                </a:solidFill>
+              </a:rPr>
+              <a:t>title&gt;</a:t>
+            </a:r>
+          </a:p>
+          <a:p>
+            <a:pPr>
+              <a:lnSpc>
+                <a:spcPts val="4000"/>
+              </a:lnSpc>
+            </a:pPr>
+            <a:r>
+              <a:rPr lang="en-US" altLang="zh-CN" sz="3200" b="1" dirty="0">
+                <a:solidFill>
+                  <a:srgbClr val="382E92"/>
+                </a:solidFill>
+              </a:rPr>
+              <a:t>	&lt;</a:t>
+            </a:r>
+            <a:r>
+              <a:rPr lang="en-US" altLang="zh-CN" sz="3200" b="1" dirty="0">
+                <a:solidFill>
+                  <a:srgbClr val="FF0000"/>
+                </a:solidFill>
+              </a:rPr>
+              <a:t>/</a:t>
+            </a:r>
+            <a:r>
+              <a:rPr lang="en-US" altLang="zh-CN" sz="3200" b="1" dirty="0">
+                <a:solidFill>
+                  <a:srgbClr val="382E92"/>
+                </a:solidFill>
+              </a:rPr>
+              <a:t>head&gt;</a:t>
+            </a:r>
+          </a:p>
+          <a:p>
+            <a:pPr>
+              <a:lnSpc>
+                <a:spcPts val="4000"/>
+              </a:lnSpc>
+            </a:pPr>
+            <a:r>
+              <a:rPr lang="en-US" altLang="zh-CN" sz="3200" b="1" dirty="0">
+                <a:solidFill>
+                  <a:srgbClr val="382E92"/>
+                </a:solidFill>
+              </a:rPr>
+              <a:t>	&lt;body&gt;</a:t>
+            </a:r>
+          </a:p>
+          <a:p>
+            <a:pPr>
+              <a:lnSpc>
+                <a:spcPts val="4000"/>
+              </a:lnSpc>
+            </a:pPr>
+            <a:r>
+              <a:rPr lang="en-US" altLang="zh-CN" sz="3200" dirty="0"/>
+              <a:t>		</a:t>
+            </a:r>
+            <a:r>
+              <a:rPr lang="en-US" altLang="zh-CN" sz="3200" b="1" dirty="0" smtClean="0"/>
+              <a:t>Hello World</a:t>
+            </a:r>
+            <a:r>
+              <a:rPr lang="zh-CN" altLang="en-US" sz="3200" b="1" dirty="0">
+                <a:solidFill>
+                  <a:srgbClr val="382E92"/>
+                </a:solidFill>
+              </a:rPr>
+              <a:t>！</a:t>
+            </a:r>
             <a:endParaRPr lang="en-US" altLang="zh-CN" sz="3200" b="1" dirty="0">
               <a:solidFill>
                 <a:srgbClr val="382E92"/>
@@ -24226,249 +23846,24 @@
                   <a:srgbClr val="382E92"/>
                 </a:solidFill>
               </a:rPr>
-              <a:t>	&lt;head</a:t>
-            </a:r>
-            <a:r>
-              <a:rPr lang="en-US" altLang="zh-CN" sz="3200" b="1" dirty="0" smtClean="0">
+              <a:t>	&lt;</a:t>
+            </a:r>
+            <a:r>
+              <a:rPr lang="en-US" altLang="zh-CN" sz="3200" b="1" dirty="0">
                 <a:solidFill>
-                  <a:srgbClr val="382E92"/>
+                  <a:srgbClr val="FF0000"/>
                 </a:solidFill>
               </a:rPr>
-              <a:t>&gt;</a:t>
-            </a:r>
-            <a:endParaRPr lang="en-US" altLang="zh-CN" sz="3200" b="1" dirty="0" smtClean="0">
-              <a:solidFill>
-                <a:srgbClr val="382E92"/>
-              </a:solidFill>
-            </a:endParaRPr>
-          </a:p>
-          <a:p>
-            <a:pPr>
-              <a:lnSpc>
-                <a:spcPts val="4000"/>
-              </a:lnSpc>
-            </a:pPr>
+              <a:t>/</a:t>
+            </a:r>
             <a:r>
               <a:rPr lang="en-US" altLang="zh-CN" sz="3200" b="1" dirty="0">
                 <a:solidFill>
                   <a:srgbClr val="382E92"/>
                 </a:solidFill>
               </a:rPr>
-              <a:t>	</a:t>
-            </a:r>
-            <a:r>
-              <a:rPr lang="en-US" altLang="zh-CN" sz="3200" b="1" dirty="0" smtClean="0">
-                <a:solidFill>
-                  <a:srgbClr val="382E92"/>
-                </a:solidFill>
-              </a:rPr>
-              <a:t>    &lt;</a:t>
-            </a:r>
-            <a:r>
-              <a:rPr lang="en-US" altLang="zh-CN" sz="3200" b="1" dirty="0">
-                <a:solidFill>
-                  <a:srgbClr val="382E92"/>
-                </a:solidFill>
-              </a:rPr>
-              <a:t>meta charset="UTF-8"</a:t>
-            </a:r>
-            <a:r>
-              <a:rPr lang="en-US" altLang="zh-CN" sz="3200" b="1" dirty="0">
-                <a:solidFill>
-                  <a:srgbClr val="FF0000"/>
-                </a:solidFill>
-              </a:rPr>
-              <a:t>/</a:t>
-            </a:r>
-            <a:r>
-              <a:rPr lang="en-US" altLang="zh-CN" sz="3200" b="1" dirty="0">
-                <a:solidFill>
-                  <a:srgbClr val="382E92"/>
-                </a:solidFill>
-              </a:rPr>
-              <a:t>&gt;</a:t>
-            </a:r>
-            <a:endParaRPr lang="en-US" altLang="zh-CN" sz="3200" b="1" dirty="0">
-              <a:solidFill>
-                <a:srgbClr val="382E92"/>
-              </a:solidFill>
-            </a:endParaRPr>
-          </a:p>
-          <a:p>
-            <a:pPr>
-              <a:lnSpc>
-                <a:spcPts val="4000"/>
-              </a:lnSpc>
-            </a:pPr>
-            <a:r>
-              <a:rPr lang="en-US" altLang="zh-CN" sz="3200" dirty="0"/>
-              <a:t>	</a:t>
-            </a:r>
-            <a:r>
-              <a:rPr lang="en-US" altLang="zh-CN" sz="3200" dirty="0" smtClean="0"/>
-              <a:t>    </a:t>
-            </a:r>
-            <a:r>
-              <a:rPr lang="en-US" altLang="zh-CN" sz="3200" b="1" dirty="0" smtClean="0">
-                <a:solidFill>
-                  <a:srgbClr val="382E92"/>
-                </a:solidFill>
-              </a:rPr>
-              <a:t>&lt;title&gt;</a:t>
-            </a:r>
-            <a:r>
-              <a:rPr lang="en-US" altLang="zh-CN" sz="3200" b="1" dirty="0" smtClean="0"/>
-              <a:t>demo</a:t>
-            </a:r>
-            <a:r>
-              <a:rPr lang="en-US" altLang="zh-CN" sz="3200" b="1" dirty="0" smtClean="0">
-                <a:solidFill>
-                  <a:srgbClr val="382E92"/>
-                </a:solidFill>
-              </a:rPr>
-              <a:t>&lt;</a:t>
-            </a:r>
-            <a:r>
-              <a:rPr lang="en-US" altLang="zh-CN" sz="3200" b="1" dirty="0">
-                <a:solidFill>
-                  <a:srgbClr val="FF0000"/>
-                </a:solidFill>
-              </a:rPr>
-              <a:t>/</a:t>
-            </a:r>
-            <a:r>
-              <a:rPr lang="en-US" altLang="zh-CN" sz="3200" b="1" dirty="0">
-                <a:solidFill>
-                  <a:srgbClr val="382E92"/>
-                </a:solidFill>
-              </a:rPr>
-              <a:t>title&gt;</a:t>
-            </a:r>
-            <a:endParaRPr lang="en-US" altLang="zh-CN" sz="3200" b="1" dirty="0">
-              <a:solidFill>
-                <a:srgbClr val="382E92"/>
-              </a:solidFill>
-            </a:endParaRPr>
-          </a:p>
-          <a:p>
-            <a:pPr>
-              <a:lnSpc>
-                <a:spcPts val="4000"/>
-              </a:lnSpc>
-            </a:pPr>
-            <a:r>
-              <a:rPr lang="en-US" altLang="zh-CN" sz="3200" b="1" dirty="0">
-                <a:solidFill>
-                  <a:srgbClr val="382E92"/>
-                </a:solidFill>
-              </a:rPr>
-              <a:t>	&lt;</a:t>
-            </a:r>
-            <a:r>
-              <a:rPr lang="en-US" altLang="zh-CN" sz="3200" b="1" dirty="0">
-                <a:solidFill>
-                  <a:srgbClr val="FF0000"/>
-                </a:solidFill>
-              </a:rPr>
-              <a:t>/</a:t>
-            </a:r>
-            <a:r>
-              <a:rPr lang="en-US" altLang="zh-CN" sz="3200" b="1" dirty="0">
-                <a:solidFill>
-                  <a:srgbClr val="382E92"/>
-                </a:solidFill>
-              </a:rPr>
-              <a:t>head&gt;</a:t>
-            </a:r>
-            <a:endParaRPr lang="en-US" altLang="zh-CN" sz="3200" b="1" dirty="0">
-              <a:solidFill>
-                <a:srgbClr val="382E92"/>
-              </a:solidFill>
-            </a:endParaRPr>
-          </a:p>
-          <a:p>
-            <a:pPr>
-              <a:lnSpc>
-                <a:spcPts val="4000"/>
-              </a:lnSpc>
-            </a:pPr>
-            <a:r>
-              <a:rPr lang="en-US" altLang="zh-CN" sz="3200" b="1" dirty="0">
-                <a:solidFill>
-                  <a:srgbClr val="382E92"/>
-                </a:solidFill>
-              </a:rPr>
-              <a:t>	&lt;body&gt;</a:t>
-            </a:r>
-            <a:endParaRPr lang="en-US" altLang="zh-CN" sz="3200" b="1" dirty="0">
-              <a:solidFill>
-                <a:srgbClr val="382E92"/>
-              </a:solidFill>
-            </a:endParaRPr>
-          </a:p>
-          <a:p>
-            <a:pPr>
-              <a:lnSpc>
-                <a:spcPts val="4000"/>
-              </a:lnSpc>
-            </a:pPr>
-            <a:r>
-              <a:rPr lang="en-US" altLang="zh-CN" sz="3200" dirty="0"/>
-              <a:t>		</a:t>
-            </a:r>
-            <a:r>
-              <a:rPr lang="en-US" altLang="zh-CN" sz="3200" b="1" dirty="0" smtClean="0"/>
-              <a:t>Hello World</a:t>
-            </a:r>
-            <a:r>
-              <a:rPr lang="zh-CN" altLang="en-US" sz="3200" b="1" dirty="0">
-                <a:solidFill>
-                  <a:srgbClr val="382E92"/>
-                </a:solidFill>
-              </a:rPr>
-              <a:t>！</a:t>
-            </a:r>
-            <a:endParaRPr lang="en-US" altLang="zh-CN" sz="3200" b="1" dirty="0">
-              <a:solidFill>
-                <a:srgbClr val="382E92"/>
-              </a:solidFill>
-            </a:endParaRPr>
-          </a:p>
-          <a:p>
-            <a:pPr>
-              <a:lnSpc>
-                <a:spcPts val="4000"/>
-              </a:lnSpc>
-            </a:pPr>
-            <a:r>
-              <a:rPr lang="en-US" altLang="zh-CN" sz="3200" b="1" dirty="0">
-                <a:solidFill>
-                  <a:srgbClr val="382E92"/>
-                </a:solidFill>
-              </a:rPr>
-              <a:t>	&lt;</a:t>
-            </a:r>
-            <a:r>
-              <a:rPr lang="en-US" altLang="zh-CN" sz="3200" b="1" dirty="0">
-                <a:solidFill>
-                  <a:srgbClr val="FF0000"/>
-                </a:solidFill>
-              </a:rPr>
-              <a:t>/</a:t>
-            </a:r>
-            <a:r>
-              <a:rPr lang="en-US" altLang="zh-CN" sz="3200" b="1" dirty="0">
-                <a:solidFill>
-                  <a:srgbClr val="382E92"/>
-                </a:solidFill>
-              </a:rPr>
               <a:t>body&gt;</a:t>
             </a:r>
-            <a:endParaRPr lang="en-US" altLang="zh-CN" sz="3200" b="1" dirty="0">
-              <a:solidFill>
-                <a:srgbClr val="382E92"/>
-              </a:solidFill>
-            </a:endParaRPr>
           </a:p>
           <a:p>
             <a:pPr>
@@ -24824,12 +24219,6 @@
                 </a:rPr>
                 <a:t>头部</a:t>
               </a:r>
-              <a:endParaRPr lang="zh-CN" altLang="en-US" sz="2800" b="1" dirty="0">
-                <a:solidFill>
-                  <a:srgbClr val="FF0000"/>
-                </a:solidFill>
-                <a:ea typeface="宋体" panose="02010600030101010101" pitchFamily="2" charset="-122"/>
-              </a:endParaRPr>
             </a:p>
           </p:txBody>
         </p:sp>
@@ -25147,12 +24536,6 @@
                 </a:rPr>
                 <a:t>体部</a:t>
               </a:r>
-              <a:endParaRPr lang="zh-CN" altLang="en-US" sz="2800" b="1" dirty="0">
-                <a:solidFill>
-                  <a:srgbClr val="FF0000"/>
-                </a:solidFill>
-                <a:ea typeface="宋体" panose="02010600030101010101" pitchFamily="2" charset="-122"/>
-              </a:endParaRPr>
             </a:p>
           </p:txBody>
         </p:sp>
@@ -25345,6 +24728,7 @@
         <p:spPr/>
         <p:txBody>
           <a:bodyPr/>
+          <a:lstStyle/>
           <a:p>
             <a:r>
               <a:rPr lang="en-US" altLang="zh-CN" smtClean="0">
@@ -25367,11 +24751,11 @@
   <p:clrMapOvr>
     <a:masterClrMapping/>
   </p:clrMapOvr>
-  <mc:AlternateContent xmlns:mc="http://schemas.openxmlformats.org/markup-compatibility/2006">
-    <mc:Choice xmlns:p14="http://schemas.microsoft.com/office/powerpoint/2010/main" Requires="p14">
+  <mc:AlternateContent xmlns:mc="http://schemas.openxmlformats.org/markup-compatibility/2006" xmlns:p14="http://schemas.microsoft.com/office/powerpoint/2010/main">
+    <mc:Choice Requires="p14">
       <p:transition spd="slow" p14:dur="1600"/>
     </mc:Choice>
-    <mc:Fallback>
+    <mc:Fallback xmlns="">
       <p:transition spd="slow"/>
     </mc:Fallback>
   </mc:AlternateContent>
@@ -25884,13 +25268,6 @@
               </a:rPr>
               <a:t>本节内容</a:t>
             </a:r>
-            <a:endParaRPr lang="zh-CN" altLang="en-US" sz="5700" b="1" dirty="0">
-              <a:solidFill>
-                <a:schemeClr val="bg1"/>
-              </a:solidFill>
-              <a:latin typeface="微软雅黑" panose="020B0503020204020204" pitchFamily="34" charset="-122"/>
-              <a:ea typeface="微软雅黑" panose="020B0503020204020204" pitchFamily="34" charset="-122"/>
-            </a:endParaRPr>
           </a:p>
         </p:txBody>
       </p:sp>
@@ -26252,13 +25629,6 @@
               </a:rPr>
               <a:t>常见问题及经验总结</a:t>
             </a:r>
-            <a:endParaRPr lang="zh-CN" altLang="en-US" sz="2800" dirty="0">
-              <a:solidFill>
-                <a:srgbClr val="595E64"/>
-              </a:solidFill>
-              <a:latin typeface="微软雅黑" panose="020B0503020204020204" pitchFamily="34" charset="-122"/>
-              <a:ea typeface="微软雅黑" panose="020B0503020204020204" pitchFamily="34" charset="-122"/>
-            </a:endParaRPr>
           </a:p>
         </p:txBody>
       </p:sp>
@@ -26386,13 +25756,6 @@
               </a:rPr>
               <a:t>编码规范</a:t>
             </a:r>
-            <a:endParaRPr lang="zh-CN" altLang="en-US" sz="2800" dirty="0">
-              <a:solidFill>
-                <a:srgbClr val="595E64"/>
-              </a:solidFill>
-              <a:latin typeface="微软雅黑" panose="020B0503020204020204" pitchFamily="34" charset="-122"/>
-              <a:ea typeface="微软雅黑" panose="020B0503020204020204" pitchFamily="34" charset="-122"/>
-            </a:endParaRPr>
           </a:p>
         </p:txBody>
       </p:sp>
@@ -26435,6 +25798,7 @@
         </p:style>
         <p:txBody>
           <a:bodyPr lIns="108850" tIns="54425" rIns="108850" bIns="54425" rtlCol="0" anchor="ctr"/>
+          <a:lstStyle/>
           <a:p>
             <a:pPr algn="ctr"/>
             <a:endParaRPr lang="zh-CN" altLang="en-US"/>
@@ -26461,6 +25825,7 @@
           <a:bodyPr wrap="square" lIns="108850" tIns="54425" rIns="108850" bIns="54425" rtlCol="0">
             <a:spAutoFit/>
           </a:bodyPr>
+          <a:lstStyle/>
           <a:p>
             <a:r>
               <a:rPr lang="zh-CN" altLang="en-US" sz="2800" dirty="0">
@@ -26502,6 +25867,7 @@
           <a:bodyPr wrap="square" lIns="108850" tIns="54425" rIns="108850" bIns="54425" rtlCol="0">
             <a:spAutoFit/>
           </a:bodyPr>
+          <a:lstStyle/>
           <a:p>
             <a:r>
               <a:rPr lang="en-US" altLang="zh-CN" sz="2800" dirty="0">
@@ -26523,13 +25889,6 @@
               </a:rPr>
               <a:t>基本样式修饰</a:t>
             </a:r>
-            <a:endParaRPr lang="zh-CN" altLang="en-US" sz="2800" dirty="0">
-              <a:solidFill>
-                <a:srgbClr val="595E64"/>
-              </a:solidFill>
-              <a:latin typeface="微软雅黑" panose="020B0503020204020204" pitchFamily="34" charset="-122"/>
-              <a:ea typeface="微软雅黑" panose="020B0503020204020204" pitchFamily="34" charset="-122"/>
-            </a:endParaRPr>
           </a:p>
         </p:txBody>
       </p:sp>
@@ -26572,6 +25931,7 @@
         </p:style>
         <p:txBody>
           <a:bodyPr lIns="108850" tIns="54425" rIns="108850" bIns="54425" rtlCol="0" anchor="ctr"/>
+          <a:lstStyle/>
           <a:p>
             <a:pPr algn="ctr"/>
             <a:endParaRPr lang="zh-CN" altLang="en-US"/>
@@ -26617,6 +25977,7 @@
         </p:style>
         <p:txBody>
           <a:bodyPr lIns="108850" tIns="54425" rIns="108850" bIns="54425" rtlCol="0" anchor="ctr"/>
+          <a:lstStyle/>
           <a:p>
             <a:pPr algn="ctr"/>
             <a:endParaRPr lang="zh-CN" altLang="en-US"/>
@@ -26643,6 +26004,7 @@
           <a:bodyPr wrap="square" lIns="108850" tIns="54425" rIns="108850" bIns="54425" rtlCol="0">
             <a:spAutoFit/>
           </a:bodyPr>
+          <a:lstStyle/>
           <a:p>
             <a:r>
               <a:rPr lang="en-US" altLang="zh-CN" sz="2800" dirty="0">
@@ -26664,13 +26026,6 @@
               </a:rPr>
               <a:t>颜色、单位</a:t>
             </a:r>
-            <a:endParaRPr lang="zh-CN" altLang="en-US" sz="2800" dirty="0">
-              <a:solidFill>
-                <a:srgbClr val="595E64"/>
-              </a:solidFill>
-              <a:latin typeface="微软雅黑" panose="020B0503020204020204" pitchFamily="34" charset="-122"/>
-              <a:ea typeface="微软雅黑" panose="020B0503020204020204" pitchFamily="34" charset="-122"/>
-            </a:endParaRPr>
           </a:p>
         </p:txBody>
       </p:sp>
@@ -26713,6 +26068,7 @@
         </p:style>
         <p:txBody>
           <a:bodyPr lIns="108850" tIns="54425" rIns="108850" bIns="54425" rtlCol="0" anchor="ctr"/>
+          <a:lstStyle/>
           <a:p>
             <a:pPr algn="ctr"/>
             <a:endParaRPr lang="zh-CN" altLang="en-US"/>
@@ -26739,6 +26095,7 @@
           <a:bodyPr wrap="square" lIns="108850" tIns="54425" rIns="108850" bIns="54425" rtlCol="0">
             <a:spAutoFit/>
           </a:bodyPr>
+          <a:lstStyle/>
           <a:p>
             <a:r>
               <a:rPr lang="en-US" altLang="zh-CN" sz="2800" dirty="0">
@@ -26760,13 +26117,6 @@
               </a:rPr>
               <a:t>盒子模型及其应用</a:t>
             </a:r>
-            <a:endParaRPr lang="zh-CN" altLang="en-US" sz="2800" dirty="0">
-              <a:solidFill>
-                <a:srgbClr val="595E64"/>
-              </a:solidFill>
-              <a:latin typeface="微软雅黑" panose="020B0503020204020204" pitchFamily="34" charset="-122"/>
-              <a:ea typeface="微软雅黑" panose="020B0503020204020204" pitchFamily="34" charset="-122"/>
-            </a:endParaRPr>
           </a:p>
         </p:txBody>
       </p:sp>
@@ -26775,11 +26125,11 @@
   <p:clrMapOvr>
     <a:masterClrMapping/>
   </p:clrMapOvr>
-  <mc:AlternateContent xmlns:mc="http://schemas.openxmlformats.org/markup-compatibility/2006">
-    <mc:Choice xmlns:p14="http://schemas.microsoft.com/office/powerpoint/2010/main" Requires="p14">
+  <mc:AlternateContent xmlns:mc="http://schemas.openxmlformats.org/markup-compatibility/2006" xmlns:p14="http://schemas.microsoft.com/office/powerpoint/2010/main">
+    <mc:Choice Requires="p14">
       <p:transition spd="slow" p14:dur="1600"/>
     </mc:Choice>
-    <mc:Fallback>
+    <mc:Fallback xmlns="">
       <p:transition spd="slow"/>
     </mc:Fallback>
   </mc:AlternateContent>
@@ -26802,7 +26152,14 @@
         <p:cNvGrpSpPr/>
         <p:nvPr/>
       </p:nvGrpSpPr>
-      <p:grpSpPr/>
+      <p:grpSpPr>
+        <a:xfrm>
+          <a:off x="0" y="0"/>
+          <a:ext cx="0" cy="0"/>
+          <a:chOff x="0" y="0"/>
+          <a:chExt cx="0" cy="0"/>
+        </a:xfrm>
+      </p:grpSpPr>
       <p:sp>
         <p:nvSpPr>
           <p:cNvPr id="3" name="标题 2"/>
@@ -26816,6 +26173,7 @@
         <p:spPr/>
         <p:txBody>
           <a:bodyPr/>
+          <a:lstStyle/>
           <a:p>
             <a:r>
               <a:rPr lang="zh-CN" altLang="en-US" smtClean="0">
@@ -26842,6 +26200,7 @@
         <p:spPr/>
         <p:txBody>
           <a:bodyPr/>
+          <a:lstStyle/>
           <a:p>
             <a:r>
               <a:rPr lang="zh-CN" altLang="en-US" dirty="0">
@@ -26867,7 +26226,7 @@
         </p:nvGraphicFramePr>
         <p:xfrm>
           <a:off x="1815163" y="2009775"/>
-          <a:ext cx="8754110" cy="3627120"/>
+          <a:ext cx="8754110" cy="3108960"/>
         </p:xfrm>
         <a:graphic>
           <a:graphicData uri="http://schemas.openxmlformats.org/drawingml/2006/table">
@@ -26885,6 +26244,7 @@
                 <a:tc>
                   <a:txBody>
                     <a:bodyPr/>
+                    <a:lstStyle/>
                     <a:p>
                       <a:pPr algn="l"/>
                       <a:r>
@@ -26902,6 +26262,7 @@
                 <a:tc>
                   <a:txBody>
                     <a:bodyPr/>
+                    <a:lstStyle/>
                     <a:p>
                       <a:pPr algn="l"/>
                       <a:r>
@@ -26919,6 +26280,7 @@
                 <a:tc>
                   <a:txBody>
                     <a:bodyPr/>
+                    <a:lstStyle/>
                     <a:p>
                       <a:pPr algn="l"/>
                       <a:r>
@@ -26936,6 +26298,7 @@
                 <a:tc>
                   <a:txBody>
                     <a:bodyPr/>
+                    <a:lstStyle/>
                     <a:p>
                       <a:pPr algn="l"/>
                       <a:r>
@@ -26955,6 +26318,7 @@
                 <a:tc>
                   <a:txBody>
                     <a:bodyPr/>
+                    <a:lstStyle/>
                     <a:p>
                       <a:pPr algn="l"/>
                       <a:r>
@@ -26980,6 +26344,7 @@
                 <a:tc>
                   <a:txBody>
                     <a:bodyPr/>
+                    <a:lstStyle/>
                     <a:p>
                       <a:pPr marL="0" marR="0" indent="0" algn="l" defTabSz="914400" rtl="0" eaLnBrk="1" fontAlgn="auto" latinLnBrk="0" hangingPunct="1">
                         <a:lnSpc>
@@ -27012,6 +26377,7 @@
                 <a:tc>
                   <a:txBody>
                     <a:bodyPr/>
+                    <a:lstStyle/>
                     <a:p>
                       <a:pPr algn="l"/>
                       <a:r>
@@ -27029,6 +26395,7 @@
                 <a:tc>
                   <a:txBody>
                     <a:bodyPr/>
+                    <a:lstStyle/>
                     <a:p>
                       <a:pPr marL="0" marR="0" indent="0" algn="l" defTabSz="914400" rtl="0" eaLnBrk="1" fontAlgn="auto" latinLnBrk="0" hangingPunct="1">
                         <a:lnSpc>
@@ -27071,6 +26438,7 @@
                 <a:tc>
                   <a:txBody>
                     <a:bodyPr/>
+                    <a:lstStyle/>
                     <a:p>
                       <a:pPr marL="0" marR="0" indent="0" algn="l" defTabSz="914400" rtl="0" eaLnBrk="1" fontAlgn="auto" latinLnBrk="0" hangingPunct="1">
                         <a:lnSpc>
@@ -27103,6 +26471,7 @@
                 <a:tc>
                   <a:txBody>
                     <a:bodyPr/>
+                    <a:lstStyle/>
                     <a:p>
                       <a:pPr algn="l"/>
                       <a:r>
@@ -27128,6 +26497,7 @@
                 <a:tc>
                   <a:txBody>
                     <a:bodyPr/>
+                    <a:lstStyle/>
                     <a:p>
                       <a:pPr algn="l"/>
                       <a:r>
@@ -27153,6 +26523,7 @@
                 <a:tc>
                   <a:txBody>
                     <a:bodyPr/>
+                    <a:lstStyle/>
                     <a:p>
                       <a:pPr algn="l"/>
                       <a:r>
@@ -27172,6 +26543,7 @@
                 <a:tc>
                   <a:txBody>
                     <a:bodyPr/>
+                    <a:lstStyle/>
                     <a:p>
                       <a:pPr marL="0" marR="0" indent="0" algn="l" defTabSz="914400" rtl="0" eaLnBrk="1" fontAlgn="auto" latinLnBrk="0" hangingPunct="1">
                         <a:lnSpc>
@@ -27204,6 +26576,7 @@
                 <a:tc>
                   <a:txBody>
                     <a:bodyPr/>
+                    <a:lstStyle/>
                     <a:p>
                       <a:pPr algn="l"/>
                       <a:r>
@@ -27229,6 +26602,7 @@
                 <a:tc>
                   <a:txBody>
                     <a:bodyPr/>
+                    <a:lstStyle/>
                     <a:p>
                       <a:pPr algn="l"/>
                       <a:r>
@@ -27254,6 +26628,7 @@
                 <a:tc>
                   <a:txBody>
                     <a:bodyPr/>
+                    <a:lstStyle/>
                     <a:p>
                       <a:pPr algn="l"/>
                       <a:r>
@@ -27273,6 +26648,7 @@
                 <a:tc>
                   <a:txBody>
                     <a:bodyPr/>
+                    <a:lstStyle/>
                     <a:p>
                       <a:pPr marL="0" marR="0" indent="0" algn="l" defTabSz="914400" rtl="0" eaLnBrk="1" fontAlgn="auto" latinLnBrk="0" hangingPunct="1">
                         <a:lnSpc>
@@ -27305,6 +26681,7 @@
                 <a:tc>
                   <a:txBody>
                     <a:bodyPr/>
+                    <a:lstStyle/>
                     <a:p>
                       <a:pPr algn="l"/>
                       <a:r>
@@ -27322,6 +26699,7 @@
                 <a:tc>
                   <a:txBody>
                     <a:bodyPr/>
+                    <a:lstStyle/>
                     <a:p>
                       <a:pPr algn="l"/>
                       <a:r>
@@ -27339,6 +26717,7 @@
                 <a:tc>
                   <a:txBody>
                     <a:bodyPr/>
+                    <a:lstStyle/>
                     <a:p>
                       <a:pPr algn="l"/>
                       <a:r>
@@ -27358,6 +26737,7 @@
                 <a:tc>
                   <a:txBody>
                     <a:bodyPr/>
+                    <a:lstStyle/>
                     <a:p>
                       <a:pPr marL="0" marR="0" indent="0" algn="l" defTabSz="914400" rtl="0" eaLnBrk="1" fontAlgn="auto" latinLnBrk="0" hangingPunct="1">
                         <a:lnSpc>
@@ -27398,6 +26778,7 @@
                 <a:tc>
                   <a:txBody>
                     <a:bodyPr/>
+                    <a:lstStyle/>
                     <a:p>
                       <a:pPr algn="l"/>
                       <a:r>
@@ -27415,6 +26796,7 @@
                 <a:tc>
                   <a:txBody>
                     <a:bodyPr/>
+                    <a:lstStyle/>
                     <a:p>
                       <a:pPr algn="l"/>
                       <a:r>
@@ -27432,6 +26814,7 @@
                 <a:tc>
                   <a:txBody>
                     <a:bodyPr/>
+                    <a:lstStyle/>
                     <a:p>
                       <a:pPr algn="l"/>
                       <a:r>
@@ -27458,11 +26841,11 @@
   <p:clrMapOvr>
     <a:masterClrMapping/>
   </p:clrMapOvr>
-  <mc:AlternateContent xmlns:mc="http://schemas.openxmlformats.org/markup-compatibility/2006">
-    <mc:Choice xmlns:p14="http://schemas.microsoft.com/office/powerpoint/2010/main" Requires="p14">
+  <mc:AlternateContent xmlns:mc="http://schemas.openxmlformats.org/markup-compatibility/2006" xmlns:p14="http://schemas.microsoft.com/office/powerpoint/2010/main">
+    <mc:Choice Requires="p14">
       <p:transition spd="slow" p14:dur="1600"/>
     </mc:Choice>
-    <mc:Fallback>
+    <mc:Fallback xmlns="">
       <p:transition spd="slow"/>
     </mc:Fallback>
   </mc:AlternateContent>
@@ -27720,9 +27103,11 @@
       </a:bgFillStyleLst>
     </a:fmtScheme>
   </a:themeElements>
+  <a:objectDefaults/>
+  <a:extraClrSchemeLst/>
   <a:extLst>
     <a:ext uri="{05A4C25C-085E-4340-85A3-A5531E510DB2}">
-      <thm15:themeFamily xmlns:thm15="http://schemas.microsoft.com/office/thememl/2012/main" name="Office Theme" id="{62F939B6-93AF-4DB8-9C6B-D6C7DFDC589F}" vid="{4A3C46E8-61CC-4603-A589-7422A47A8E4A}"/>
+      <thm15:themeFamily xmlns:thm15="http://schemas.microsoft.com/office/thememl/2012/main" xmlns="" name="Office Theme" id="{62F939B6-93AF-4DB8-9C6B-D6C7DFDC589F}" vid="{4A3C46E8-61CC-4603-A589-7422A47A8E4A}"/>
     </a:ext>
   </a:extLst>
 </a:theme>
@@ -27979,9 +27364,11 @@
       </a:bgFillStyleLst>
     </a:fmtScheme>
   </a:themeElements>
+  <a:objectDefaults/>
+  <a:extraClrSchemeLst/>
   <a:extLst>
     <a:ext uri="{05A4C25C-085E-4340-85A3-A5531E510DB2}">
-      <thm15:themeFamily xmlns:thm15="http://schemas.microsoft.com/office/thememl/2012/main" name="Office Theme" id="{62F939B6-93AF-4DB8-9C6B-D6C7DFDC589F}" vid="{4A3C46E8-61CC-4603-A589-7422A47A8E4A}"/>
+      <thm15:themeFamily xmlns:thm15="http://schemas.microsoft.com/office/thememl/2012/main" xmlns="" name="Office Theme" id="{62F939B6-93AF-4DB8-9C6B-D6C7DFDC589F}" vid="{4A3C46E8-61CC-4603-A589-7422A47A8E4A}"/>
     </a:ext>
   </a:extLst>
 </a:theme>
